--- a/PROYECTO- SALAUTO.pptx
+++ b/PROYECTO- SALAUTO.pptx
@@ -1,38 +1,39 @@
 
 <file path=ppt/presentation.xml><?xml version="1.0" encoding="utf-8"?>
-<p:presentation xmlns:a="http://schemas.openxmlformats.org/drawingml/2006/main" xmlns:r="http://schemas.openxmlformats.org/officeDocument/2006/relationships" xmlns:p="http://schemas.openxmlformats.org/presentationml/2006/main" saveSubsetFonts="1">
+<p:presentation xmlns:a="http://schemas.openxmlformats.org/drawingml/2006/main" xmlns:r="http://schemas.openxmlformats.org/officeDocument/2006/relationships" xmlns:p="http://schemas.openxmlformats.org/presentationml/2006/main">
   <p:sldMasterIdLst>
-    <p:sldMasterId id="2147483660" r:id="rId1"/>
+    <p:sldMasterId id="2147483648" r:id="rId1"/>
   </p:sldMasterIdLst>
   <p:sldIdLst>
-    <p:sldId id="256" r:id="rId2"/>
-    <p:sldId id="257" r:id="rId3"/>
-    <p:sldId id="258" r:id="rId4"/>
-    <p:sldId id="259" r:id="rId5"/>
-    <p:sldId id="260" r:id="rId6"/>
-    <p:sldId id="262" r:id="rId7"/>
-    <p:sldId id="263" r:id="rId8"/>
-    <p:sldId id="264" r:id="rId9"/>
-    <p:sldId id="265" r:id="rId10"/>
-    <p:sldId id="266" r:id="rId11"/>
-    <p:sldId id="267" r:id="rId12"/>
-    <p:sldId id="269" r:id="rId13"/>
-    <p:sldId id="270" r:id="rId14"/>
-    <p:sldId id="271" r:id="rId15"/>
-    <p:sldId id="273" r:id="rId16"/>
-    <p:sldId id="272" r:id="rId17"/>
-    <p:sldId id="274" r:id="rId18"/>
-    <p:sldId id="275" r:id="rId19"/>
-    <p:sldId id="276" r:id="rId20"/>
-    <p:sldId id="277" r:id="rId21"/>
-    <p:sldId id="278" r:id="rId22"/>
-    <p:sldId id="279" r:id="rId23"/>
-    <p:sldId id="280" r:id="rId24"/>
-    <p:sldId id="282" r:id="rId25"/>
-    <p:sldId id="283" r:id="rId26"/>
-    <p:sldId id="281" r:id="rId27"/>
-    <p:sldId id="284" r:id="rId28"/>
-    <p:sldId id="261" r:id="rId29"/>
+    <p:sldId id="256" r:id="rId3"/>
+    <p:sldId id="257" r:id="rId4"/>
+    <p:sldId id="258" r:id="rId5"/>
+    <p:sldId id="259" r:id="rId6"/>
+    <p:sldId id="260" r:id="rId7"/>
+    <p:sldId id="262" r:id="rId8"/>
+    <p:sldId id="263" r:id="rId9"/>
+    <p:sldId id="264" r:id="rId10"/>
+    <p:sldId id="265" r:id="rId11"/>
+    <p:sldId id="266" r:id="rId12"/>
+    <p:sldId id="267" r:id="rId13"/>
+    <p:sldId id="269" r:id="rId14"/>
+    <p:sldId id="270" r:id="rId15"/>
+    <p:sldId id="271" r:id="rId16"/>
+    <p:sldId id="273" r:id="rId17"/>
+    <p:sldId id="272" r:id="rId18"/>
+    <p:sldId id="274" r:id="rId19"/>
+    <p:sldId id="275" r:id="rId20"/>
+    <p:sldId id="276" r:id="rId21"/>
+    <p:sldId id="277" r:id="rId22"/>
+    <p:sldId id="278" r:id="rId23"/>
+    <p:sldId id="279" r:id="rId24"/>
+    <p:sldId id="280" r:id="rId25"/>
+    <p:sldId id="282" r:id="rId26"/>
+    <p:sldId id="283" r:id="rId27"/>
+    <p:sldId id="281" r:id="rId28"/>
+    <p:sldId id="284" r:id="rId29"/>
+    <p:sldId id="287" r:id="rId30"/>
+    <p:sldId id="261" r:id="rId31"/>
   </p:sldIdLst>
   <p:sldSz cx="12192000" cy="6858000"/>
   <p:notesSz cx="6858000" cy="9144000"/>
@@ -131,16 +132,11 @@
       </a:defRPr>
     </a:lvl9pPr>
   </p:defaultTextStyle>
-  <p:extLst>
-    <p:ext uri="{EFAFB233-063F-42B5-8137-9DF3F51BA10A}">
-      <p15:sldGuideLst xmlns:p15="http://schemas.microsoft.com/office/powerpoint/2012/main"/>
-    </p:ext>
-  </p:extLst>
 </p:presentation>
 </file>
 
 <file path=ppt/slideLayouts/slideLayout1.xml><?xml version="1.0" encoding="utf-8"?>
-<p:sldLayout xmlns:a="http://schemas.openxmlformats.org/drawingml/2006/main" xmlns:r="http://schemas.openxmlformats.org/officeDocument/2006/relationships" xmlns:p="http://schemas.openxmlformats.org/presentationml/2006/main" showMasterSp="0" type="title" preserve="1">
+<p:sldLayout xmlns:a="http://schemas.openxmlformats.org/drawingml/2006/main" xmlns:r="http://schemas.openxmlformats.org/officeDocument/2006/relationships" xmlns:p="http://schemas.openxmlformats.org/presentationml/2006/main" type="title" preserve="1">
   <p:cSld name="Diapositiva de título">
     <p:bg>
       <p:bgPr>
@@ -209,7 +205,7 @@
             <a:spLocks noGrp="1"/>
           </p:cNvSpPr>
           <p:nvPr>
-            <p:ph type="subTitle" idx="1"/>
+            <p:ph type="subTitle" idx="1" hasCustomPrompt="1"/>
           </p:nvPr>
         </p:nvSpPr>
         <p:spPr>
@@ -308,7 +304,6 @@
           <a:p>
             <a:fld id="{C33B65C4-A251-48B5-9198-5BB691CCE9C6}" type="datetimeFigureOut">
               <a:rPr lang="es-ES" smtClean="0"/>
-              <a:t>01/02/2024</a:t>
             </a:fld>
             <a:endParaRPr lang="es-ES"/>
           </a:p>
@@ -376,7 +371,6 @@
           <a:p>
             <a:fld id="{E491B3C7-9435-4831-A8BB-DA7A24336932}" type="slidenum">
               <a:rPr lang="es-ES" smtClean="0"/>
-              <a:t>‹Nº›</a:t>
             </a:fld>
             <a:endParaRPr lang="es-ES"/>
           </a:p>
@@ -447,8 +441,6 @@
               <a:noFill/>
               <a:prstDash val="solid"/>
               <a:round/>
-              <a:headEnd/>
-              <a:tailEnd/>
             </a:ln>
           </p:spPr>
         </p:sp>
@@ -505,18 +497,11 @@
               <a:noFill/>
               <a:prstDash val="solid"/>
               <a:round/>
-              <a:headEnd/>
-              <a:tailEnd/>
             </a:ln>
           </p:spPr>
         </p:sp>
       </p:grpSp>
     </p:spTree>
-    <p:extLst>
-      <p:ext uri="{BB962C8B-B14F-4D97-AF65-F5344CB8AC3E}">
-        <p14:creationId xmlns:p14="http://schemas.microsoft.com/office/powerpoint/2010/main" val="3908414142"/>
-      </p:ext>
-    </p:extLst>
   </p:cSld>
   <p:clrMapOvr>
     <a:overrideClrMapping bg1="lt1" tx1="dk1" bg2="lt2" tx2="dk2" accent1="accent1" accent2="accent2" accent3="accent3" accent4="accent4" accent5="accent5" accent6="accent6" hlink="hlink" folHlink="folHlink"/>
@@ -571,7 +556,7 @@
             <a:spLocks noGrp="1"/>
           </p:cNvSpPr>
           <p:nvPr>
-            <p:ph type="body" orient="vert" idx="1"/>
+            <p:ph type="body" orient="vert" idx="1" hasCustomPrompt="1"/>
           </p:nvPr>
         </p:nvSpPr>
         <p:spPr>
@@ -589,6 +574,7 @@
               <a:rPr lang="es-ES"/>
               <a:t>Haga clic para modificar los estilos de texto del patrón</a:t>
             </a:r>
+            <a:endParaRPr lang="es-ES"/>
           </a:p>
           <a:p>
             <a:pPr lvl="1"/>
@@ -596,6 +582,7 @@
               <a:rPr lang="es-ES"/>
               <a:t>Segundo nivel</a:t>
             </a:r>
+            <a:endParaRPr lang="es-ES"/>
           </a:p>
           <a:p>
             <a:pPr lvl="2"/>
@@ -603,6 +590,7 @@
               <a:rPr lang="es-ES"/>
               <a:t>Tercer nivel</a:t>
             </a:r>
+            <a:endParaRPr lang="es-ES"/>
           </a:p>
           <a:p>
             <a:pPr lvl="3"/>
@@ -610,6 +598,7 @@
               <a:rPr lang="es-ES"/>
               <a:t>Cuarto nivel</a:t>
             </a:r>
+            <a:endParaRPr lang="es-ES"/>
           </a:p>
           <a:p>
             <a:pPr lvl="4"/>
@@ -638,7 +627,6 @@
           <a:p>
             <a:fld id="{C33B65C4-A251-48B5-9198-5BB691CCE9C6}" type="datetimeFigureOut">
               <a:rPr lang="es-ES" smtClean="0"/>
-              <a:t>01/02/2024</a:t>
             </a:fld>
             <a:endParaRPr lang="es-ES"/>
           </a:p>
@@ -680,18 +668,12 @@
           <a:p>
             <a:fld id="{E491B3C7-9435-4831-A8BB-DA7A24336932}" type="slidenum">
               <a:rPr lang="es-ES" smtClean="0"/>
-              <a:t>‹Nº›</a:t>
             </a:fld>
             <a:endParaRPr lang="es-ES"/>
           </a:p>
         </p:txBody>
       </p:sp>
     </p:spTree>
-    <p:extLst>
-      <p:ext uri="{BB962C8B-B14F-4D97-AF65-F5344CB8AC3E}">
-        <p14:creationId xmlns:p14="http://schemas.microsoft.com/office/powerpoint/2010/main" val="2385335286"/>
-      </p:ext>
-    </p:extLst>
   </p:cSld>
   <p:clrMapOvr>
     <a:masterClrMapping/>
@@ -751,7 +733,7 @@
             <a:spLocks noGrp="1"/>
           </p:cNvSpPr>
           <p:nvPr>
-            <p:ph type="body" orient="vert" idx="1"/>
+            <p:ph type="body" orient="vert" idx="1" hasCustomPrompt="1"/>
           </p:nvPr>
         </p:nvSpPr>
         <p:spPr>
@@ -769,6 +751,7 @@
               <a:rPr lang="es-ES"/>
               <a:t>Haga clic para modificar los estilos de texto del patrón</a:t>
             </a:r>
+            <a:endParaRPr lang="es-ES"/>
           </a:p>
           <a:p>
             <a:pPr lvl="1"/>
@@ -776,6 +759,7 @@
               <a:rPr lang="es-ES"/>
               <a:t>Segundo nivel</a:t>
             </a:r>
+            <a:endParaRPr lang="es-ES"/>
           </a:p>
           <a:p>
             <a:pPr lvl="2"/>
@@ -783,6 +767,7 @@
               <a:rPr lang="es-ES"/>
               <a:t>Tercer nivel</a:t>
             </a:r>
+            <a:endParaRPr lang="es-ES"/>
           </a:p>
           <a:p>
             <a:pPr lvl="3"/>
@@ -790,6 +775,7 @@
               <a:rPr lang="es-ES"/>
               <a:t>Cuarto nivel</a:t>
             </a:r>
+            <a:endParaRPr lang="es-ES"/>
           </a:p>
           <a:p>
             <a:pPr lvl="4"/>
@@ -818,7 +804,6 @@
           <a:p>
             <a:fld id="{C33B65C4-A251-48B5-9198-5BB691CCE9C6}" type="datetimeFigureOut">
               <a:rPr lang="es-ES" smtClean="0"/>
-              <a:t>01/02/2024</a:t>
             </a:fld>
             <a:endParaRPr lang="es-ES"/>
           </a:p>
@@ -860,18 +845,12 @@
           <a:p>
             <a:fld id="{E491B3C7-9435-4831-A8BB-DA7A24336932}" type="slidenum">
               <a:rPr lang="es-ES" smtClean="0"/>
-              <a:t>‹Nº›</a:t>
             </a:fld>
             <a:endParaRPr lang="es-ES"/>
           </a:p>
         </p:txBody>
       </p:sp>
     </p:spTree>
-    <p:extLst>
-      <p:ext uri="{BB962C8B-B14F-4D97-AF65-F5344CB8AC3E}">
-        <p14:creationId xmlns:p14="http://schemas.microsoft.com/office/powerpoint/2010/main" val="1509405527"/>
-      </p:ext>
-    </p:extLst>
   </p:cSld>
   <p:clrMapOvr>
     <a:masterClrMapping/>
@@ -926,7 +905,7 @@
             <a:spLocks noGrp="1"/>
           </p:cNvSpPr>
           <p:nvPr>
-            <p:ph idx="1"/>
+            <p:ph idx="1" hasCustomPrompt="1"/>
           </p:nvPr>
         </p:nvSpPr>
         <p:spPr/>
@@ -939,6 +918,7 @@
               <a:rPr lang="es-ES"/>
               <a:t>Haga clic para modificar los estilos de texto del patrón</a:t>
             </a:r>
+            <a:endParaRPr lang="es-ES"/>
           </a:p>
           <a:p>
             <a:pPr lvl="1"/>
@@ -946,6 +926,7 @@
               <a:rPr lang="es-ES"/>
               <a:t>Segundo nivel</a:t>
             </a:r>
+            <a:endParaRPr lang="es-ES"/>
           </a:p>
           <a:p>
             <a:pPr lvl="2"/>
@@ -953,6 +934,7 @@
               <a:rPr lang="es-ES"/>
               <a:t>Tercer nivel</a:t>
             </a:r>
+            <a:endParaRPr lang="es-ES"/>
           </a:p>
           <a:p>
             <a:pPr lvl="3"/>
@@ -960,6 +942,7 @@
               <a:rPr lang="es-ES"/>
               <a:t>Cuarto nivel</a:t>
             </a:r>
+            <a:endParaRPr lang="es-ES"/>
           </a:p>
           <a:p>
             <a:pPr lvl="4"/>
@@ -988,7 +971,6 @@
           <a:p>
             <a:fld id="{C33B65C4-A251-48B5-9198-5BB691CCE9C6}" type="datetimeFigureOut">
               <a:rPr lang="es-ES" smtClean="0"/>
-              <a:t>01/02/2024</a:t>
             </a:fld>
             <a:endParaRPr lang="es-ES"/>
           </a:p>
@@ -1030,18 +1012,12 @@
           <a:p>
             <a:fld id="{E491B3C7-9435-4831-A8BB-DA7A24336932}" type="slidenum">
               <a:rPr lang="es-ES" smtClean="0"/>
-              <a:t>‹Nº›</a:t>
             </a:fld>
             <a:endParaRPr lang="es-ES"/>
           </a:p>
         </p:txBody>
       </p:sp>
     </p:spTree>
-    <p:extLst>
-      <p:ext uri="{BB962C8B-B14F-4D97-AF65-F5344CB8AC3E}">
-        <p14:creationId xmlns:p14="http://schemas.microsoft.com/office/powerpoint/2010/main" val="3409492381"/>
-      </p:ext>
-    </p:extLst>
   </p:cSld>
   <p:clrMapOvr>
     <a:masterClrMapping/>
@@ -1050,7 +1026,7 @@
 </file>
 
 <file path=ppt/slideLayouts/slideLayout3.xml><?xml version="1.0" encoding="utf-8"?>
-<p:sldLayout xmlns:a="http://schemas.openxmlformats.org/drawingml/2006/main" xmlns:r="http://schemas.openxmlformats.org/officeDocument/2006/relationships" xmlns:p="http://schemas.openxmlformats.org/presentationml/2006/main" showMasterSp="0" type="secHead" preserve="1">
+<p:sldLayout xmlns:a="http://schemas.openxmlformats.org/drawingml/2006/main" xmlns:r="http://schemas.openxmlformats.org/officeDocument/2006/relationships" xmlns:p="http://schemas.openxmlformats.org/presentationml/2006/main" type="secHead" preserve="1">
   <p:cSld name="Encabezado de sección">
     <p:bg>
       <p:bgRef idx="1001">
@@ -1116,7 +1092,7 @@
             <a:spLocks noGrp="1"/>
           </p:cNvSpPr>
           <p:nvPr>
-            <p:ph type="body" idx="1"/>
+            <p:ph type="body" idx="1" hasCustomPrompt="1"/>
           </p:nvPr>
         </p:nvSpPr>
         <p:spPr>
@@ -1232,6 +1208,7 @@
               <a:rPr lang="es-ES"/>
               <a:t>Haga clic para modificar los estilos de texto del patrón</a:t>
             </a:r>
+            <a:endParaRPr lang="es-ES"/>
           </a:p>
         </p:txBody>
       </p:sp>
@@ -1265,7 +1242,6 @@
           <a:p>
             <a:fld id="{C33B65C4-A251-48B5-9198-5BB691CCE9C6}" type="datetimeFigureOut">
               <a:rPr lang="es-ES" smtClean="0"/>
-              <a:t>01/02/2024</a:t>
             </a:fld>
             <a:endParaRPr lang="es-ES"/>
           </a:p>
@@ -1333,7 +1309,6 @@
           <a:p>
             <a:fld id="{E491B3C7-9435-4831-A8BB-DA7A24336932}" type="slidenum">
               <a:rPr lang="es-ES" smtClean="0"/>
-              <a:t>‹Nº›</a:t>
             </a:fld>
             <a:endParaRPr lang="es-ES"/>
           </a:p>
@@ -1390,17 +1365,10 @@
             <a:noFill/>
             <a:prstDash val="solid"/>
             <a:round/>
-            <a:headEnd/>
-            <a:tailEnd/>
           </a:ln>
         </p:spPr>
       </p:sp>
     </p:spTree>
-    <p:extLst>
-      <p:ext uri="{BB962C8B-B14F-4D97-AF65-F5344CB8AC3E}">
-        <p14:creationId xmlns:p14="http://schemas.microsoft.com/office/powerpoint/2010/main" val="1833434381"/>
-      </p:ext>
-    </p:extLst>
   </p:cSld>
   <p:clrMapOvr>
     <a:overrideClrMapping bg1="dk1" tx1="lt1" bg2="dk2" tx2="lt2" accent1="accent1" accent2="accent2" accent3="accent3" accent4="accent4" accent5="accent5" accent6="accent6" hlink="hlink" folHlink="folHlink"/>
@@ -1463,7 +1431,7 @@
             <a:spLocks noGrp="1"/>
           </p:cNvSpPr>
           <p:nvPr>
-            <p:ph sz="half" idx="1"/>
+            <p:ph sz="half" idx="1" hasCustomPrompt="1"/>
           </p:nvPr>
         </p:nvSpPr>
         <p:spPr>
@@ -1517,6 +1485,7 @@
               <a:rPr lang="es-ES"/>
               <a:t>Haga clic para modificar los estilos de texto del patrón</a:t>
             </a:r>
+            <a:endParaRPr lang="es-ES"/>
           </a:p>
           <a:p>
             <a:pPr lvl="1"/>
@@ -1524,6 +1493,7 @@
               <a:rPr lang="es-ES"/>
               <a:t>Segundo nivel</a:t>
             </a:r>
+            <a:endParaRPr lang="es-ES"/>
           </a:p>
           <a:p>
             <a:pPr lvl="2"/>
@@ -1531,6 +1501,7 @@
               <a:rPr lang="es-ES"/>
               <a:t>Tercer nivel</a:t>
             </a:r>
+            <a:endParaRPr lang="es-ES"/>
           </a:p>
           <a:p>
             <a:pPr lvl="3"/>
@@ -1538,6 +1509,7 @@
               <a:rPr lang="es-ES"/>
               <a:t>Cuarto nivel</a:t>
             </a:r>
+            <a:endParaRPr lang="es-ES"/>
           </a:p>
           <a:p>
             <a:pPr lvl="4"/>
@@ -1556,7 +1528,7 @@
             <a:spLocks noGrp="1"/>
           </p:cNvSpPr>
           <p:nvPr>
-            <p:ph sz="half" idx="2"/>
+            <p:ph sz="half" idx="2" hasCustomPrompt="1"/>
           </p:nvPr>
         </p:nvSpPr>
         <p:spPr>
@@ -1610,6 +1582,7 @@
               <a:rPr lang="es-ES"/>
               <a:t>Haga clic para modificar los estilos de texto del patrón</a:t>
             </a:r>
+            <a:endParaRPr lang="es-ES"/>
           </a:p>
           <a:p>
             <a:pPr lvl="1"/>
@@ -1617,6 +1590,7 @@
               <a:rPr lang="es-ES"/>
               <a:t>Segundo nivel</a:t>
             </a:r>
+            <a:endParaRPr lang="es-ES"/>
           </a:p>
           <a:p>
             <a:pPr lvl="2"/>
@@ -1624,6 +1598,7 @@
               <a:rPr lang="es-ES"/>
               <a:t>Tercer nivel</a:t>
             </a:r>
+            <a:endParaRPr lang="es-ES"/>
           </a:p>
           <a:p>
             <a:pPr lvl="3"/>
@@ -1631,6 +1606,7 @@
               <a:rPr lang="es-ES"/>
               <a:t>Cuarto nivel</a:t>
             </a:r>
+            <a:endParaRPr lang="es-ES"/>
           </a:p>
           <a:p>
             <a:pPr lvl="4"/>
@@ -1659,7 +1635,6 @@
           <a:p>
             <a:fld id="{C33B65C4-A251-48B5-9198-5BB691CCE9C6}" type="datetimeFigureOut">
               <a:rPr lang="es-ES" smtClean="0"/>
-              <a:t>01/02/2024</a:t>
             </a:fld>
             <a:endParaRPr lang="es-ES"/>
           </a:p>
@@ -1701,18 +1676,12 @@
           <a:p>
             <a:fld id="{E491B3C7-9435-4831-A8BB-DA7A24336932}" type="slidenum">
               <a:rPr lang="es-ES" smtClean="0"/>
-              <a:t>‹Nº›</a:t>
             </a:fld>
             <a:endParaRPr lang="es-ES"/>
           </a:p>
         </p:txBody>
       </p:sp>
     </p:spTree>
-    <p:extLst>
-      <p:ext uri="{BB962C8B-B14F-4D97-AF65-F5344CB8AC3E}">
-        <p14:creationId xmlns:p14="http://schemas.microsoft.com/office/powerpoint/2010/main" val="3039728595"/>
-      </p:ext>
-    </p:extLst>
   </p:cSld>
   <p:clrMapOvr>
     <a:masterClrMapping/>
@@ -1780,7 +1749,7 @@
             <a:spLocks noGrp="1"/>
           </p:cNvSpPr>
           <p:nvPr>
-            <p:ph type="body" idx="1"/>
+            <p:ph type="body" idx="1" hasCustomPrompt="1"/>
           </p:nvPr>
         </p:nvSpPr>
         <p:spPr>
@@ -1850,6 +1819,7 @@
               <a:rPr lang="es-ES"/>
               <a:t>Haga clic para modificar los estilos de texto del patrón</a:t>
             </a:r>
+            <a:endParaRPr lang="es-ES"/>
           </a:p>
         </p:txBody>
       </p:sp>
@@ -1860,7 +1830,7 @@
             <a:spLocks noGrp="1"/>
           </p:cNvSpPr>
           <p:nvPr>
-            <p:ph sz="half" idx="2"/>
+            <p:ph sz="half" idx="2" hasCustomPrompt="1"/>
           </p:nvPr>
         </p:nvSpPr>
         <p:spPr>
@@ -1914,6 +1884,7 @@
               <a:rPr lang="es-ES"/>
               <a:t>Haga clic para modificar los estilos de texto del patrón</a:t>
             </a:r>
+            <a:endParaRPr lang="es-ES"/>
           </a:p>
           <a:p>
             <a:pPr lvl="1"/>
@@ -1921,6 +1892,7 @@
               <a:rPr lang="es-ES"/>
               <a:t>Segundo nivel</a:t>
             </a:r>
+            <a:endParaRPr lang="es-ES"/>
           </a:p>
           <a:p>
             <a:pPr lvl="2"/>
@@ -1928,6 +1900,7 @@
               <a:rPr lang="es-ES"/>
               <a:t>Tercer nivel</a:t>
             </a:r>
+            <a:endParaRPr lang="es-ES"/>
           </a:p>
           <a:p>
             <a:pPr lvl="3"/>
@@ -1935,6 +1908,7 @@
               <a:rPr lang="es-ES"/>
               <a:t>Cuarto nivel</a:t>
             </a:r>
+            <a:endParaRPr lang="es-ES"/>
           </a:p>
           <a:p>
             <a:pPr lvl="4"/>
@@ -1953,7 +1927,7 @@
             <a:spLocks noGrp="1"/>
           </p:cNvSpPr>
           <p:nvPr>
-            <p:ph type="body" sz="quarter" idx="3"/>
+            <p:ph type="body" sz="quarter" idx="3" hasCustomPrompt="1"/>
           </p:nvPr>
         </p:nvSpPr>
         <p:spPr>
@@ -2023,6 +1997,7 @@
               <a:rPr lang="es-ES"/>
               <a:t>Haga clic para modificar los estilos de texto del patrón</a:t>
             </a:r>
+            <a:endParaRPr lang="es-ES"/>
           </a:p>
         </p:txBody>
       </p:sp>
@@ -2033,7 +2008,7 @@
             <a:spLocks noGrp="1"/>
           </p:cNvSpPr>
           <p:nvPr>
-            <p:ph sz="quarter" idx="4"/>
+            <p:ph sz="quarter" idx="4" hasCustomPrompt="1"/>
           </p:nvPr>
         </p:nvSpPr>
         <p:spPr>
@@ -2087,6 +2062,7 @@
               <a:rPr lang="es-ES"/>
               <a:t>Haga clic para modificar los estilos de texto del patrón</a:t>
             </a:r>
+            <a:endParaRPr lang="es-ES"/>
           </a:p>
           <a:p>
             <a:pPr lvl="1"/>
@@ -2094,6 +2070,7 @@
               <a:rPr lang="es-ES"/>
               <a:t>Segundo nivel</a:t>
             </a:r>
+            <a:endParaRPr lang="es-ES"/>
           </a:p>
           <a:p>
             <a:pPr lvl="2"/>
@@ -2101,6 +2078,7 @@
               <a:rPr lang="es-ES"/>
               <a:t>Tercer nivel</a:t>
             </a:r>
+            <a:endParaRPr lang="es-ES"/>
           </a:p>
           <a:p>
             <a:pPr lvl="3"/>
@@ -2108,6 +2086,7 @@
               <a:rPr lang="es-ES"/>
               <a:t>Cuarto nivel</a:t>
             </a:r>
+            <a:endParaRPr lang="es-ES"/>
           </a:p>
           <a:p>
             <a:pPr lvl="4"/>
@@ -2136,7 +2115,6 @@
           <a:p>
             <a:fld id="{C33B65C4-A251-48B5-9198-5BB691CCE9C6}" type="datetimeFigureOut">
               <a:rPr lang="es-ES" smtClean="0"/>
-              <a:t>01/02/2024</a:t>
             </a:fld>
             <a:endParaRPr lang="es-ES"/>
           </a:p>
@@ -2178,18 +2156,12 @@
           <a:p>
             <a:fld id="{E491B3C7-9435-4831-A8BB-DA7A24336932}" type="slidenum">
               <a:rPr lang="es-ES" smtClean="0"/>
-              <a:t>‹Nº›</a:t>
             </a:fld>
             <a:endParaRPr lang="es-ES"/>
           </a:p>
         </p:txBody>
       </p:sp>
     </p:spTree>
-    <p:extLst>
-      <p:ext uri="{BB962C8B-B14F-4D97-AF65-F5344CB8AC3E}">
-        <p14:creationId xmlns:p14="http://schemas.microsoft.com/office/powerpoint/2010/main" val="1698555895"/>
-      </p:ext>
-    </p:extLst>
   </p:cSld>
   <p:clrMapOvr>
     <a:masterClrMapping/>
@@ -2254,7 +2226,6 @@
           <a:p>
             <a:fld id="{C33B65C4-A251-48B5-9198-5BB691CCE9C6}" type="datetimeFigureOut">
               <a:rPr lang="es-ES" smtClean="0"/>
-              <a:t>01/02/2024</a:t>
             </a:fld>
             <a:endParaRPr lang="es-ES"/>
           </a:p>
@@ -2296,18 +2267,12 @@
           <a:p>
             <a:fld id="{E491B3C7-9435-4831-A8BB-DA7A24336932}" type="slidenum">
               <a:rPr lang="es-ES" smtClean="0"/>
-              <a:t>‹Nº›</a:t>
             </a:fld>
             <a:endParaRPr lang="es-ES"/>
           </a:p>
         </p:txBody>
       </p:sp>
     </p:spTree>
-    <p:extLst>
-      <p:ext uri="{BB962C8B-B14F-4D97-AF65-F5344CB8AC3E}">
-        <p14:creationId xmlns:p14="http://schemas.microsoft.com/office/powerpoint/2010/main" val="3788505380"/>
-      </p:ext>
-    </p:extLst>
   </p:cSld>
   <p:clrMapOvr>
     <a:masterClrMapping/>
@@ -2349,7 +2314,6 @@
           <a:p>
             <a:fld id="{C33B65C4-A251-48B5-9198-5BB691CCE9C6}" type="datetimeFigureOut">
               <a:rPr lang="es-ES" smtClean="0"/>
-              <a:t>01/02/2024</a:t>
             </a:fld>
             <a:endParaRPr lang="es-ES"/>
           </a:p>
@@ -2391,18 +2355,12 @@
           <a:p>
             <a:fld id="{E491B3C7-9435-4831-A8BB-DA7A24336932}" type="slidenum">
               <a:rPr lang="es-ES" smtClean="0"/>
-              <a:t>‹Nº›</a:t>
             </a:fld>
             <a:endParaRPr lang="es-ES"/>
           </a:p>
         </p:txBody>
       </p:sp>
     </p:spTree>
-    <p:extLst>
-      <p:ext uri="{BB962C8B-B14F-4D97-AF65-F5344CB8AC3E}">
-        <p14:creationId xmlns:p14="http://schemas.microsoft.com/office/powerpoint/2010/main" val="1027287723"/>
-      </p:ext>
-    </p:extLst>
   </p:cSld>
   <p:clrMapOvr>
     <a:masterClrMapping/>
@@ -2411,7 +2369,7 @@
 </file>
 
 <file path=ppt/slideLayouts/slideLayout8.xml><?xml version="1.0" encoding="utf-8"?>
-<p:sldLayout xmlns:a="http://schemas.openxmlformats.org/drawingml/2006/main" xmlns:r="http://schemas.openxmlformats.org/officeDocument/2006/relationships" xmlns:p="http://schemas.openxmlformats.org/presentationml/2006/main" showMasterSp="0" type="objTx" preserve="1">
+<p:sldLayout xmlns:a="http://schemas.openxmlformats.org/drawingml/2006/main" xmlns:r="http://schemas.openxmlformats.org/officeDocument/2006/relationships" xmlns:p="http://schemas.openxmlformats.org/presentationml/2006/main" type="objTx" preserve="1">
   <p:cSld name="Contenido con título">
     <p:spTree>
       <p:nvGrpSpPr>
@@ -2513,7 +2471,7 @@
             <a:spLocks noGrp="1"/>
           </p:cNvSpPr>
           <p:nvPr>
-            <p:ph idx="1"/>
+            <p:ph idx="1" hasCustomPrompt="1"/>
           </p:nvPr>
         </p:nvSpPr>
         <p:spPr>
@@ -2559,6 +2517,7 @@
               <a:rPr lang="es-ES"/>
               <a:t>Haga clic para modificar los estilos de texto del patrón</a:t>
             </a:r>
+            <a:endParaRPr lang="es-ES"/>
           </a:p>
           <a:p>
             <a:pPr lvl="1"/>
@@ -2566,6 +2525,7 @@
               <a:rPr lang="es-ES"/>
               <a:t>Segundo nivel</a:t>
             </a:r>
+            <a:endParaRPr lang="es-ES"/>
           </a:p>
           <a:p>
             <a:pPr lvl="2"/>
@@ -2573,6 +2533,7 @@
               <a:rPr lang="es-ES"/>
               <a:t>Tercer nivel</a:t>
             </a:r>
+            <a:endParaRPr lang="es-ES"/>
           </a:p>
           <a:p>
             <a:pPr lvl="3"/>
@@ -2580,6 +2541,7 @@
               <a:rPr lang="es-ES"/>
               <a:t>Cuarto nivel</a:t>
             </a:r>
+            <a:endParaRPr lang="es-ES"/>
           </a:p>
           <a:p>
             <a:pPr lvl="4"/>
@@ -2598,7 +2560,7 @@
             <a:spLocks noGrp="1"/>
           </p:cNvSpPr>
           <p:nvPr>
-            <p:ph type="body" sz="half" idx="2"/>
+            <p:ph type="body" sz="half" idx="2" hasCustomPrompt="1"/>
           </p:nvPr>
         </p:nvSpPr>
         <p:spPr>
@@ -2662,6 +2624,7 @@
               <a:rPr lang="es-ES"/>
               <a:t>Haga clic para modificar los estilos de texto del patrón</a:t>
             </a:r>
+            <a:endParaRPr lang="es-ES"/>
           </a:p>
         </p:txBody>
       </p:sp>
@@ -2695,7 +2658,6 @@
           <a:p>
             <a:fld id="{C33B65C4-A251-48B5-9198-5BB691CCE9C6}" type="datetimeFigureOut">
               <a:rPr lang="es-ES" smtClean="0"/>
-              <a:t>01/02/2024</a:t>
             </a:fld>
             <a:endParaRPr lang="es-ES"/>
           </a:p>
@@ -2763,7 +2725,6 @@
           <a:p>
             <a:fld id="{E491B3C7-9435-4831-A8BB-DA7A24336932}" type="slidenum">
               <a:rPr lang="es-ES" smtClean="0"/>
-              <a:t>‹Nº›</a:t>
             </a:fld>
             <a:endParaRPr lang="es-ES"/>
           </a:p>
@@ -2808,11 +2769,6 @@
         </p:style>
       </p:sp>
     </p:spTree>
-    <p:extLst>
-      <p:ext uri="{BB962C8B-B14F-4D97-AF65-F5344CB8AC3E}">
-        <p14:creationId xmlns:p14="http://schemas.microsoft.com/office/powerpoint/2010/main" val="1079080710"/>
-      </p:ext>
-    </p:extLst>
   </p:cSld>
   <p:clrMapOvr>
     <a:masterClrMapping/>
@@ -2821,7 +2777,7 @@
 </file>
 
 <file path=ppt/slideLayouts/slideLayout9.xml><?xml version="1.0" encoding="utf-8"?>
-<p:sldLayout xmlns:a="http://schemas.openxmlformats.org/drawingml/2006/main" xmlns:r="http://schemas.openxmlformats.org/officeDocument/2006/relationships" xmlns:p="http://schemas.openxmlformats.org/presentationml/2006/main" showMasterSp="0" type="picTx" preserve="1">
+<p:sldLayout xmlns:a="http://schemas.openxmlformats.org/drawingml/2006/main" xmlns:r="http://schemas.openxmlformats.org/officeDocument/2006/relationships" xmlns:p="http://schemas.openxmlformats.org/presentationml/2006/main" type="picTx" preserve="1">
   <p:cSld name="Imagen con título">
     <p:spTree>
       <p:nvGrpSpPr>
@@ -2986,7 +2942,7 @@
             <a:spLocks noGrp="1"/>
           </p:cNvSpPr>
           <p:nvPr>
-            <p:ph type="body" sz="half" idx="2"/>
+            <p:ph type="body" sz="half" idx="2" hasCustomPrompt="1"/>
           </p:nvPr>
         </p:nvSpPr>
         <p:spPr>
@@ -3050,6 +3006,7 @@
               <a:rPr lang="es-ES"/>
               <a:t>Haga clic para modificar los estilos de texto del patrón</a:t>
             </a:r>
+            <a:endParaRPr lang="es-ES"/>
           </a:p>
         </p:txBody>
       </p:sp>
@@ -3083,7 +3040,6 @@
           <a:p>
             <a:fld id="{C33B65C4-A251-48B5-9198-5BB691CCE9C6}" type="datetimeFigureOut">
               <a:rPr lang="es-ES" smtClean="0"/>
-              <a:t>01/02/2024</a:t>
             </a:fld>
             <a:endParaRPr lang="es-ES"/>
           </a:p>
@@ -3151,7 +3107,6 @@
           <a:p>
             <a:fld id="{E491B3C7-9435-4831-A8BB-DA7A24336932}" type="slidenum">
               <a:rPr lang="es-ES" smtClean="0"/>
-              <a:t>‹Nº›</a:t>
             </a:fld>
             <a:endParaRPr lang="es-ES"/>
           </a:p>
@@ -3196,11 +3151,6 @@
         </p:style>
       </p:sp>
     </p:spTree>
-    <p:extLst>
-      <p:ext uri="{BB962C8B-B14F-4D97-AF65-F5344CB8AC3E}">
-        <p14:creationId xmlns:p14="http://schemas.microsoft.com/office/powerpoint/2010/main" val="1980029025"/>
-      </p:ext>
-    </p:extLst>
   </p:cSld>
   <p:clrMapOvr>
     <a:masterClrMapping/>
@@ -3296,6 +3246,7 @@
               <a:rPr lang="es-ES"/>
               <a:t>Haga clic para modificar los estilos de texto del patrón</a:t>
             </a:r>
+            <a:endParaRPr lang="es-ES"/>
           </a:p>
           <a:p>
             <a:pPr lvl="1"/>
@@ -3303,6 +3254,7 @@
               <a:rPr lang="es-ES"/>
               <a:t>Segundo nivel</a:t>
             </a:r>
+            <a:endParaRPr lang="es-ES"/>
           </a:p>
           <a:p>
             <a:pPr lvl="2"/>
@@ -3310,6 +3262,7 @@
               <a:rPr lang="es-ES"/>
               <a:t>Tercer nivel</a:t>
             </a:r>
+            <a:endParaRPr lang="es-ES"/>
           </a:p>
           <a:p>
             <a:pPr lvl="3"/>
@@ -3317,6 +3270,7 @@
               <a:rPr lang="es-ES"/>
               <a:t>Cuarto nivel</a:t>
             </a:r>
+            <a:endParaRPr lang="es-ES"/>
           </a:p>
           <a:p>
             <a:pPr lvl="4"/>
@@ -3361,7 +3315,6 @@
           <a:p>
             <a:fld id="{C33B65C4-A251-48B5-9198-5BB691CCE9C6}" type="datetimeFigureOut">
               <a:rPr lang="es-ES" smtClean="0"/>
-              <a:t>01/02/2024</a:t>
             </a:fld>
             <a:endParaRPr lang="es-ES"/>
           </a:p>
@@ -3435,7 +3388,6 @@
           <a:p>
             <a:fld id="{E491B3C7-9435-4831-A8BB-DA7A24336932}" type="slidenum">
               <a:rPr lang="es-ES" smtClean="0"/>
-              <a:t>‹Nº›</a:t>
             </a:fld>
             <a:endParaRPr lang="es-ES"/>
           </a:p>
@@ -3480,25 +3432,20 @@
         </p:style>
       </p:sp>
     </p:spTree>
-    <p:extLst>
-      <p:ext uri="{BB962C8B-B14F-4D97-AF65-F5344CB8AC3E}">
-        <p14:creationId xmlns:p14="http://schemas.microsoft.com/office/powerpoint/2010/main" val="1951058246"/>
-      </p:ext>
-    </p:extLst>
   </p:cSld>
   <p:clrMap bg1="lt1" tx1="dk1" bg2="lt2" tx2="dk2" accent1="accent1" accent2="accent2" accent3="accent3" accent4="accent4" accent5="accent5" accent6="accent6" hlink="hlink" folHlink="folHlink"/>
   <p:sldLayoutIdLst>
-    <p:sldLayoutId id="2147483661" r:id="rId1"/>
-    <p:sldLayoutId id="2147483662" r:id="rId2"/>
-    <p:sldLayoutId id="2147483663" r:id="rId3"/>
-    <p:sldLayoutId id="2147483664" r:id="rId4"/>
-    <p:sldLayoutId id="2147483665" r:id="rId5"/>
-    <p:sldLayoutId id="2147483666" r:id="rId6"/>
-    <p:sldLayoutId id="2147483667" r:id="rId7"/>
-    <p:sldLayoutId id="2147483668" r:id="rId8"/>
-    <p:sldLayoutId id="2147483669" r:id="rId9"/>
-    <p:sldLayoutId id="2147483670" r:id="rId10"/>
-    <p:sldLayoutId id="2147483671" r:id="rId11"/>
+    <p:sldLayoutId id="2147483649" r:id="rId1"/>
+    <p:sldLayoutId id="2147483650" r:id="rId2"/>
+    <p:sldLayoutId id="2147483651" r:id="rId3"/>
+    <p:sldLayoutId id="2147483652" r:id="rId4"/>
+    <p:sldLayoutId id="2147483653" r:id="rId5"/>
+    <p:sldLayoutId id="2147483654" r:id="rId6"/>
+    <p:sldLayoutId id="2147483655" r:id="rId7"/>
+    <p:sldLayoutId id="2147483656" r:id="rId8"/>
+    <p:sldLayoutId id="2147483657" r:id="rId9"/>
+    <p:sldLayoutId id="2147483658" r:id="rId10"/>
+    <p:sldLayoutId id="2147483659" r:id="rId11"/>
   </p:sldLayoutIdLst>
   <p:txStyles>
     <p:titleStyle>
@@ -3521,7 +3468,7 @@
       </a:lvl1pPr>
     </p:titleStyle>
     <p:bodyStyle>
-      <a:lvl1pPr marL="384048" indent="-384048" algn="l" defTabSz="914400" rtl="0" eaLnBrk="1" latinLnBrk="0" hangingPunct="1">
+      <a:lvl1pPr marL="384175" indent="-384175" algn="l" defTabSz="914400" rtl="0" eaLnBrk="1" latinLnBrk="0" hangingPunct="1">
         <a:lnSpc>
           <a:spcPct val="94000"/>
         </a:lnSpc>
@@ -3542,7 +3489,7 @@
           <a:cs typeface="+mn-cs"/>
         </a:defRPr>
       </a:lvl1pPr>
-      <a:lvl2pPr marL="914400" indent="-384048" algn="l" defTabSz="914400" rtl="0" eaLnBrk="1" latinLnBrk="0" hangingPunct="1">
+      <a:lvl2pPr marL="914400" indent="-384175" algn="l" defTabSz="914400" rtl="0" eaLnBrk="1" latinLnBrk="0" hangingPunct="1">
         <a:lnSpc>
           <a:spcPct val="94000"/>
         </a:lnSpc>
@@ -3563,7 +3510,7 @@
           <a:cs typeface="+mn-cs"/>
         </a:defRPr>
       </a:lvl2pPr>
-      <a:lvl3pPr marL="1371600" indent="-384048" algn="l" defTabSz="914400" rtl="0" eaLnBrk="1" latinLnBrk="0" hangingPunct="1">
+      <a:lvl3pPr marL="1371600" indent="-384175" algn="l" defTabSz="914400" rtl="0" eaLnBrk="1" latinLnBrk="0" hangingPunct="1">
         <a:lnSpc>
           <a:spcPct val="94000"/>
         </a:lnSpc>
@@ -3584,7 +3531,7 @@
           <a:cs typeface="+mn-cs"/>
         </a:defRPr>
       </a:lvl3pPr>
-      <a:lvl4pPr marL="1828800" indent="-384048" algn="l" defTabSz="914400" rtl="0" eaLnBrk="1" latinLnBrk="0" hangingPunct="1">
+      <a:lvl4pPr marL="1828800" indent="-384175" algn="l" defTabSz="914400" rtl="0" eaLnBrk="1" latinLnBrk="0" hangingPunct="1">
         <a:lnSpc>
           <a:spcPct val="94000"/>
         </a:lnSpc>
@@ -3605,7 +3552,7 @@
           <a:cs typeface="+mn-cs"/>
         </a:defRPr>
       </a:lvl4pPr>
-      <a:lvl5pPr marL="2286000" indent="-384048" algn="l" defTabSz="914400" rtl="0" eaLnBrk="1" latinLnBrk="0" hangingPunct="1">
+      <a:lvl5pPr marL="2286000" indent="-384175" algn="l" defTabSz="914400" rtl="0" eaLnBrk="1" latinLnBrk="0" hangingPunct="1">
         <a:lnSpc>
           <a:spcPct val="94000"/>
         </a:lnSpc>
@@ -3626,7 +3573,7 @@
           <a:cs typeface="+mn-cs"/>
         </a:defRPr>
       </a:lvl5pPr>
-      <a:lvl6pPr marL="2743200" indent="-384048" algn="l" defTabSz="914400" rtl="0" eaLnBrk="1" latinLnBrk="0" hangingPunct="1">
+      <a:lvl6pPr marL="2743200" indent="-384175" algn="l" defTabSz="914400" rtl="0" eaLnBrk="1" latinLnBrk="0" hangingPunct="1">
         <a:lnSpc>
           <a:spcPct val="94000"/>
         </a:lnSpc>
@@ -3647,7 +3594,7 @@
           <a:cs typeface="+mn-cs"/>
         </a:defRPr>
       </a:lvl6pPr>
-      <a:lvl7pPr marL="3200400" indent="-384048" algn="l" defTabSz="914400" rtl="0" eaLnBrk="1" latinLnBrk="0" hangingPunct="1">
+      <a:lvl7pPr marL="3200400" indent="-384175" algn="l" defTabSz="914400" rtl="0" eaLnBrk="1" latinLnBrk="0" hangingPunct="1">
         <a:lnSpc>
           <a:spcPct val="94000"/>
         </a:lnSpc>
@@ -3668,7 +3615,7 @@
           <a:cs typeface="+mn-cs"/>
         </a:defRPr>
       </a:lvl7pPr>
-      <a:lvl8pPr marL="3657600" indent="-384048" algn="l" defTabSz="914400" rtl="0" eaLnBrk="1" latinLnBrk="0" hangingPunct="1">
+      <a:lvl8pPr marL="3657600" indent="-384175" algn="l" defTabSz="914400" rtl="0" eaLnBrk="1" latinLnBrk="0" hangingPunct="1">
         <a:lnSpc>
           <a:spcPct val="94000"/>
         </a:lnSpc>
@@ -3689,7 +3636,7 @@
           <a:cs typeface="+mn-cs"/>
         </a:defRPr>
       </a:lvl8pPr>
-      <a:lvl9pPr marL="4114800" indent="-384048" algn="l" defTabSz="914400" rtl="0" eaLnBrk="1" latinLnBrk="0" hangingPunct="1">
+      <a:lvl9pPr marL="4114800" indent="-384175" algn="l" defTabSz="914400" rtl="0" eaLnBrk="1" latinLnBrk="0" hangingPunct="1">
         <a:lnSpc>
           <a:spcPct val="94000"/>
         </a:lnSpc>
@@ -3807,52 +3754,6 @@
       </a:lvl9pPr>
     </p:otherStyle>
   </p:txStyles>
-  <p:extLst>
-    <p:ext uri="{27BBF7A9-308A-43DC-89C8-2F10F3537804}">
-      <p15:sldGuideLst xmlns:p15="http://schemas.microsoft.com/office/powerpoint/2012/main">
-        <p15:guide id="3" orient="horz" pos="1368">
-          <p15:clr>
-            <a:srgbClr val="F26B43"/>
-          </p15:clr>
-        </p15:guide>
-        <p15:guide id="4" orient="horz" pos="1440">
-          <p15:clr>
-            <a:srgbClr val="F26B43"/>
-          </p15:clr>
-        </p15:guide>
-        <p15:guide id="6" orient="horz" pos="3696">
-          <p15:clr>
-            <a:srgbClr val="F26B43"/>
-          </p15:clr>
-        </p15:guide>
-        <p15:guide id="7" orient="horz" pos="432">
-          <p15:clr>
-            <a:srgbClr val="F26B43"/>
-          </p15:clr>
-        </p15:guide>
-        <p15:guide id="8" orient="horz" pos="1512">
-          <p15:clr>
-            <a:srgbClr val="F26B43"/>
-          </p15:clr>
-        </p15:guide>
-        <p15:guide id="9" pos="6912">
-          <p15:clr>
-            <a:srgbClr val="F26B43"/>
-          </p15:clr>
-        </p15:guide>
-        <p15:guide id="10" pos="936">
-          <p15:clr>
-            <a:srgbClr val="F26B43"/>
-          </p15:clr>
-        </p15:guide>
-        <p15:guide id="11" pos="864">
-          <p15:clr>
-            <a:srgbClr val="F26B43"/>
-          </p15:clr>
-        </p15:guide>
-      </p15:sldGuideLst>
-    </p:ext>
-  </p:extLst>
 </p:sldMaster>
 </file>
 
@@ -3862,7 +3763,9 @@
     <p:bg>
       <p:bgPr>
         <a:solidFill>
-          <a:schemeClr val="bg1"/>
+          <a:schemeClr val="bg1">
+            <a:alpha val="50000"/>
+          </a:schemeClr>
         </a:solidFill>
         <a:effectLst/>
       </p:bgPr>
@@ -3883,26 +3786,11 @@
       </p:grpSpPr>
       <p:sp useBgFill="1">
         <p:nvSpPr>
-          <p:cNvPr id="20" name="Rectangle 19">
-            <a:extLst>
-              <a:ext uri="{FF2B5EF4-FFF2-40B4-BE49-F238E27FC236}">
-                <a16:creationId xmlns:a16="http://schemas.microsoft.com/office/drawing/2014/main" id="{B709ADC9-6EAF-4268-9415-1ED5ECFA2218}"/>
-              </a:ext>
-              <a:ext uri="{C183D7F6-B498-43B3-948B-1728B52AA6E4}">
-                <adec:decorative xmlns:adec="http://schemas.microsoft.com/office/drawing/2017/decorative" val="1"/>
-              </a:ext>
-            </a:extLst>
-          </p:cNvPr>
+          <p:cNvPr id="20" name="Rectangle 19"/>
           <p:cNvSpPr>
             <a:spLocks noGrp="1" noRot="1" noChangeAspect="1" noMove="1" noResize="1" noEditPoints="1" noAdjustHandles="1" noChangeArrowheads="1" noChangeShapeType="1" noTextEdit="1"/>
           </p:cNvSpPr>
-          <p:nvPr>
-            <p:extLst>
-              <p:ext uri="{386F3935-93C4-4BCD-93E2-E3B085C9AB24}">
-                <p16:designElem xmlns:p16="http://schemas.microsoft.com/office/powerpoint/2015/main" val="1"/>
-              </p:ext>
-            </p:extLst>
-          </p:nvPr>
+          <p:nvPr/>
         </p:nvSpPr>
         <p:spPr>
           <a:xfrm>
@@ -3943,24 +3831,20 @@
       </p:sp>
       <p:pic>
         <p:nvPicPr>
-          <p:cNvPr id="16" name="Picture 15">
-            <a:extLst>
-              <a:ext uri="{FF2B5EF4-FFF2-40B4-BE49-F238E27FC236}">
-                <a16:creationId xmlns:a16="http://schemas.microsoft.com/office/drawing/2014/main" id="{19464A8D-0A1F-6938-2F9A-5312835832A0}"/>
-              </a:ext>
-            </a:extLst>
-          </p:cNvPr>
+          <p:cNvPr id="16" name="Picture 15"/>
           <p:cNvPicPr>
             <a:picLocks noChangeAspect="1"/>
           </p:cNvPicPr>
           <p:nvPr/>
         </p:nvPicPr>
         <p:blipFill rotWithShape="1">
-          <a:blip r:embed="rId2">
+          <a:blip r:embed="rId1">
             <a:alphaModFix amt="40000"/>
           </a:blip>
           <a:srcRect t="15334" b="5161"/>
-          <a:stretch/>
+          <a:stretch>
+            <a:fillRect/>
+          </a:stretch>
         </p:blipFill>
         <p:spPr>
           <a:xfrm>
@@ -3974,13 +3858,7 @@
       </p:pic>
       <p:sp>
         <p:nvSpPr>
-          <p:cNvPr id="2" name="Título 1">
-            <a:extLst>
-              <a:ext uri="{FF2B5EF4-FFF2-40B4-BE49-F238E27FC236}">
-                <a16:creationId xmlns:a16="http://schemas.microsoft.com/office/drawing/2014/main" id="{30D6D4BA-DFED-6AE4-4A36-227CAA063139}"/>
-              </a:ext>
-            </a:extLst>
-          </p:cNvPr>
+          <p:cNvPr id="2" name="Título 1"/>
           <p:cNvSpPr>
             <a:spLocks noGrp="1"/>
           </p:cNvSpPr>
@@ -4004,18 +3882,13 @@
               <a:rPr lang="es-ES" sz="8000" b="1" dirty="0"/>
               <a:t>SalAuto S.L</a:t>
             </a:r>
-          </a:p>
-        </p:txBody>
-      </p:sp>
-      <p:sp>
-        <p:nvSpPr>
-          <p:cNvPr id="3" name="Subtítulo 2">
-            <a:extLst>
-              <a:ext uri="{FF2B5EF4-FFF2-40B4-BE49-F238E27FC236}">
-                <a16:creationId xmlns:a16="http://schemas.microsoft.com/office/drawing/2014/main" id="{1EB6FC17-0AB7-7DDB-F46D-B76442C49344}"/>
-              </a:ext>
-            </a:extLst>
-          </p:cNvPr>
+            <a:endParaRPr lang="es-ES" sz="8000" b="1" dirty="0"/>
+          </a:p>
+        </p:txBody>
+      </p:sp>
+      <p:sp>
+        <p:nvSpPr>
+          <p:cNvPr id="3" name="Subtítulo 2"/>
           <p:cNvSpPr>
             <a:spLocks noGrp="1"/>
           </p:cNvSpPr>
@@ -4044,15 +3917,11 @@
               <a:rPr lang="es-ES" altLang="en-US" sz="2800" b="1" dirty="0"/>
               <a:t>Pedro Sanz Rodríguez</a:t>
             </a:r>
+            <a:endParaRPr lang="es-ES" altLang="en-US" sz="2800" b="1" dirty="0"/>
           </a:p>
         </p:txBody>
       </p:sp>
     </p:spTree>
-    <p:extLst>
-      <p:ext uri="{BB962C8B-B14F-4D97-AF65-F5344CB8AC3E}">
-        <p14:creationId xmlns:p14="http://schemas.microsoft.com/office/powerpoint/2010/main" val="1692450281"/>
-      </p:ext>
-    </p:extLst>
   </p:cSld>
   <p:clrMapOvr>
     <a:overrideClrMapping bg1="dk1" tx1="lt1" bg2="dk2" tx2="lt2" accent1="accent1" accent2="accent2" accent3="accent3" accent4="accent4" accent5="accent5" accent6="accent6" hlink="hlink" folHlink="folHlink"/>
@@ -4063,6 +3932,46 @@
 <file path=ppt/slides/slide10.xml><?xml version="1.0" encoding="utf-8"?>
 <p:sld xmlns:a="http://schemas.openxmlformats.org/drawingml/2006/main" xmlns:r="http://schemas.openxmlformats.org/officeDocument/2006/relationships" xmlns:p="http://schemas.openxmlformats.org/presentationml/2006/main">
   <p:cSld>
+    <p:bg>
+      <p:bgPr>
+        <a:gradFill>
+          <a:gsLst>
+            <a:gs pos="16000">
+              <a:schemeClr val="accent4">
+                <a:lumMod val="40000"/>
+                <a:lumOff val="60000"/>
+              </a:schemeClr>
+            </a:gs>
+            <a:gs pos="0">
+              <a:schemeClr val="accent1">
+                <a:lumMod val="5000"/>
+                <a:lumOff val="95000"/>
+              </a:schemeClr>
+            </a:gs>
+            <a:gs pos="74000">
+              <a:schemeClr val="accent1">
+                <a:lumMod val="45000"/>
+                <a:lumOff val="55000"/>
+              </a:schemeClr>
+            </a:gs>
+            <a:gs pos="83000">
+              <a:schemeClr val="accent1">
+                <a:lumMod val="45000"/>
+                <a:lumOff val="55000"/>
+              </a:schemeClr>
+            </a:gs>
+            <a:gs pos="100000">
+              <a:schemeClr val="accent1">
+                <a:lumMod val="30000"/>
+                <a:lumOff val="70000"/>
+              </a:schemeClr>
+            </a:gs>
+          </a:gsLst>
+          <a:lin ang="5400000" scaled="0"/>
+        </a:gradFill>
+        <a:effectLst/>
+      </p:bgPr>
+    </p:bg>
     <p:spTree>
       <p:nvGrpSpPr>
         <p:cNvPr id="1" name=""/>
@@ -4079,13 +3988,7 @@
       </p:grpSpPr>
       <p:sp>
         <p:nvSpPr>
-          <p:cNvPr id="2" name="Título 1">
-            <a:extLst>
-              <a:ext uri="{FF2B5EF4-FFF2-40B4-BE49-F238E27FC236}">
-                <a16:creationId xmlns:a16="http://schemas.microsoft.com/office/drawing/2014/main" id="{B4C7C7E3-29FA-CAAC-B098-AFB37E51D648}"/>
-              </a:ext>
-            </a:extLst>
-          </p:cNvPr>
+          <p:cNvPr id="2" name="Título 1"/>
           <p:cNvSpPr>
             <a:spLocks noGrp="1"/>
           </p:cNvSpPr>
@@ -4118,13 +4021,7 @@
       </p:sp>
       <p:sp>
         <p:nvSpPr>
-          <p:cNvPr id="3" name="Marcador de contenido 2">
-            <a:extLst>
-              <a:ext uri="{FF2B5EF4-FFF2-40B4-BE49-F238E27FC236}">
-                <a16:creationId xmlns:a16="http://schemas.microsoft.com/office/drawing/2014/main" id="{3E4EF3AA-0DC5-4AF4-9F00-33C45745FB8C}"/>
-              </a:ext>
-            </a:extLst>
-          </p:cNvPr>
+          <p:cNvPr id="3" name="Marcador de contenido 2"/>
           <p:cNvSpPr>
             <a:spLocks noGrp="1"/>
           </p:cNvSpPr>
@@ -4157,13 +4054,31 @@
       </p:sp>
       <p:pic>
         <p:nvPicPr>
-          <p:cNvPr id="4" name="Imagen 3" descr="pack">
-            <a:extLst>
-              <a:ext uri="{FF2B5EF4-FFF2-40B4-BE49-F238E27FC236}">
-                <a16:creationId xmlns:a16="http://schemas.microsoft.com/office/drawing/2014/main" id="{122DCE05-15F7-7440-7E51-409946FACBF7}"/>
-              </a:ext>
-            </a:extLst>
-          </p:cNvPr>
+          <p:cNvPr id="4" name="Imagen 3" descr="pack"/>
+          <p:cNvPicPr>
+            <a:picLocks noChangeAspect="1"/>
+          </p:cNvPicPr>
+          <p:nvPr/>
+        </p:nvPicPr>
+        <p:blipFill>
+          <a:blip r:embed="rId1"/>
+          <a:stretch>
+            <a:fillRect/>
+          </a:stretch>
+        </p:blipFill>
+        <p:spPr>
+          <a:xfrm>
+            <a:off x="1219200" y="2065694"/>
+            <a:ext cx="5859780" cy="2540000"/>
+          </a:xfrm>
+          <a:prstGeom prst="rect">
+            <a:avLst/>
+          </a:prstGeom>
+        </p:spPr>
+      </p:pic>
+      <p:pic>
+        <p:nvPicPr>
+          <p:cNvPr id="7" name="Imagen 6" descr="reg_pack"/>
           <p:cNvPicPr>
             <a:picLocks noChangeAspect="1"/>
           </p:cNvPicPr>
@@ -4177,50 +4092,15 @@
         </p:blipFill>
         <p:spPr>
           <a:xfrm>
-            <a:off x="1219200" y="2065694"/>
-            <a:ext cx="5859780" cy="2540000"/>
+            <a:off x="7703275" y="2906434"/>
+            <a:ext cx="3970020" cy="3398520"/>
           </a:xfrm>
           <a:prstGeom prst="rect">
             <a:avLst/>
           </a:prstGeom>
         </p:spPr>
       </p:pic>
-      <p:pic>
-        <p:nvPicPr>
-          <p:cNvPr id="7" name="Imagen 6" descr="reg_pack">
-            <a:extLst>
-              <a:ext uri="{FF2B5EF4-FFF2-40B4-BE49-F238E27FC236}">
-                <a16:creationId xmlns:a16="http://schemas.microsoft.com/office/drawing/2014/main" id="{6F91337C-0F67-F0BB-6252-8A46B6E915EA}"/>
-              </a:ext>
-            </a:extLst>
-          </p:cNvPr>
-          <p:cNvPicPr>
-            <a:picLocks noChangeAspect="1"/>
-          </p:cNvPicPr>
-          <p:nvPr/>
-        </p:nvPicPr>
-        <p:blipFill>
-          <a:blip r:embed="rId3"/>
-          <a:stretch>
-            <a:fillRect/>
-          </a:stretch>
-        </p:blipFill>
-        <p:spPr>
-          <a:xfrm>
-            <a:off x="7703275" y="2906434"/>
-            <a:ext cx="3970020" cy="3398520"/>
-          </a:xfrm>
-          <a:prstGeom prst="rect">
-            <a:avLst/>
-          </a:prstGeom>
-        </p:spPr>
-      </p:pic>
     </p:spTree>
-    <p:extLst>
-      <p:ext uri="{BB962C8B-B14F-4D97-AF65-F5344CB8AC3E}">
-        <p14:creationId xmlns:p14="http://schemas.microsoft.com/office/powerpoint/2010/main" val="105987657"/>
-      </p:ext>
-    </p:extLst>
   </p:cSld>
   <p:clrMapOvr>
     <a:masterClrMapping/>
@@ -4231,6 +4111,46 @@
 <file path=ppt/slides/slide11.xml><?xml version="1.0" encoding="utf-8"?>
 <p:sld xmlns:a="http://schemas.openxmlformats.org/drawingml/2006/main" xmlns:r="http://schemas.openxmlformats.org/officeDocument/2006/relationships" xmlns:p="http://schemas.openxmlformats.org/presentationml/2006/main">
   <p:cSld>
+    <p:bg>
+      <p:bgPr>
+        <a:gradFill>
+          <a:gsLst>
+            <a:gs pos="16000">
+              <a:schemeClr val="accent4">
+                <a:lumMod val="40000"/>
+                <a:lumOff val="60000"/>
+              </a:schemeClr>
+            </a:gs>
+            <a:gs pos="0">
+              <a:schemeClr val="accent1">
+                <a:lumMod val="5000"/>
+                <a:lumOff val="95000"/>
+              </a:schemeClr>
+            </a:gs>
+            <a:gs pos="74000">
+              <a:schemeClr val="accent1">
+                <a:lumMod val="45000"/>
+                <a:lumOff val="55000"/>
+              </a:schemeClr>
+            </a:gs>
+            <a:gs pos="83000">
+              <a:schemeClr val="accent1">
+                <a:lumMod val="45000"/>
+                <a:lumOff val="55000"/>
+              </a:schemeClr>
+            </a:gs>
+            <a:gs pos="100000">
+              <a:schemeClr val="accent1">
+                <a:lumMod val="30000"/>
+                <a:lumOff val="70000"/>
+              </a:schemeClr>
+            </a:gs>
+          </a:gsLst>
+          <a:lin ang="5400000" scaled="0"/>
+        </a:gradFill>
+        <a:effectLst/>
+      </p:bgPr>
+    </p:bg>
     <p:spTree>
       <p:nvGrpSpPr>
         <p:cNvPr id="1" name=""/>
@@ -4247,13 +4167,7 @@
       </p:grpSpPr>
       <p:sp>
         <p:nvSpPr>
-          <p:cNvPr id="2" name="Título 1">
-            <a:extLst>
-              <a:ext uri="{FF2B5EF4-FFF2-40B4-BE49-F238E27FC236}">
-                <a16:creationId xmlns:a16="http://schemas.microsoft.com/office/drawing/2014/main" id="{B4C7C7E3-29FA-CAAC-B098-AFB37E51D648}"/>
-              </a:ext>
-            </a:extLst>
-          </p:cNvPr>
+          <p:cNvPr id="2" name="Título 1"/>
           <p:cNvSpPr>
             <a:spLocks noGrp="1"/>
           </p:cNvSpPr>
@@ -4286,13 +4200,7 @@
       </p:sp>
       <p:sp>
         <p:nvSpPr>
-          <p:cNvPr id="3" name="Marcador de contenido 2">
-            <a:extLst>
-              <a:ext uri="{FF2B5EF4-FFF2-40B4-BE49-F238E27FC236}">
-                <a16:creationId xmlns:a16="http://schemas.microsoft.com/office/drawing/2014/main" id="{3E4EF3AA-0DC5-4AF4-9F00-33C45745FB8C}"/>
-              </a:ext>
-            </a:extLst>
-          </p:cNvPr>
+          <p:cNvPr id="3" name="Marcador de contenido 2"/>
           <p:cNvSpPr>
             <a:spLocks noGrp="1"/>
           </p:cNvSpPr>
@@ -4316,25 +4224,20 @@
               <a:rPr lang="es-ES" altLang="en-US" sz="2400" dirty="0"/>
               <a:t>Para comprobar su funcionamiento en la base de datos, realizamos una prueba en Workbench.</a:t>
             </a:r>
+            <a:endParaRPr lang="es-ES" altLang="en-US" sz="2400" dirty="0"/>
           </a:p>
         </p:txBody>
       </p:sp>
       <p:pic>
         <p:nvPicPr>
-          <p:cNvPr id="5" name="Imagen 4" descr="workbench">
-            <a:extLst>
-              <a:ext uri="{FF2B5EF4-FFF2-40B4-BE49-F238E27FC236}">
-                <a16:creationId xmlns:a16="http://schemas.microsoft.com/office/drawing/2014/main" id="{D5391A77-9539-12FC-0BAD-0DB85BACBEC9}"/>
-              </a:ext>
-            </a:extLst>
-          </p:cNvPr>
+          <p:cNvPr id="5" name="Imagen 4" descr="workbench"/>
           <p:cNvPicPr>
             <a:picLocks noChangeAspect="1"/>
           </p:cNvPicPr>
           <p:nvPr/>
         </p:nvPicPr>
         <p:blipFill>
-          <a:blip r:embed="rId2"/>
+          <a:blip r:embed="rId1"/>
           <a:stretch>
             <a:fillRect/>
           </a:stretch>
@@ -4350,11 +4253,6 @@
         </p:spPr>
       </p:pic>
     </p:spTree>
-    <p:extLst>
-      <p:ext uri="{BB962C8B-B14F-4D97-AF65-F5344CB8AC3E}">
-        <p14:creationId xmlns:p14="http://schemas.microsoft.com/office/powerpoint/2010/main" val="71887491"/>
-      </p:ext>
-    </p:extLst>
   </p:cSld>
   <p:clrMapOvr>
     <a:masterClrMapping/>
@@ -4365,6 +4263,46 @@
 <file path=ppt/slides/slide12.xml><?xml version="1.0" encoding="utf-8"?>
 <p:sld xmlns:a="http://schemas.openxmlformats.org/drawingml/2006/main" xmlns:r="http://schemas.openxmlformats.org/officeDocument/2006/relationships" xmlns:p="http://schemas.openxmlformats.org/presentationml/2006/main">
   <p:cSld>
+    <p:bg>
+      <p:bgPr>
+        <a:gradFill>
+          <a:gsLst>
+            <a:gs pos="16000">
+              <a:schemeClr val="accent4">
+                <a:lumMod val="40000"/>
+                <a:lumOff val="60000"/>
+              </a:schemeClr>
+            </a:gs>
+            <a:gs pos="0">
+              <a:schemeClr val="accent1">
+                <a:lumMod val="5000"/>
+                <a:lumOff val="95000"/>
+              </a:schemeClr>
+            </a:gs>
+            <a:gs pos="74000">
+              <a:schemeClr val="accent1">
+                <a:lumMod val="45000"/>
+                <a:lumOff val="55000"/>
+              </a:schemeClr>
+            </a:gs>
+            <a:gs pos="83000">
+              <a:schemeClr val="accent1">
+                <a:lumMod val="45000"/>
+                <a:lumOff val="55000"/>
+              </a:schemeClr>
+            </a:gs>
+            <a:gs pos="100000">
+              <a:schemeClr val="accent1">
+                <a:lumMod val="30000"/>
+                <a:lumOff val="70000"/>
+              </a:schemeClr>
+            </a:gs>
+          </a:gsLst>
+          <a:lin ang="5400000" scaled="0"/>
+        </a:gradFill>
+        <a:effectLst/>
+      </p:bgPr>
+    </p:bg>
     <p:spTree>
       <p:nvGrpSpPr>
         <p:cNvPr id="1" name=""/>
@@ -4381,13 +4319,7 @@
       </p:grpSpPr>
       <p:sp>
         <p:nvSpPr>
-          <p:cNvPr id="2" name="Título 1">
-            <a:extLst>
-              <a:ext uri="{FF2B5EF4-FFF2-40B4-BE49-F238E27FC236}">
-                <a16:creationId xmlns:a16="http://schemas.microsoft.com/office/drawing/2014/main" id="{B4C7C7E3-29FA-CAAC-B098-AFB37E51D648}"/>
-              </a:ext>
-            </a:extLst>
-          </p:cNvPr>
+          <p:cNvPr id="2" name="Título 1"/>
           <p:cNvSpPr>
             <a:spLocks noGrp="1"/>
           </p:cNvSpPr>
@@ -4420,13 +4352,7 @@
       </p:sp>
       <p:sp>
         <p:nvSpPr>
-          <p:cNvPr id="3" name="Marcador de contenido 2">
-            <a:extLst>
-              <a:ext uri="{FF2B5EF4-FFF2-40B4-BE49-F238E27FC236}">
-                <a16:creationId xmlns:a16="http://schemas.microsoft.com/office/drawing/2014/main" id="{3E4EF3AA-0DC5-4AF4-9F00-33C45745FB8C}"/>
-              </a:ext>
-            </a:extLst>
-          </p:cNvPr>
+          <p:cNvPr id="3" name="Marcador de contenido 2"/>
           <p:cNvSpPr>
             <a:spLocks noGrp="1"/>
           </p:cNvSpPr>
@@ -4458,10 +4384,13 @@
             <a:r>
               <a:rPr lang="es-ES" altLang="en-US" sz="2600" dirty="0">
                 <a:sym typeface="+mn-ea"/>
-                <a:hlinkClick r:id="rId2" action="ppaction://hlinkfile"/>
+                <a:hlinkClick r:id="rId1" action="ppaction://hlinkfile"/>
               </a:rPr>
               <a:t>https://start.spring.io/</a:t>
             </a:r>
+            <a:endParaRPr lang="es-ES" altLang="en-US" sz="2600" dirty="0">
+              <a:sym typeface="+mn-ea"/>
+            </a:endParaRPr>
           </a:p>
           <a:p>
             <a:pPr marL="0" indent="0">
@@ -4473,20 +4402,14 @@
       </p:sp>
       <p:pic>
         <p:nvPicPr>
-          <p:cNvPr id="4" name="Imagen 3" descr="api">
-            <a:extLst>
-              <a:ext uri="{FF2B5EF4-FFF2-40B4-BE49-F238E27FC236}">
-                <a16:creationId xmlns:a16="http://schemas.microsoft.com/office/drawing/2014/main" id="{21EEF7BB-8A31-498B-9CC1-B1228A582C89}"/>
-              </a:ext>
-            </a:extLst>
-          </p:cNvPr>
+          <p:cNvPr id="4" name="Imagen 3" descr="api"/>
           <p:cNvPicPr>
             <a:picLocks noChangeAspect="1"/>
           </p:cNvPicPr>
           <p:nvPr/>
         </p:nvPicPr>
         <p:blipFill>
-          <a:blip r:embed="rId3"/>
+          <a:blip r:embed="rId2"/>
           <a:stretch>
             <a:fillRect/>
           </a:stretch>
@@ -4512,16 +4435,8 @@
       </p:pic>
       <p:sp>
         <p:nvSpPr>
-          <p:cNvPr id="5" name="Marcador de contenido 2">
-            <a:extLst>
-              <a:ext uri="{FF2B5EF4-FFF2-40B4-BE49-F238E27FC236}">
-                <a16:creationId xmlns:a16="http://schemas.microsoft.com/office/drawing/2014/main" id="{3E4EF3AA-0DC5-4AF4-9F00-33C45745FB8C}"/>
-              </a:ext>
-            </a:extLst>
-          </p:cNvPr>
-          <p:cNvSpPr txBox="1">
-            <a:spLocks/>
-          </p:cNvSpPr>
+          <p:cNvPr id="5" name="Marcador de contenido 2"/>
+          <p:cNvSpPr txBox="1"/>
           <p:nvPr/>
         </p:nvSpPr>
         <p:spPr>
@@ -4538,7 +4453,7 @@
             <a:normAutofit/>
           </a:bodyPr>
           <a:lstStyle>
-            <a:lvl1pPr marL="384048" indent="-384048" algn="l" defTabSz="914400" rtl="0" eaLnBrk="1" latinLnBrk="0" hangingPunct="1">
+            <a:lvl1pPr marL="384175" indent="-384175" algn="l" defTabSz="914400" rtl="0" eaLnBrk="1" latinLnBrk="0" hangingPunct="1">
               <a:lnSpc>
                 <a:spcPct val="94000"/>
               </a:lnSpc>
@@ -4559,7 +4474,7 @@
                 <a:cs typeface="+mn-cs"/>
               </a:defRPr>
             </a:lvl1pPr>
-            <a:lvl2pPr marL="914400" indent="-384048" algn="l" defTabSz="914400" rtl="0" eaLnBrk="1" latinLnBrk="0" hangingPunct="1">
+            <a:lvl2pPr marL="914400" indent="-384175" algn="l" defTabSz="914400" rtl="0" eaLnBrk="1" latinLnBrk="0" hangingPunct="1">
               <a:lnSpc>
                 <a:spcPct val="94000"/>
               </a:lnSpc>
@@ -4580,7 +4495,7 @@
                 <a:cs typeface="+mn-cs"/>
               </a:defRPr>
             </a:lvl2pPr>
-            <a:lvl3pPr marL="1371600" indent="-384048" algn="l" defTabSz="914400" rtl="0" eaLnBrk="1" latinLnBrk="0" hangingPunct="1">
+            <a:lvl3pPr marL="1371600" indent="-384175" algn="l" defTabSz="914400" rtl="0" eaLnBrk="1" latinLnBrk="0" hangingPunct="1">
               <a:lnSpc>
                 <a:spcPct val="94000"/>
               </a:lnSpc>
@@ -4601,7 +4516,7 @@
                 <a:cs typeface="+mn-cs"/>
               </a:defRPr>
             </a:lvl3pPr>
-            <a:lvl4pPr marL="1828800" indent="-384048" algn="l" defTabSz="914400" rtl="0" eaLnBrk="1" latinLnBrk="0" hangingPunct="1">
+            <a:lvl4pPr marL="1828800" indent="-384175" algn="l" defTabSz="914400" rtl="0" eaLnBrk="1" latinLnBrk="0" hangingPunct="1">
               <a:lnSpc>
                 <a:spcPct val="94000"/>
               </a:lnSpc>
@@ -4622,7 +4537,7 @@
                 <a:cs typeface="+mn-cs"/>
               </a:defRPr>
             </a:lvl4pPr>
-            <a:lvl5pPr marL="2286000" indent="-384048" algn="l" defTabSz="914400" rtl="0" eaLnBrk="1" latinLnBrk="0" hangingPunct="1">
+            <a:lvl5pPr marL="2286000" indent="-384175" algn="l" defTabSz="914400" rtl="0" eaLnBrk="1" latinLnBrk="0" hangingPunct="1">
               <a:lnSpc>
                 <a:spcPct val="94000"/>
               </a:lnSpc>
@@ -4643,7 +4558,7 @@
                 <a:cs typeface="+mn-cs"/>
               </a:defRPr>
             </a:lvl5pPr>
-            <a:lvl6pPr marL="2743200" indent="-384048" algn="l" defTabSz="914400" rtl="0" eaLnBrk="1" latinLnBrk="0" hangingPunct="1">
+            <a:lvl6pPr marL="2743200" indent="-384175" algn="l" defTabSz="914400" rtl="0" eaLnBrk="1" latinLnBrk="0" hangingPunct="1">
               <a:lnSpc>
                 <a:spcPct val="94000"/>
               </a:lnSpc>
@@ -4664,7 +4579,7 @@
                 <a:cs typeface="+mn-cs"/>
               </a:defRPr>
             </a:lvl6pPr>
-            <a:lvl7pPr marL="3200400" indent="-384048" algn="l" defTabSz="914400" rtl="0" eaLnBrk="1" latinLnBrk="0" hangingPunct="1">
+            <a:lvl7pPr marL="3200400" indent="-384175" algn="l" defTabSz="914400" rtl="0" eaLnBrk="1" latinLnBrk="0" hangingPunct="1">
               <a:lnSpc>
                 <a:spcPct val="94000"/>
               </a:lnSpc>
@@ -4685,7 +4600,7 @@
                 <a:cs typeface="+mn-cs"/>
               </a:defRPr>
             </a:lvl7pPr>
-            <a:lvl8pPr marL="3657600" indent="-384048" algn="l" defTabSz="914400" rtl="0" eaLnBrk="1" latinLnBrk="0" hangingPunct="1">
+            <a:lvl8pPr marL="3657600" indent="-384175" algn="l" defTabSz="914400" rtl="0" eaLnBrk="1" latinLnBrk="0" hangingPunct="1">
               <a:lnSpc>
                 <a:spcPct val="94000"/>
               </a:lnSpc>
@@ -4706,7 +4621,7 @@
                 <a:cs typeface="+mn-cs"/>
               </a:defRPr>
             </a:lvl8pPr>
-            <a:lvl9pPr marL="4114800" indent="-384048" algn="l" defTabSz="914400" rtl="0" eaLnBrk="1" latinLnBrk="0" hangingPunct="1">
+            <a:lvl9pPr marL="4114800" indent="-384175" algn="l" defTabSz="914400" rtl="0" eaLnBrk="1" latinLnBrk="0" hangingPunct="1">
               <a:lnSpc>
                 <a:spcPct val="94000"/>
               </a:lnSpc>
@@ -4733,15 +4648,11 @@
               <a:rPr lang="es-ES" altLang="en-US" sz="2600" dirty="0"/>
               <a:t>Para el proyecto realizaremos una Api Rest con un modelo MVC.</a:t>
             </a:r>
+            <a:endParaRPr lang="es-ES" altLang="en-US" sz="2600" dirty="0"/>
           </a:p>
         </p:txBody>
       </p:sp>
     </p:spTree>
-    <p:extLst>
-      <p:ext uri="{BB962C8B-B14F-4D97-AF65-F5344CB8AC3E}">
-        <p14:creationId xmlns:p14="http://schemas.microsoft.com/office/powerpoint/2010/main" val="4233987834"/>
-      </p:ext>
-    </p:extLst>
   </p:cSld>
   <p:clrMapOvr>
     <a:masterClrMapping/>
@@ -4752,6 +4663,46 @@
 <file path=ppt/slides/slide13.xml><?xml version="1.0" encoding="utf-8"?>
 <p:sld xmlns:a="http://schemas.openxmlformats.org/drawingml/2006/main" xmlns:r="http://schemas.openxmlformats.org/officeDocument/2006/relationships" xmlns:p="http://schemas.openxmlformats.org/presentationml/2006/main">
   <p:cSld>
+    <p:bg>
+      <p:bgPr>
+        <a:gradFill>
+          <a:gsLst>
+            <a:gs pos="16000">
+              <a:schemeClr val="accent4">
+                <a:lumMod val="40000"/>
+                <a:lumOff val="60000"/>
+              </a:schemeClr>
+            </a:gs>
+            <a:gs pos="0">
+              <a:schemeClr val="accent1">
+                <a:lumMod val="5000"/>
+                <a:lumOff val="95000"/>
+              </a:schemeClr>
+            </a:gs>
+            <a:gs pos="74000">
+              <a:schemeClr val="accent1">
+                <a:lumMod val="45000"/>
+                <a:lumOff val="55000"/>
+              </a:schemeClr>
+            </a:gs>
+            <a:gs pos="83000">
+              <a:schemeClr val="accent1">
+                <a:lumMod val="45000"/>
+                <a:lumOff val="55000"/>
+              </a:schemeClr>
+            </a:gs>
+            <a:gs pos="100000">
+              <a:schemeClr val="accent1">
+                <a:lumMod val="30000"/>
+                <a:lumOff val="70000"/>
+              </a:schemeClr>
+            </a:gs>
+          </a:gsLst>
+          <a:lin ang="5400000" scaled="0"/>
+        </a:gradFill>
+        <a:effectLst/>
+      </p:bgPr>
+    </p:bg>
     <p:spTree>
       <p:nvGrpSpPr>
         <p:cNvPr id="1" name=""/>
@@ -4768,13 +4719,7 @@
       </p:grpSpPr>
       <p:sp>
         <p:nvSpPr>
-          <p:cNvPr id="2" name="Título 1">
-            <a:extLst>
-              <a:ext uri="{FF2B5EF4-FFF2-40B4-BE49-F238E27FC236}">
-                <a16:creationId xmlns:a16="http://schemas.microsoft.com/office/drawing/2014/main" id="{B4C7C7E3-29FA-CAAC-B098-AFB37E51D648}"/>
-              </a:ext>
-            </a:extLst>
-          </p:cNvPr>
+          <p:cNvPr id="2" name="Título 1"/>
           <p:cNvSpPr>
             <a:spLocks noGrp="1"/>
           </p:cNvSpPr>
@@ -4807,13 +4752,7 @@
       </p:sp>
       <p:sp>
         <p:nvSpPr>
-          <p:cNvPr id="3" name="Marcador de contenido 2">
-            <a:extLst>
-              <a:ext uri="{FF2B5EF4-FFF2-40B4-BE49-F238E27FC236}">
-                <a16:creationId xmlns:a16="http://schemas.microsoft.com/office/drawing/2014/main" id="{3E4EF3AA-0DC5-4AF4-9F00-33C45745FB8C}"/>
-              </a:ext>
-            </a:extLst>
-          </p:cNvPr>
+          <p:cNvPr id="3" name="Marcador de contenido 2"/>
           <p:cNvSpPr>
             <a:spLocks noGrp="1"/>
           </p:cNvSpPr>
@@ -4837,31 +4776,27 @@
               <a:rPr lang="es-ES" altLang="en-US" sz="2400" dirty="0"/>
               <a:t>Una vez instalado nuestro proyecto en nuestro IDE, vamos a crear las siguientes clases:</a:t>
             </a:r>
+            <a:endParaRPr lang="es-ES" altLang="en-US" sz="2400" dirty="0"/>
           </a:p>
           <a:p>
             <a:r>
               <a:rPr lang="es-ES" altLang="en-US" sz="2400" dirty="0"/>
               <a:t>Coche</a:t>
             </a:r>
+            <a:endParaRPr lang="es-ES" altLang="en-US" sz="2400" dirty="0"/>
           </a:p>
         </p:txBody>
       </p:sp>
       <p:pic>
         <p:nvPicPr>
-          <p:cNvPr id="5" name="Imagen 4" descr="coche">
-            <a:extLst>
-              <a:ext uri="{FF2B5EF4-FFF2-40B4-BE49-F238E27FC236}">
-                <a16:creationId xmlns:a16="http://schemas.microsoft.com/office/drawing/2014/main" id="{BA45A8BF-80F3-C0B7-8FD7-4EFEADD2ED3B}"/>
-              </a:ext>
-            </a:extLst>
-          </p:cNvPr>
+          <p:cNvPr id="5" name="Imagen 4" descr="coche"/>
           <p:cNvPicPr>
             <a:picLocks noChangeAspect="1"/>
           </p:cNvPicPr>
           <p:nvPr/>
         </p:nvPicPr>
         <p:blipFill>
-          <a:blip r:embed="rId2"/>
+          <a:blip r:embed="rId1"/>
           <a:stretch>
             <a:fillRect/>
           </a:stretch>
@@ -4884,11 +4819,6 @@
         </p:spPr>
       </p:pic>
     </p:spTree>
-    <p:extLst>
-      <p:ext uri="{BB962C8B-B14F-4D97-AF65-F5344CB8AC3E}">
-        <p14:creationId xmlns:p14="http://schemas.microsoft.com/office/powerpoint/2010/main" val="261394835"/>
-      </p:ext>
-    </p:extLst>
   </p:cSld>
   <p:clrMapOvr>
     <a:masterClrMapping/>
@@ -4899,6 +4829,46 @@
 <file path=ppt/slides/slide14.xml><?xml version="1.0" encoding="utf-8"?>
 <p:sld xmlns:a="http://schemas.openxmlformats.org/drawingml/2006/main" xmlns:r="http://schemas.openxmlformats.org/officeDocument/2006/relationships" xmlns:p="http://schemas.openxmlformats.org/presentationml/2006/main">
   <p:cSld>
+    <p:bg>
+      <p:bgPr>
+        <a:gradFill>
+          <a:gsLst>
+            <a:gs pos="16000">
+              <a:schemeClr val="accent4">
+                <a:lumMod val="40000"/>
+                <a:lumOff val="60000"/>
+              </a:schemeClr>
+            </a:gs>
+            <a:gs pos="0">
+              <a:schemeClr val="accent1">
+                <a:lumMod val="5000"/>
+                <a:lumOff val="95000"/>
+              </a:schemeClr>
+            </a:gs>
+            <a:gs pos="74000">
+              <a:schemeClr val="accent1">
+                <a:lumMod val="45000"/>
+                <a:lumOff val="55000"/>
+              </a:schemeClr>
+            </a:gs>
+            <a:gs pos="83000">
+              <a:schemeClr val="accent1">
+                <a:lumMod val="45000"/>
+                <a:lumOff val="55000"/>
+              </a:schemeClr>
+            </a:gs>
+            <a:gs pos="100000">
+              <a:schemeClr val="accent1">
+                <a:lumMod val="30000"/>
+                <a:lumOff val="70000"/>
+              </a:schemeClr>
+            </a:gs>
+          </a:gsLst>
+          <a:lin ang="5400000" scaled="0"/>
+        </a:gradFill>
+        <a:effectLst/>
+      </p:bgPr>
+    </p:bg>
     <p:spTree>
       <p:nvGrpSpPr>
         <p:cNvPr id="1" name=""/>
@@ -4915,13 +4885,7 @@
       </p:grpSpPr>
       <p:sp>
         <p:nvSpPr>
-          <p:cNvPr id="2" name="Título 1">
-            <a:extLst>
-              <a:ext uri="{FF2B5EF4-FFF2-40B4-BE49-F238E27FC236}">
-                <a16:creationId xmlns:a16="http://schemas.microsoft.com/office/drawing/2014/main" id="{B4C7C7E3-29FA-CAAC-B098-AFB37E51D648}"/>
-              </a:ext>
-            </a:extLst>
-          </p:cNvPr>
+          <p:cNvPr id="2" name="Título 1"/>
           <p:cNvSpPr>
             <a:spLocks noGrp="1"/>
           </p:cNvSpPr>
@@ -4949,13 +4913,7 @@
       </p:sp>
       <p:sp>
         <p:nvSpPr>
-          <p:cNvPr id="3" name="Marcador de contenido 2">
-            <a:extLst>
-              <a:ext uri="{FF2B5EF4-FFF2-40B4-BE49-F238E27FC236}">
-                <a16:creationId xmlns:a16="http://schemas.microsoft.com/office/drawing/2014/main" id="{3E4EF3AA-0DC5-4AF4-9F00-33C45745FB8C}"/>
-              </a:ext>
-            </a:extLst>
-          </p:cNvPr>
+          <p:cNvPr id="3" name="Marcador de contenido 2"/>
           <p:cNvSpPr>
             <a:spLocks noGrp="1"/>
           </p:cNvSpPr>
@@ -4974,18 +4932,13 @@
               <a:rPr lang="es-ES" altLang="en-US" sz="2400" dirty="0"/>
               <a:t>Marca</a:t>
             </a:r>
-          </a:p>
-        </p:txBody>
-      </p:sp>
-      <p:sp>
-        <p:nvSpPr>
-          <p:cNvPr id="4" name="Marcador de contenido 3">
-            <a:extLst>
-              <a:ext uri="{FF2B5EF4-FFF2-40B4-BE49-F238E27FC236}">
-                <a16:creationId xmlns:a16="http://schemas.microsoft.com/office/drawing/2014/main" id="{BFE27698-5D1C-836F-9AD6-9B4157C30571}"/>
-              </a:ext>
-            </a:extLst>
-          </p:cNvPr>
+            <a:endParaRPr lang="es-ES" altLang="en-US" sz="2400" dirty="0"/>
+          </a:p>
+        </p:txBody>
+      </p:sp>
+      <p:sp>
+        <p:nvSpPr>
+          <p:cNvPr id="4" name="Marcador de contenido 3"/>
           <p:cNvSpPr>
             <a:spLocks noGrp="1"/>
           </p:cNvSpPr>
@@ -5004,18 +4957,38 @@
               <a:rPr lang="es-ES" sz="2400" dirty="0"/>
               <a:t>Modelo</a:t>
             </a:r>
+            <a:endParaRPr lang="es-ES" sz="2400" dirty="0"/>
           </a:p>
         </p:txBody>
       </p:sp>
       <p:pic>
         <p:nvPicPr>
-          <p:cNvPr id="6" name="Imagen 5" descr="marca">
-            <a:extLst>
-              <a:ext uri="{FF2B5EF4-FFF2-40B4-BE49-F238E27FC236}">
-                <a16:creationId xmlns:a16="http://schemas.microsoft.com/office/drawing/2014/main" id="{3D6580CC-575F-2CF2-4091-7342441B929E}"/>
-              </a:ext>
-            </a:extLst>
-          </p:cNvPr>
+          <p:cNvPr id="6" name="Imagen 5" descr="marca"/>
+          <p:cNvPicPr>
+            <a:picLocks noChangeAspect="1"/>
+          </p:cNvPicPr>
+          <p:nvPr/>
+        </p:nvPicPr>
+        <p:blipFill>
+          <a:blip r:embed="rId1"/>
+          <a:stretch>
+            <a:fillRect/>
+          </a:stretch>
+        </p:blipFill>
+        <p:spPr>
+          <a:xfrm>
+            <a:off x="1589714" y="2838518"/>
+            <a:ext cx="3376569" cy="3434241"/>
+          </a:xfrm>
+          <a:prstGeom prst="rect">
+            <a:avLst/>
+          </a:prstGeom>
+          <a:effectLst/>
+        </p:spPr>
+      </p:pic>
+      <p:pic>
+        <p:nvPicPr>
+          <p:cNvPr id="7" name="Imagen 6" descr="modelo"/>
           <p:cNvPicPr>
             <a:picLocks noChangeAspect="1"/>
           </p:cNvPicPr>
@@ -5029,8 +5002,8 @@
         </p:blipFill>
         <p:spPr>
           <a:xfrm>
-            <a:off x="1589714" y="2838518"/>
-            <a:ext cx="3376569" cy="3434241"/>
+            <a:off x="6448118" y="2838518"/>
+            <a:ext cx="3376570" cy="3532254"/>
           </a:xfrm>
           <a:prstGeom prst="rect">
             <a:avLst/>
@@ -5038,43 +5011,7 @@
           <a:effectLst/>
         </p:spPr>
       </p:pic>
-      <p:pic>
-        <p:nvPicPr>
-          <p:cNvPr id="7" name="Imagen 6" descr="modelo">
-            <a:extLst>
-              <a:ext uri="{FF2B5EF4-FFF2-40B4-BE49-F238E27FC236}">
-                <a16:creationId xmlns:a16="http://schemas.microsoft.com/office/drawing/2014/main" id="{C3CA361F-1F76-B0A1-1312-1544BA74560F}"/>
-              </a:ext>
-            </a:extLst>
-          </p:cNvPr>
-          <p:cNvPicPr>
-            <a:picLocks noChangeAspect="1"/>
-          </p:cNvPicPr>
-          <p:nvPr/>
-        </p:nvPicPr>
-        <p:blipFill>
-          <a:blip r:embed="rId3"/>
-          <a:stretch>
-            <a:fillRect/>
-          </a:stretch>
-        </p:blipFill>
-        <p:spPr>
-          <a:xfrm>
-            <a:off x="6448118" y="2838518"/>
-            <a:ext cx="3376570" cy="3532254"/>
-          </a:xfrm>
-          <a:prstGeom prst="rect">
-            <a:avLst/>
-          </a:prstGeom>
-          <a:effectLst/>
-        </p:spPr>
-      </p:pic>
     </p:spTree>
-    <p:extLst>
-      <p:ext uri="{BB962C8B-B14F-4D97-AF65-F5344CB8AC3E}">
-        <p14:creationId xmlns:p14="http://schemas.microsoft.com/office/powerpoint/2010/main" val="2981467637"/>
-      </p:ext>
-    </p:extLst>
   </p:cSld>
   <p:clrMapOvr>
     <a:masterClrMapping/>
@@ -5085,6 +5022,46 @@
 <file path=ppt/slides/slide15.xml><?xml version="1.0" encoding="utf-8"?>
 <p:sld xmlns:a="http://schemas.openxmlformats.org/drawingml/2006/main" xmlns:r="http://schemas.openxmlformats.org/officeDocument/2006/relationships" xmlns:p="http://schemas.openxmlformats.org/presentationml/2006/main">
   <p:cSld>
+    <p:bg>
+      <p:bgPr>
+        <a:gradFill>
+          <a:gsLst>
+            <a:gs pos="16000">
+              <a:schemeClr val="accent4">
+                <a:lumMod val="40000"/>
+                <a:lumOff val="60000"/>
+              </a:schemeClr>
+            </a:gs>
+            <a:gs pos="0">
+              <a:schemeClr val="accent1">
+                <a:lumMod val="5000"/>
+                <a:lumOff val="95000"/>
+              </a:schemeClr>
+            </a:gs>
+            <a:gs pos="74000">
+              <a:schemeClr val="accent1">
+                <a:lumMod val="45000"/>
+                <a:lumOff val="55000"/>
+              </a:schemeClr>
+            </a:gs>
+            <a:gs pos="83000">
+              <a:schemeClr val="accent1">
+                <a:lumMod val="45000"/>
+                <a:lumOff val="55000"/>
+              </a:schemeClr>
+            </a:gs>
+            <a:gs pos="100000">
+              <a:schemeClr val="accent1">
+                <a:lumMod val="30000"/>
+                <a:lumOff val="70000"/>
+              </a:schemeClr>
+            </a:gs>
+          </a:gsLst>
+          <a:lin ang="5400000" scaled="0"/>
+        </a:gradFill>
+        <a:effectLst/>
+      </p:bgPr>
+    </p:bg>
     <p:spTree>
       <p:nvGrpSpPr>
         <p:cNvPr id="1" name=""/>
@@ -5101,13 +5078,7 @@
       </p:grpSpPr>
       <p:sp>
         <p:nvSpPr>
-          <p:cNvPr id="2" name="Título 1">
-            <a:extLst>
-              <a:ext uri="{FF2B5EF4-FFF2-40B4-BE49-F238E27FC236}">
-                <a16:creationId xmlns:a16="http://schemas.microsoft.com/office/drawing/2014/main" id="{B4C7C7E3-29FA-CAAC-B098-AFB37E51D648}"/>
-              </a:ext>
-            </a:extLst>
-          </p:cNvPr>
+          <p:cNvPr id="2" name="Título 1"/>
           <p:cNvSpPr>
             <a:spLocks noGrp="1"/>
           </p:cNvSpPr>
@@ -5140,13 +5111,7 @@
       </p:sp>
       <p:sp>
         <p:nvSpPr>
-          <p:cNvPr id="3" name="Marcador de contenido 2">
-            <a:extLst>
-              <a:ext uri="{FF2B5EF4-FFF2-40B4-BE49-F238E27FC236}">
-                <a16:creationId xmlns:a16="http://schemas.microsoft.com/office/drawing/2014/main" id="{3E4EF3AA-0DC5-4AF4-9F00-33C45745FB8C}"/>
-              </a:ext>
-            </a:extLst>
-          </p:cNvPr>
+          <p:cNvPr id="3" name="Marcador de contenido 2"/>
           <p:cNvSpPr>
             <a:spLocks noGrp="1"/>
           </p:cNvSpPr>
@@ -5170,25 +5135,20 @@
               <a:rPr lang="es-ES" altLang="en-US" sz="2400" dirty="0"/>
               <a:t>Propietario</a:t>
             </a:r>
+            <a:endParaRPr lang="es-ES" altLang="en-US" sz="2400" dirty="0"/>
           </a:p>
         </p:txBody>
       </p:sp>
       <p:pic>
         <p:nvPicPr>
-          <p:cNvPr id="4" name="Imagen 3" descr="propietario">
-            <a:extLst>
-              <a:ext uri="{FF2B5EF4-FFF2-40B4-BE49-F238E27FC236}">
-                <a16:creationId xmlns:a16="http://schemas.microsoft.com/office/drawing/2014/main" id="{5472AE4C-D040-F30A-B141-B6810089E350}"/>
-              </a:ext>
-            </a:extLst>
-          </p:cNvPr>
+          <p:cNvPr id="4" name="Imagen 3" descr="propietario"/>
           <p:cNvPicPr>
             <a:picLocks noChangeAspect="1"/>
           </p:cNvPicPr>
           <p:nvPr/>
         </p:nvPicPr>
         <p:blipFill>
-          <a:blip r:embed="rId2"/>
+          <a:blip r:embed="rId1"/>
           <a:stretch>
             <a:fillRect/>
           </a:stretch>
@@ -5205,11 +5165,6 @@
         </p:spPr>
       </p:pic>
     </p:spTree>
-    <p:extLst>
-      <p:ext uri="{BB962C8B-B14F-4D97-AF65-F5344CB8AC3E}">
-        <p14:creationId xmlns:p14="http://schemas.microsoft.com/office/powerpoint/2010/main" val="1272521019"/>
-      </p:ext>
-    </p:extLst>
   </p:cSld>
   <p:clrMapOvr>
     <a:masterClrMapping/>
@@ -5220,6 +5175,46 @@
 <file path=ppt/slides/slide16.xml><?xml version="1.0" encoding="utf-8"?>
 <p:sld xmlns:a="http://schemas.openxmlformats.org/drawingml/2006/main" xmlns:r="http://schemas.openxmlformats.org/officeDocument/2006/relationships" xmlns:p="http://schemas.openxmlformats.org/presentationml/2006/main">
   <p:cSld>
+    <p:bg>
+      <p:bgPr>
+        <a:gradFill>
+          <a:gsLst>
+            <a:gs pos="16000">
+              <a:schemeClr val="accent4">
+                <a:lumMod val="40000"/>
+                <a:lumOff val="60000"/>
+              </a:schemeClr>
+            </a:gs>
+            <a:gs pos="0">
+              <a:schemeClr val="accent1">
+                <a:lumMod val="5000"/>
+                <a:lumOff val="95000"/>
+              </a:schemeClr>
+            </a:gs>
+            <a:gs pos="74000">
+              <a:schemeClr val="accent1">
+                <a:lumMod val="45000"/>
+                <a:lumOff val="55000"/>
+              </a:schemeClr>
+            </a:gs>
+            <a:gs pos="83000">
+              <a:schemeClr val="accent1">
+                <a:lumMod val="45000"/>
+                <a:lumOff val="55000"/>
+              </a:schemeClr>
+            </a:gs>
+            <a:gs pos="100000">
+              <a:schemeClr val="accent1">
+                <a:lumMod val="30000"/>
+                <a:lumOff val="70000"/>
+              </a:schemeClr>
+            </a:gs>
+          </a:gsLst>
+          <a:lin ang="5400000" scaled="0"/>
+        </a:gradFill>
+        <a:effectLst/>
+      </p:bgPr>
+    </p:bg>
     <p:spTree>
       <p:nvGrpSpPr>
         <p:cNvPr id="1" name=""/>
@@ -5236,13 +5231,7 @@
       </p:grpSpPr>
       <p:sp>
         <p:nvSpPr>
-          <p:cNvPr id="2" name="Título 1">
-            <a:extLst>
-              <a:ext uri="{FF2B5EF4-FFF2-40B4-BE49-F238E27FC236}">
-                <a16:creationId xmlns:a16="http://schemas.microsoft.com/office/drawing/2014/main" id="{B4C7C7E3-29FA-CAAC-B098-AFB37E51D648}"/>
-              </a:ext>
-            </a:extLst>
-          </p:cNvPr>
+          <p:cNvPr id="2" name="Título 1"/>
           <p:cNvSpPr>
             <a:spLocks noGrp="1"/>
           </p:cNvSpPr>
@@ -5270,13 +5259,7 @@
       </p:sp>
       <p:sp>
         <p:nvSpPr>
-          <p:cNvPr id="3" name="Marcador de contenido 2">
-            <a:extLst>
-              <a:ext uri="{FF2B5EF4-FFF2-40B4-BE49-F238E27FC236}">
-                <a16:creationId xmlns:a16="http://schemas.microsoft.com/office/drawing/2014/main" id="{3E4EF3AA-0DC5-4AF4-9F00-33C45745FB8C}"/>
-              </a:ext>
-            </a:extLst>
-          </p:cNvPr>
+          <p:cNvPr id="3" name="Marcador de contenido 2"/>
           <p:cNvSpPr>
             <a:spLocks noGrp="1"/>
           </p:cNvSpPr>
@@ -5295,18 +5278,37 @@
               <a:rPr lang="es-ES" altLang="en-US" sz="2400" dirty="0"/>
               <a:t>Pack</a:t>
             </a:r>
+            <a:endParaRPr lang="es-ES" altLang="en-US" sz="2400" dirty="0"/>
           </a:p>
         </p:txBody>
       </p:sp>
       <p:pic>
         <p:nvPicPr>
-          <p:cNvPr id="5" name="Imagen 4" descr="tabpack1">
-            <a:extLst>
-              <a:ext uri="{FF2B5EF4-FFF2-40B4-BE49-F238E27FC236}">
-                <a16:creationId xmlns:a16="http://schemas.microsoft.com/office/drawing/2014/main" id="{26B27CF3-DA1B-24EE-95D2-FBD82A0B2206}"/>
-              </a:ext>
-            </a:extLst>
-          </p:cNvPr>
+          <p:cNvPr id="5" name="Imagen 4" descr="tabpack1"/>
+          <p:cNvPicPr>
+            <a:picLocks noChangeAspect="1"/>
+          </p:cNvPicPr>
+          <p:nvPr/>
+        </p:nvPicPr>
+        <p:blipFill>
+          <a:blip r:embed="rId1"/>
+          <a:stretch>
+            <a:fillRect/>
+          </a:stretch>
+        </p:blipFill>
+        <p:spPr>
+          <a:xfrm>
+            <a:off x="2879960" y="2285999"/>
+            <a:ext cx="3370396" cy="4255815"/>
+          </a:xfrm>
+          <a:prstGeom prst="rect">
+            <a:avLst/>
+          </a:prstGeom>
+        </p:spPr>
+      </p:pic>
+      <p:pic>
+        <p:nvPicPr>
+          <p:cNvPr id="8" name="Imagen 7" descr="tabpack2"/>
           <p:cNvPicPr>
             <a:picLocks noChangeAspect="1"/>
           </p:cNvPicPr>
@@ -5320,50 +5322,15 @@
         </p:blipFill>
         <p:spPr>
           <a:xfrm>
-            <a:off x="2879960" y="2285999"/>
-            <a:ext cx="3370396" cy="4255815"/>
+            <a:off x="6866037" y="2283197"/>
+            <a:ext cx="3662147" cy="4258617"/>
           </a:xfrm>
           <a:prstGeom prst="rect">
             <a:avLst/>
           </a:prstGeom>
         </p:spPr>
       </p:pic>
-      <p:pic>
-        <p:nvPicPr>
-          <p:cNvPr id="8" name="Imagen 7" descr="tabpack2">
-            <a:extLst>
-              <a:ext uri="{FF2B5EF4-FFF2-40B4-BE49-F238E27FC236}">
-                <a16:creationId xmlns:a16="http://schemas.microsoft.com/office/drawing/2014/main" id="{681F37B0-578A-4FD9-746C-A56EBD98A4E6}"/>
-              </a:ext>
-            </a:extLst>
-          </p:cNvPr>
-          <p:cNvPicPr>
-            <a:picLocks noChangeAspect="1"/>
-          </p:cNvPicPr>
-          <p:nvPr/>
-        </p:nvPicPr>
-        <p:blipFill>
-          <a:blip r:embed="rId3"/>
-          <a:stretch>
-            <a:fillRect/>
-          </a:stretch>
-        </p:blipFill>
-        <p:spPr>
-          <a:xfrm>
-            <a:off x="6866037" y="2283197"/>
-            <a:ext cx="3662147" cy="4258617"/>
-          </a:xfrm>
-          <a:prstGeom prst="rect">
-            <a:avLst/>
-          </a:prstGeom>
-        </p:spPr>
-      </p:pic>
     </p:spTree>
-    <p:extLst>
-      <p:ext uri="{BB962C8B-B14F-4D97-AF65-F5344CB8AC3E}">
-        <p14:creationId xmlns:p14="http://schemas.microsoft.com/office/powerpoint/2010/main" val="1170639218"/>
-      </p:ext>
-    </p:extLst>
   </p:cSld>
   <p:clrMapOvr>
     <a:masterClrMapping/>
@@ -5374,6 +5341,46 @@
 <file path=ppt/slides/slide17.xml><?xml version="1.0" encoding="utf-8"?>
 <p:sld xmlns:a="http://schemas.openxmlformats.org/drawingml/2006/main" xmlns:r="http://schemas.openxmlformats.org/officeDocument/2006/relationships" xmlns:p="http://schemas.openxmlformats.org/presentationml/2006/main">
   <p:cSld>
+    <p:bg>
+      <p:bgPr>
+        <a:gradFill>
+          <a:gsLst>
+            <a:gs pos="16000">
+              <a:schemeClr val="accent4">
+                <a:lumMod val="40000"/>
+                <a:lumOff val="60000"/>
+              </a:schemeClr>
+            </a:gs>
+            <a:gs pos="0">
+              <a:schemeClr val="accent1">
+                <a:lumMod val="5000"/>
+                <a:lumOff val="95000"/>
+              </a:schemeClr>
+            </a:gs>
+            <a:gs pos="74000">
+              <a:schemeClr val="accent1">
+                <a:lumMod val="45000"/>
+                <a:lumOff val="55000"/>
+              </a:schemeClr>
+            </a:gs>
+            <a:gs pos="83000">
+              <a:schemeClr val="accent1">
+                <a:lumMod val="45000"/>
+                <a:lumOff val="55000"/>
+              </a:schemeClr>
+            </a:gs>
+            <a:gs pos="100000">
+              <a:schemeClr val="accent1">
+                <a:lumMod val="30000"/>
+                <a:lumOff val="70000"/>
+              </a:schemeClr>
+            </a:gs>
+          </a:gsLst>
+          <a:lin ang="5400000" scaled="0"/>
+        </a:gradFill>
+        <a:effectLst/>
+      </p:bgPr>
+    </p:bg>
     <p:spTree>
       <p:nvGrpSpPr>
         <p:cNvPr id="1" name=""/>
@@ -5390,13 +5397,7 @@
       </p:grpSpPr>
       <p:sp>
         <p:nvSpPr>
-          <p:cNvPr id="2" name="Título 1">
-            <a:extLst>
-              <a:ext uri="{FF2B5EF4-FFF2-40B4-BE49-F238E27FC236}">
-                <a16:creationId xmlns:a16="http://schemas.microsoft.com/office/drawing/2014/main" id="{B4C7C7E3-29FA-CAAC-B098-AFB37E51D648}"/>
-              </a:ext>
-            </a:extLst>
-          </p:cNvPr>
+          <p:cNvPr id="2" name="Título 1"/>
           <p:cNvSpPr>
             <a:spLocks noGrp="1"/>
           </p:cNvSpPr>
@@ -5429,13 +5430,7 @@
       </p:sp>
       <p:sp>
         <p:nvSpPr>
-          <p:cNvPr id="3" name="Marcador de contenido 2">
-            <a:extLst>
-              <a:ext uri="{FF2B5EF4-FFF2-40B4-BE49-F238E27FC236}">
-                <a16:creationId xmlns:a16="http://schemas.microsoft.com/office/drawing/2014/main" id="{3E4EF3AA-0DC5-4AF4-9F00-33C45745FB8C}"/>
-              </a:ext>
-            </a:extLst>
-          </p:cNvPr>
+          <p:cNvPr id="3" name="Marcador de contenido 2"/>
           <p:cNvSpPr>
             <a:spLocks noGrp="1"/>
           </p:cNvSpPr>
@@ -5459,18 +5454,37 @@
               <a:rPr lang="es-ES" altLang="en-US" sz="2400" dirty="0"/>
               <a:t>Utilizada principalmente para la relación entre las entidades y consultas derivadas.</a:t>
             </a:r>
+            <a:endParaRPr lang="es-ES" altLang="en-US" sz="2400" dirty="0"/>
           </a:p>
         </p:txBody>
       </p:sp>
       <p:pic>
         <p:nvPicPr>
-          <p:cNvPr id="5" name="Imagen 4" descr="jpa1">
-            <a:extLst>
-              <a:ext uri="{FF2B5EF4-FFF2-40B4-BE49-F238E27FC236}">
-                <a16:creationId xmlns:a16="http://schemas.microsoft.com/office/drawing/2014/main" id="{CBD01B13-C886-9915-D141-537299D33DC5}"/>
-              </a:ext>
-            </a:extLst>
-          </p:cNvPr>
+          <p:cNvPr id="5" name="Imagen 4" descr="jpa1"/>
+          <p:cNvPicPr>
+            <a:picLocks noChangeAspect="1"/>
+          </p:cNvPicPr>
+          <p:nvPr/>
+        </p:nvPicPr>
+        <p:blipFill>
+          <a:blip r:embed="rId1"/>
+          <a:stretch>
+            <a:fillRect/>
+          </a:stretch>
+        </p:blipFill>
+        <p:spPr>
+          <a:xfrm>
+            <a:off x="987425" y="3016411"/>
+            <a:ext cx="5108575" cy="2835910"/>
+          </a:xfrm>
+          <a:prstGeom prst="rect">
+            <a:avLst/>
+          </a:prstGeom>
+        </p:spPr>
+      </p:pic>
+      <p:pic>
+        <p:nvPicPr>
+          <p:cNvPr id="6" name="Imagen 5" descr="jpa2"/>
           <p:cNvPicPr>
             <a:picLocks noChangeAspect="1"/>
           </p:cNvPicPr>
@@ -5484,50 +5498,15 @@
         </p:blipFill>
         <p:spPr>
           <a:xfrm>
-            <a:off x="987425" y="3016411"/>
-            <a:ext cx="5108575" cy="2835910"/>
+            <a:off x="6332525" y="3006886"/>
+            <a:ext cx="5685155" cy="2845435"/>
           </a:xfrm>
           <a:prstGeom prst="rect">
             <a:avLst/>
           </a:prstGeom>
         </p:spPr>
       </p:pic>
-      <p:pic>
-        <p:nvPicPr>
-          <p:cNvPr id="6" name="Imagen 5" descr="jpa2">
-            <a:extLst>
-              <a:ext uri="{FF2B5EF4-FFF2-40B4-BE49-F238E27FC236}">
-                <a16:creationId xmlns:a16="http://schemas.microsoft.com/office/drawing/2014/main" id="{A37947BE-6110-6D8A-FB4A-69F41D774001}"/>
-              </a:ext>
-            </a:extLst>
-          </p:cNvPr>
-          <p:cNvPicPr>
-            <a:picLocks noChangeAspect="1"/>
-          </p:cNvPicPr>
-          <p:nvPr/>
-        </p:nvPicPr>
-        <p:blipFill>
-          <a:blip r:embed="rId3"/>
-          <a:stretch>
-            <a:fillRect/>
-          </a:stretch>
-        </p:blipFill>
-        <p:spPr>
-          <a:xfrm>
-            <a:off x="6332525" y="3006886"/>
-            <a:ext cx="5685155" cy="2845435"/>
-          </a:xfrm>
-          <a:prstGeom prst="rect">
-            <a:avLst/>
-          </a:prstGeom>
-        </p:spPr>
-      </p:pic>
     </p:spTree>
-    <p:extLst>
-      <p:ext uri="{BB962C8B-B14F-4D97-AF65-F5344CB8AC3E}">
-        <p14:creationId xmlns:p14="http://schemas.microsoft.com/office/powerpoint/2010/main" val="1822449607"/>
-      </p:ext>
-    </p:extLst>
   </p:cSld>
   <p:clrMapOvr>
     <a:masterClrMapping/>
@@ -5538,6 +5517,46 @@
 <file path=ppt/slides/slide18.xml><?xml version="1.0" encoding="utf-8"?>
 <p:sld xmlns:a="http://schemas.openxmlformats.org/drawingml/2006/main" xmlns:r="http://schemas.openxmlformats.org/officeDocument/2006/relationships" xmlns:p="http://schemas.openxmlformats.org/presentationml/2006/main">
   <p:cSld>
+    <p:bg>
+      <p:bgPr>
+        <a:gradFill>
+          <a:gsLst>
+            <a:gs pos="16000">
+              <a:schemeClr val="accent4">
+                <a:lumMod val="40000"/>
+                <a:lumOff val="60000"/>
+              </a:schemeClr>
+            </a:gs>
+            <a:gs pos="0">
+              <a:schemeClr val="accent1">
+                <a:lumMod val="5000"/>
+                <a:lumOff val="95000"/>
+              </a:schemeClr>
+            </a:gs>
+            <a:gs pos="74000">
+              <a:schemeClr val="accent1">
+                <a:lumMod val="45000"/>
+                <a:lumOff val="55000"/>
+              </a:schemeClr>
+            </a:gs>
+            <a:gs pos="83000">
+              <a:schemeClr val="accent1">
+                <a:lumMod val="45000"/>
+                <a:lumOff val="55000"/>
+              </a:schemeClr>
+            </a:gs>
+            <a:gs pos="100000">
+              <a:schemeClr val="accent1">
+                <a:lumMod val="30000"/>
+                <a:lumOff val="70000"/>
+              </a:schemeClr>
+            </a:gs>
+          </a:gsLst>
+          <a:lin ang="5400000" scaled="0"/>
+        </a:gradFill>
+        <a:effectLst/>
+      </p:bgPr>
+    </p:bg>
     <p:spTree>
       <p:nvGrpSpPr>
         <p:cNvPr id="1" name=""/>
@@ -5554,13 +5573,7 @@
       </p:grpSpPr>
       <p:sp>
         <p:nvSpPr>
-          <p:cNvPr id="2" name="Título 1">
-            <a:extLst>
-              <a:ext uri="{FF2B5EF4-FFF2-40B4-BE49-F238E27FC236}">
-                <a16:creationId xmlns:a16="http://schemas.microsoft.com/office/drawing/2014/main" id="{B4C7C7E3-29FA-CAAC-B098-AFB37E51D648}"/>
-              </a:ext>
-            </a:extLst>
-          </p:cNvPr>
+          <p:cNvPr id="2" name="Título 1"/>
           <p:cNvSpPr>
             <a:spLocks noGrp="1"/>
           </p:cNvSpPr>
@@ -5585,18 +5598,13 @@
               <a:rPr lang="es-ES" altLang="en-US" dirty="0"/>
               <a:t>Springboot</a:t>
             </a:r>
-          </a:p>
-        </p:txBody>
-      </p:sp>
-      <p:sp>
-        <p:nvSpPr>
-          <p:cNvPr id="3" name="Marcador de contenido 2">
-            <a:extLst>
-              <a:ext uri="{FF2B5EF4-FFF2-40B4-BE49-F238E27FC236}">
-                <a16:creationId xmlns:a16="http://schemas.microsoft.com/office/drawing/2014/main" id="{3E4EF3AA-0DC5-4AF4-9F00-33C45745FB8C}"/>
-              </a:ext>
-            </a:extLst>
-          </p:cNvPr>
+            <a:endParaRPr lang="es-ES" altLang="en-US" dirty="0"/>
+          </a:p>
+        </p:txBody>
+      </p:sp>
+      <p:sp>
+        <p:nvSpPr>
+          <p:cNvPr id="3" name="Marcador de contenido 2"/>
           <p:cNvSpPr>
             <a:spLocks noGrp="1"/>
           </p:cNvSpPr>
@@ -5620,18 +5628,37 @@
               <a:rPr lang="es-ES" altLang="en-US" sz="2400" dirty="0"/>
               <a:t>Controlador: Creados para las operaciones CRUD y consultas a las bases de datos.</a:t>
             </a:r>
+            <a:endParaRPr lang="es-ES" altLang="en-US" sz="2400" dirty="0"/>
           </a:p>
         </p:txBody>
       </p:sp>
       <p:pic>
         <p:nvPicPr>
-          <p:cNvPr id="4" name="Imagen 3" descr="controller1">
-            <a:extLst>
-              <a:ext uri="{FF2B5EF4-FFF2-40B4-BE49-F238E27FC236}">
-                <a16:creationId xmlns:a16="http://schemas.microsoft.com/office/drawing/2014/main" id="{0EDA5126-BAB4-0C3D-FA75-CC5564ECAC70}"/>
-              </a:ext>
-            </a:extLst>
-          </p:cNvPr>
+          <p:cNvPr id="4" name="Imagen 3" descr="controller1"/>
+          <p:cNvPicPr>
+            <a:picLocks noChangeAspect="1"/>
+          </p:cNvPicPr>
+          <p:nvPr/>
+        </p:nvPicPr>
+        <p:blipFill>
+          <a:blip r:embed="rId1"/>
+          <a:stretch>
+            <a:fillRect/>
+          </a:stretch>
+        </p:blipFill>
+        <p:spPr>
+          <a:xfrm>
+            <a:off x="1404620" y="4537256"/>
+            <a:ext cx="4614545" cy="1868805"/>
+          </a:xfrm>
+          <a:prstGeom prst="rect">
+            <a:avLst/>
+          </a:prstGeom>
+        </p:spPr>
+      </p:pic>
+      <p:pic>
+        <p:nvPicPr>
+          <p:cNvPr id="7" name="Imagen 6" descr="get"/>
           <p:cNvPicPr>
             <a:picLocks noChangeAspect="1"/>
           </p:cNvPicPr>
@@ -5645,53 +5672,17 @@
         </p:blipFill>
         <p:spPr>
           <a:xfrm>
-            <a:off x="1404620" y="4537256"/>
-            <a:ext cx="4614545" cy="1868805"/>
+            <a:off x="7120255" y="2757351"/>
+            <a:ext cx="4614545" cy="3910330"/>
           </a:xfrm>
           <a:prstGeom prst="rect">
             <a:avLst/>
           </a:prstGeom>
         </p:spPr>
       </p:pic>
-      <p:pic>
-        <p:nvPicPr>
-          <p:cNvPr id="7" name="Imagen 6" descr="get">
-            <a:extLst>
-              <a:ext uri="{FF2B5EF4-FFF2-40B4-BE49-F238E27FC236}">
-                <a16:creationId xmlns:a16="http://schemas.microsoft.com/office/drawing/2014/main" id="{7DDE5834-BA81-FC7F-D27A-471E85159DD8}"/>
-              </a:ext>
-            </a:extLst>
-          </p:cNvPr>
-          <p:cNvPicPr>
-            <a:picLocks noChangeAspect="1"/>
-          </p:cNvPicPr>
-          <p:nvPr/>
-        </p:nvPicPr>
-        <p:blipFill>
-          <a:blip r:embed="rId3"/>
-          <a:stretch>
-            <a:fillRect/>
-          </a:stretch>
-        </p:blipFill>
-        <p:spPr>
-          <a:xfrm>
-            <a:off x="7120255" y="2757351"/>
-            <a:ext cx="4614545" cy="3910330"/>
-          </a:xfrm>
-          <a:prstGeom prst="rect">
-            <a:avLst/>
-          </a:prstGeom>
-        </p:spPr>
-      </p:pic>
-      <p:sp>
-        <p:nvSpPr>
-          <p:cNvPr id="8" name="Cuadro de texto 5">
-            <a:extLst>
-              <a:ext uri="{FF2B5EF4-FFF2-40B4-BE49-F238E27FC236}">
-                <a16:creationId xmlns:a16="http://schemas.microsoft.com/office/drawing/2014/main" id="{4C4D6663-6900-FC40-AC6C-346A942294DE}"/>
-              </a:ext>
-            </a:extLst>
-          </p:cNvPr>
+      <p:sp>
+        <p:nvSpPr>
+          <p:cNvPr id="8" name="Cuadro de texto 5"/>
           <p:cNvSpPr txBox="1"/>
           <p:nvPr/>
         </p:nvSpPr>
@@ -5811,13 +5802,7 @@
       </p:sp>
       <p:sp>
         <p:nvSpPr>
-          <p:cNvPr id="9" name="Cuadro de texto 6">
-            <a:extLst>
-              <a:ext uri="{FF2B5EF4-FFF2-40B4-BE49-F238E27FC236}">
-                <a16:creationId xmlns:a16="http://schemas.microsoft.com/office/drawing/2014/main" id="{CBE772E6-ECB1-667B-3960-D69B16D3CD8D}"/>
-              </a:ext>
-            </a:extLst>
-          </p:cNvPr>
+          <p:cNvPr id="9" name="Cuadro de texto 6"/>
           <p:cNvSpPr txBox="1"/>
           <p:nvPr/>
         </p:nvSpPr>
@@ -5937,13 +5922,7 @@
       </p:sp>
       <p:sp>
         <p:nvSpPr>
-          <p:cNvPr id="10" name="Cuadro de texto 7">
-            <a:extLst>
-              <a:ext uri="{FF2B5EF4-FFF2-40B4-BE49-F238E27FC236}">
-                <a16:creationId xmlns:a16="http://schemas.microsoft.com/office/drawing/2014/main" id="{F52EE6FD-9CF9-5E12-02F7-61C6493076C7}"/>
-              </a:ext>
-            </a:extLst>
-          </p:cNvPr>
+          <p:cNvPr id="10" name="Cuadro de texto 7"/>
           <p:cNvSpPr txBox="1"/>
           <p:nvPr/>
         </p:nvSpPr>
@@ -5956,7 +5935,9 @@
             <a:avLst/>
           </a:prstGeom>
           <a:solidFill>
-            <a:srgbClr val="B4DF5A"/>
+            <a:schemeClr val="accent4">
+              <a:lumMod val="75000"/>
+            </a:schemeClr>
           </a:solidFill>
         </p:spPr>
         <p:txBody>
@@ -6063,18 +6044,13 @@
               <a:rPr lang="es-ES" altLang="en-US"/>
               <a:t>Inicializamos la clase</a:t>
             </a:r>
-          </a:p>
-        </p:txBody>
-      </p:sp>
-      <p:sp>
-        <p:nvSpPr>
-          <p:cNvPr id="11" name="Cuadro de texto 8">
-            <a:extLst>
-              <a:ext uri="{FF2B5EF4-FFF2-40B4-BE49-F238E27FC236}">
-                <a16:creationId xmlns:a16="http://schemas.microsoft.com/office/drawing/2014/main" id="{A2A744E1-1A60-923E-FCC2-C408B44261D1}"/>
-              </a:ext>
-            </a:extLst>
-          </p:cNvPr>
+            <a:endParaRPr lang="es-ES" altLang="en-US"/>
+          </a:p>
+        </p:txBody>
+      </p:sp>
+      <p:sp>
+        <p:nvSpPr>
+          <p:cNvPr id="11" name="Cuadro de texto 8"/>
           <p:cNvSpPr txBox="1"/>
           <p:nvPr/>
         </p:nvSpPr>
@@ -6087,7 +6063,9 @@
             <a:avLst/>
           </a:prstGeom>
           <a:solidFill>
-            <a:srgbClr val="B4DF5A"/>
+            <a:schemeClr val="accent4">
+              <a:lumMod val="75000"/>
+            </a:schemeClr>
           </a:solidFill>
         </p:spPr>
         <p:txBody>
@@ -6200,18 +6178,18 @@
               </a:rPr>
               <a:t>Para la obtención de las consultas a la base de datos</a:t>
             </a:r>
-          </a:p>
-        </p:txBody>
-      </p:sp>
-      <p:sp>
-        <p:nvSpPr>
-          <p:cNvPr id="14" name="Flecha: a la derecha 13">
-            <a:extLst>
-              <a:ext uri="{FF2B5EF4-FFF2-40B4-BE49-F238E27FC236}">
-                <a16:creationId xmlns:a16="http://schemas.microsoft.com/office/drawing/2014/main" id="{B8FB5FDC-B58D-CA19-D71B-962D94F1F5EF}"/>
-              </a:ext>
-            </a:extLst>
-          </p:cNvPr>
+            <a:endParaRPr lang="es-ES" altLang="en-US" sz="1600" dirty="0">
+              <a:solidFill>
+                <a:schemeClr val="tx1"/>
+              </a:solidFill>
+              <a:uFillTx/>
+            </a:endParaRPr>
+          </a:p>
+        </p:txBody>
+      </p:sp>
+      <p:sp>
+        <p:nvSpPr>
+          <p:cNvPr id="14" name="Flecha: a la derecha 13"/>
           <p:cNvSpPr/>
           <p:nvPr/>
         </p:nvSpPr>
@@ -6256,13 +6234,7 @@
       </p:sp>
       <p:sp>
         <p:nvSpPr>
-          <p:cNvPr id="15" name="Flecha: a la derecha 14">
-            <a:extLst>
-              <a:ext uri="{FF2B5EF4-FFF2-40B4-BE49-F238E27FC236}">
-                <a16:creationId xmlns:a16="http://schemas.microsoft.com/office/drawing/2014/main" id="{38CEA72B-711B-42A2-3BFC-2908446131E2}"/>
-              </a:ext>
-            </a:extLst>
-          </p:cNvPr>
+          <p:cNvPr id="15" name="Flecha: a la derecha 14"/>
           <p:cNvSpPr/>
           <p:nvPr/>
         </p:nvSpPr>
@@ -6306,11 +6278,6 @@
         </p:txBody>
       </p:sp>
     </p:spTree>
-    <p:extLst>
-      <p:ext uri="{BB962C8B-B14F-4D97-AF65-F5344CB8AC3E}">
-        <p14:creationId xmlns:p14="http://schemas.microsoft.com/office/powerpoint/2010/main" val="4134245588"/>
-      </p:ext>
-    </p:extLst>
   </p:cSld>
   <p:clrMapOvr>
     <a:masterClrMapping/>
@@ -6321,6 +6288,46 @@
 <file path=ppt/slides/slide19.xml><?xml version="1.0" encoding="utf-8"?>
 <p:sld xmlns:a="http://schemas.openxmlformats.org/drawingml/2006/main" xmlns:r="http://schemas.openxmlformats.org/officeDocument/2006/relationships" xmlns:p="http://schemas.openxmlformats.org/presentationml/2006/main">
   <p:cSld>
+    <p:bg>
+      <p:bgPr>
+        <a:gradFill>
+          <a:gsLst>
+            <a:gs pos="16000">
+              <a:schemeClr val="accent4">
+                <a:lumMod val="40000"/>
+                <a:lumOff val="60000"/>
+              </a:schemeClr>
+            </a:gs>
+            <a:gs pos="0">
+              <a:schemeClr val="accent1">
+                <a:lumMod val="5000"/>
+                <a:lumOff val="95000"/>
+              </a:schemeClr>
+            </a:gs>
+            <a:gs pos="74000">
+              <a:schemeClr val="accent1">
+                <a:lumMod val="45000"/>
+                <a:lumOff val="55000"/>
+              </a:schemeClr>
+            </a:gs>
+            <a:gs pos="83000">
+              <a:schemeClr val="accent1">
+                <a:lumMod val="45000"/>
+                <a:lumOff val="55000"/>
+              </a:schemeClr>
+            </a:gs>
+            <a:gs pos="100000">
+              <a:schemeClr val="accent1">
+                <a:lumMod val="30000"/>
+                <a:lumOff val="70000"/>
+              </a:schemeClr>
+            </a:gs>
+          </a:gsLst>
+          <a:lin ang="5400000" scaled="0"/>
+        </a:gradFill>
+        <a:effectLst/>
+      </p:bgPr>
+    </p:bg>
     <p:spTree>
       <p:nvGrpSpPr>
         <p:cNvPr id="1" name=""/>
@@ -6337,13 +6344,7 @@
       </p:grpSpPr>
       <p:sp>
         <p:nvSpPr>
-          <p:cNvPr id="2" name="Título 1">
-            <a:extLst>
-              <a:ext uri="{FF2B5EF4-FFF2-40B4-BE49-F238E27FC236}">
-                <a16:creationId xmlns:a16="http://schemas.microsoft.com/office/drawing/2014/main" id="{B4C7C7E3-29FA-CAAC-B098-AFB37E51D648}"/>
-              </a:ext>
-            </a:extLst>
-          </p:cNvPr>
+          <p:cNvPr id="2" name="Título 1"/>
           <p:cNvSpPr>
             <a:spLocks noGrp="1"/>
           </p:cNvSpPr>
@@ -6368,18 +6369,41 @@
               <a:rPr lang="es-ES" altLang="en-US" dirty="0"/>
               <a:t>Springboot</a:t>
             </a:r>
+            <a:endParaRPr lang="es-ES" altLang="en-US" dirty="0"/>
           </a:p>
         </p:txBody>
       </p:sp>
       <p:pic>
         <p:nvPicPr>
-          <p:cNvPr id="12" name="Marcador de posición de contenido 3" descr="delete">
-            <a:extLst>
-              <a:ext uri="{FF2B5EF4-FFF2-40B4-BE49-F238E27FC236}">
-                <a16:creationId xmlns:a16="http://schemas.microsoft.com/office/drawing/2014/main" id="{8704730F-0664-9A2F-DFBA-4A9589B80806}"/>
-              </a:ext>
-            </a:extLst>
-          </p:cNvPr>
+          <p:cNvPr id="12" name="Marcador de posición de contenido 3" descr="delete"/>
+          <p:cNvPicPr>
+            <a:picLocks noChangeAspect="1"/>
+          </p:cNvPicPr>
+          <p:nvPr/>
+        </p:nvPicPr>
+        <p:blipFill>
+          <a:blip r:embed="rId1"/>
+          <a:stretch>
+            <a:fillRect/>
+          </a:stretch>
+        </p:blipFill>
+        <p:spPr>
+          <a:xfrm>
+            <a:off x="5067300" y="5428525"/>
+            <a:ext cx="6667500" cy="1219200"/>
+          </a:xfrm>
+          <a:prstGeom prst="rect">
+            <a:avLst/>
+          </a:prstGeom>
+          <a:noFill/>
+          <a:ln w="9525">
+            <a:noFill/>
+          </a:ln>
+        </p:spPr>
+      </p:pic>
+      <p:pic>
+        <p:nvPicPr>
+          <p:cNvPr id="13" name="Imagen 12" descr="post"/>
           <p:cNvPicPr>
             <a:picLocks noChangeAspect="1"/>
           </p:cNvPicPr>
@@ -6393,57 +6417,17 @@
         </p:blipFill>
         <p:spPr>
           <a:xfrm>
-            <a:off x="5067300" y="5428525"/>
-            <a:ext cx="6667500" cy="1219200"/>
+            <a:off x="6223635" y="1669960"/>
+            <a:ext cx="5109845" cy="3655695"/>
           </a:xfrm>
           <a:prstGeom prst="rect">
             <a:avLst/>
           </a:prstGeom>
-          <a:noFill/>
-          <a:ln w="9525">
-            <a:noFill/>
-          </a:ln>
         </p:spPr>
       </p:pic>
-      <p:pic>
-        <p:nvPicPr>
-          <p:cNvPr id="13" name="Imagen 12" descr="post">
-            <a:extLst>
-              <a:ext uri="{FF2B5EF4-FFF2-40B4-BE49-F238E27FC236}">
-                <a16:creationId xmlns:a16="http://schemas.microsoft.com/office/drawing/2014/main" id="{0EA37D25-AB62-C76F-B9A8-92EC51474475}"/>
-              </a:ext>
-            </a:extLst>
-          </p:cNvPr>
-          <p:cNvPicPr>
-            <a:picLocks noChangeAspect="1"/>
-          </p:cNvPicPr>
-          <p:nvPr/>
-        </p:nvPicPr>
-        <p:blipFill>
-          <a:blip r:embed="rId3"/>
-          <a:stretch>
-            <a:fillRect/>
-          </a:stretch>
-        </p:blipFill>
-        <p:spPr>
-          <a:xfrm>
-            <a:off x="6223635" y="1669960"/>
-            <a:ext cx="5109845" cy="3655695"/>
-          </a:xfrm>
-          <a:prstGeom prst="rect">
-            <a:avLst/>
-          </a:prstGeom>
-        </p:spPr>
-      </p:pic>
-      <p:sp>
-        <p:nvSpPr>
-          <p:cNvPr id="16" name="Cuadro de texto 8">
-            <a:extLst>
-              <a:ext uri="{FF2B5EF4-FFF2-40B4-BE49-F238E27FC236}">
-                <a16:creationId xmlns:a16="http://schemas.microsoft.com/office/drawing/2014/main" id="{0CFDE564-1EC3-576D-2FB2-18CAABC78A3A}"/>
-              </a:ext>
-            </a:extLst>
-          </p:cNvPr>
+      <p:sp>
+        <p:nvSpPr>
+          <p:cNvPr id="16" name="Cuadro de texto 8"/>
           <p:cNvSpPr txBox="1"/>
           <p:nvPr/>
         </p:nvSpPr>
@@ -6456,7 +6440,9 @@
             <a:avLst/>
           </a:prstGeom>
           <a:solidFill>
-            <a:srgbClr val="B4DF5A"/>
+            <a:schemeClr val="accent4">
+              <a:lumMod val="75000"/>
+            </a:schemeClr>
           </a:solidFill>
         </p:spPr>
         <p:txBody>
@@ -6569,18 +6555,18 @@
               </a:rPr>
               <a:t>Insercciones y actualizaciones</a:t>
             </a:r>
-          </a:p>
-        </p:txBody>
-      </p:sp>
-      <p:sp>
-        <p:nvSpPr>
-          <p:cNvPr id="17" name="Cuadro de texto 6">
-            <a:extLst>
-              <a:ext uri="{FF2B5EF4-FFF2-40B4-BE49-F238E27FC236}">
-                <a16:creationId xmlns:a16="http://schemas.microsoft.com/office/drawing/2014/main" id="{5DDAA321-C599-94C2-5491-6276C2DC7803}"/>
-              </a:ext>
-            </a:extLst>
-          </p:cNvPr>
+            <a:endParaRPr lang="es-ES" altLang="en-US" sz="1600">
+              <a:solidFill>
+                <a:schemeClr val="tx1"/>
+              </a:solidFill>
+              <a:uFillTx/>
+            </a:endParaRPr>
+          </a:p>
+        </p:txBody>
+      </p:sp>
+      <p:sp>
+        <p:nvSpPr>
+          <p:cNvPr id="17" name="Cuadro de texto 6"/>
           <p:cNvSpPr txBox="1"/>
           <p:nvPr/>
         </p:nvSpPr>
@@ -6593,7 +6579,9 @@
             <a:avLst/>
           </a:prstGeom>
           <a:solidFill>
-            <a:srgbClr val="B4DF5A"/>
+            <a:schemeClr val="accent4">
+              <a:lumMod val="75000"/>
+            </a:schemeClr>
           </a:solidFill>
         </p:spPr>
         <p:txBody>
@@ -6706,18 +6694,18 @@
               </a:rPr>
               <a:t>Eliminación de registros</a:t>
             </a:r>
-          </a:p>
-        </p:txBody>
-      </p:sp>
-      <p:sp>
-        <p:nvSpPr>
-          <p:cNvPr id="20" name="Flecha: a la derecha 19">
-            <a:extLst>
-              <a:ext uri="{FF2B5EF4-FFF2-40B4-BE49-F238E27FC236}">
-                <a16:creationId xmlns:a16="http://schemas.microsoft.com/office/drawing/2014/main" id="{22840EEB-1196-A858-9E90-7531BE221249}"/>
-              </a:ext>
-            </a:extLst>
-          </p:cNvPr>
+            <a:endParaRPr lang="es-ES" altLang="en-US" sz="1600">
+              <a:solidFill>
+                <a:schemeClr val="tx1"/>
+              </a:solidFill>
+              <a:uFillTx/>
+            </a:endParaRPr>
+          </a:p>
+        </p:txBody>
+      </p:sp>
+      <p:sp>
+        <p:nvSpPr>
+          <p:cNvPr id="20" name="Flecha: a la derecha 19"/>
           <p:cNvSpPr/>
           <p:nvPr/>
         </p:nvSpPr>
@@ -6762,13 +6750,7 @@
       </p:sp>
       <p:sp>
         <p:nvSpPr>
-          <p:cNvPr id="21" name="Flecha: a la derecha 20">
-            <a:extLst>
-              <a:ext uri="{FF2B5EF4-FFF2-40B4-BE49-F238E27FC236}">
-                <a16:creationId xmlns:a16="http://schemas.microsoft.com/office/drawing/2014/main" id="{22F1D03F-A27B-3AF8-EE16-753656A1DC96}"/>
-              </a:ext>
-            </a:extLst>
-          </p:cNvPr>
+          <p:cNvPr id="21" name="Flecha: a la derecha 20"/>
           <p:cNvSpPr/>
           <p:nvPr/>
         </p:nvSpPr>
@@ -6812,11 +6794,6 @@
         </p:txBody>
       </p:sp>
     </p:spTree>
-    <p:extLst>
-      <p:ext uri="{BB962C8B-B14F-4D97-AF65-F5344CB8AC3E}">
-        <p14:creationId xmlns:p14="http://schemas.microsoft.com/office/powerpoint/2010/main" val="508015446"/>
-      </p:ext>
-    </p:extLst>
   </p:cSld>
   <p:clrMapOvr>
     <a:masterClrMapping/>
@@ -6827,6 +6804,46 @@
 <file path=ppt/slides/slide2.xml><?xml version="1.0" encoding="utf-8"?>
 <p:sld xmlns:a="http://schemas.openxmlformats.org/drawingml/2006/main" xmlns:r="http://schemas.openxmlformats.org/officeDocument/2006/relationships" xmlns:p="http://schemas.openxmlformats.org/presentationml/2006/main">
   <p:cSld>
+    <p:bg>
+      <p:bgPr>
+        <a:gradFill>
+          <a:gsLst>
+            <a:gs pos="16000">
+              <a:schemeClr val="accent4">
+                <a:lumMod val="40000"/>
+                <a:lumOff val="60000"/>
+              </a:schemeClr>
+            </a:gs>
+            <a:gs pos="0">
+              <a:schemeClr val="accent1">
+                <a:lumMod val="5000"/>
+                <a:lumOff val="95000"/>
+              </a:schemeClr>
+            </a:gs>
+            <a:gs pos="74000">
+              <a:schemeClr val="accent1">
+                <a:lumMod val="45000"/>
+                <a:lumOff val="55000"/>
+              </a:schemeClr>
+            </a:gs>
+            <a:gs pos="83000">
+              <a:schemeClr val="accent1">
+                <a:lumMod val="45000"/>
+                <a:lumOff val="55000"/>
+              </a:schemeClr>
+            </a:gs>
+            <a:gs pos="100000">
+              <a:schemeClr val="accent1">
+                <a:lumMod val="30000"/>
+                <a:lumOff val="70000"/>
+              </a:schemeClr>
+            </a:gs>
+          </a:gsLst>
+          <a:lin ang="5400000" scaled="0"/>
+        </a:gradFill>
+        <a:effectLst/>
+      </p:bgPr>
+    </p:bg>
     <p:spTree>
       <p:nvGrpSpPr>
         <p:cNvPr id="1" name=""/>
@@ -6843,13 +6860,7 @@
       </p:grpSpPr>
       <p:sp>
         <p:nvSpPr>
-          <p:cNvPr id="2" name="Título 1">
-            <a:extLst>
-              <a:ext uri="{FF2B5EF4-FFF2-40B4-BE49-F238E27FC236}">
-                <a16:creationId xmlns:a16="http://schemas.microsoft.com/office/drawing/2014/main" id="{B52EE585-BC5A-151C-6C83-1C224BAC9993}"/>
-              </a:ext>
-            </a:extLst>
-          </p:cNvPr>
+          <p:cNvPr id="2" name="Título 1"/>
           <p:cNvSpPr>
             <a:spLocks noGrp="1"/>
           </p:cNvSpPr>
@@ -6866,18 +6877,13 @@
               <a:rPr lang="es-ES" dirty="0"/>
               <a:t>Índice</a:t>
             </a:r>
-          </a:p>
-        </p:txBody>
-      </p:sp>
-      <p:sp>
-        <p:nvSpPr>
-          <p:cNvPr id="3" name="Marcador de contenido 2">
-            <a:extLst>
-              <a:ext uri="{FF2B5EF4-FFF2-40B4-BE49-F238E27FC236}">
-                <a16:creationId xmlns:a16="http://schemas.microsoft.com/office/drawing/2014/main" id="{D8F309BF-2FE0-240A-3DF6-E04B81EB372C}"/>
-              </a:ext>
-            </a:extLst>
-          </p:cNvPr>
+            <a:endParaRPr lang="es-ES" dirty="0"/>
+          </a:p>
+        </p:txBody>
+      </p:sp>
+      <p:sp>
+        <p:nvSpPr>
+          <p:cNvPr id="3" name="Marcador de contenido 2"/>
           <p:cNvSpPr>
             <a:spLocks noGrp="1"/>
           </p:cNvSpPr>
@@ -6905,6 +6911,11 @@
               </a:rPr>
               <a:t>Descripción del proyecto</a:t>
             </a:r>
+            <a:endParaRPr lang="es-ES" sz="2400" dirty="0">
+              <a:solidFill>
+                <a:schemeClr val="tx1"/>
+              </a:solidFill>
+            </a:endParaRPr>
           </a:p>
           <a:p>
             <a:r>
@@ -6915,6 +6926,11 @@
               </a:rPr>
               <a:t>Tecnologías usadas</a:t>
             </a:r>
+            <a:endParaRPr lang="es-ES" sz="2400" dirty="0">
+              <a:solidFill>
+                <a:schemeClr val="tx1"/>
+              </a:solidFill>
+            </a:endParaRPr>
           </a:p>
           <a:p>
             <a:r>
@@ -6925,6 +6941,11 @@
               </a:rPr>
               <a:t>Conexión y creación de base de datos</a:t>
             </a:r>
+            <a:endParaRPr lang="es-ES" sz="2400" dirty="0">
+              <a:solidFill>
+                <a:schemeClr val="tx1"/>
+              </a:solidFill>
+            </a:endParaRPr>
           </a:p>
           <a:p>
             <a:r>
@@ -6935,6 +6956,11 @@
               </a:rPr>
               <a:t>Test BBDD</a:t>
             </a:r>
+            <a:endParaRPr lang="es-ES" sz="2400" dirty="0">
+              <a:solidFill>
+                <a:schemeClr val="tx1"/>
+              </a:solidFill>
+            </a:endParaRPr>
           </a:p>
           <a:p>
             <a:r>
@@ -6945,6 +6971,11 @@
               </a:rPr>
               <a:t>Clases de Java / JPA /Springboot/POSTMAN</a:t>
             </a:r>
+            <a:endParaRPr lang="es-ES" sz="2400" dirty="0">
+              <a:solidFill>
+                <a:schemeClr val="tx1"/>
+              </a:solidFill>
+            </a:endParaRPr>
           </a:p>
           <a:p>
             <a:r>
@@ -6955,6 +6986,11 @@
               </a:rPr>
               <a:t>Conclusiones</a:t>
             </a:r>
+            <a:endParaRPr lang="es-ES" sz="2400" dirty="0">
+              <a:solidFill>
+                <a:schemeClr val="tx1"/>
+              </a:solidFill>
+            </a:endParaRPr>
           </a:p>
           <a:p>
             <a:r>
@@ -6965,15 +7001,30 @@
               </a:rPr>
               <a:t>Bibliografía</a:t>
             </a:r>
+            <a:endParaRPr lang="es-ES" sz="2400" dirty="0">
+              <a:solidFill>
+                <a:schemeClr val="tx1"/>
+              </a:solidFill>
+            </a:endParaRPr>
+          </a:p>
+          <a:p>
+            <a:r>
+              <a:rPr lang="es-ES" sz="2400" dirty="0">
+                <a:solidFill>
+                  <a:schemeClr val="tx1"/>
+                </a:solidFill>
+              </a:rPr>
+              <a:t>Agradecimientos</a:t>
+            </a:r>
+            <a:endParaRPr lang="es-ES" sz="2400" dirty="0">
+              <a:solidFill>
+                <a:schemeClr val="tx1"/>
+              </a:solidFill>
+            </a:endParaRPr>
           </a:p>
         </p:txBody>
       </p:sp>
     </p:spTree>
-    <p:extLst>
-      <p:ext uri="{BB962C8B-B14F-4D97-AF65-F5344CB8AC3E}">
-        <p14:creationId xmlns:p14="http://schemas.microsoft.com/office/powerpoint/2010/main" val="473582295"/>
-      </p:ext>
-    </p:extLst>
   </p:cSld>
   <p:clrMapOvr>
     <a:masterClrMapping/>
@@ -6984,6 +7035,46 @@
 <file path=ppt/slides/slide20.xml><?xml version="1.0" encoding="utf-8"?>
 <p:sld xmlns:a="http://schemas.openxmlformats.org/drawingml/2006/main" xmlns:r="http://schemas.openxmlformats.org/officeDocument/2006/relationships" xmlns:p="http://schemas.openxmlformats.org/presentationml/2006/main">
   <p:cSld>
+    <p:bg>
+      <p:bgPr>
+        <a:gradFill>
+          <a:gsLst>
+            <a:gs pos="16000">
+              <a:schemeClr val="accent4">
+                <a:lumMod val="40000"/>
+                <a:lumOff val="60000"/>
+              </a:schemeClr>
+            </a:gs>
+            <a:gs pos="0">
+              <a:schemeClr val="accent1">
+                <a:lumMod val="5000"/>
+                <a:lumOff val="95000"/>
+              </a:schemeClr>
+            </a:gs>
+            <a:gs pos="74000">
+              <a:schemeClr val="accent1">
+                <a:lumMod val="45000"/>
+                <a:lumOff val="55000"/>
+              </a:schemeClr>
+            </a:gs>
+            <a:gs pos="83000">
+              <a:schemeClr val="accent1">
+                <a:lumMod val="45000"/>
+                <a:lumOff val="55000"/>
+              </a:schemeClr>
+            </a:gs>
+            <a:gs pos="100000">
+              <a:schemeClr val="accent1">
+                <a:lumMod val="30000"/>
+                <a:lumOff val="70000"/>
+              </a:schemeClr>
+            </a:gs>
+          </a:gsLst>
+          <a:lin ang="5400000" scaled="0"/>
+        </a:gradFill>
+        <a:effectLst/>
+      </p:bgPr>
+    </p:bg>
     <p:spTree>
       <p:nvGrpSpPr>
         <p:cNvPr id="1" name=""/>
@@ -7000,13 +7091,7 @@
       </p:grpSpPr>
       <p:sp>
         <p:nvSpPr>
-          <p:cNvPr id="2" name="Título 1">
-            <a:extLst>
-              <a:ext uri="{FF2B5EF4-FFF2-40B4-BE49-F238E27FC236}">
-                <a16:creationId xmlns:a16="http://schemas.microsoft.com/office/drawing/2014/main" id="{B4C7C7E3-29FA-CAAC-B098-AFB37E51D648}"/>
-              </a:ext>
-            </a:extLst>
-          </p:cNvPr>
+          <p:cNvPr id="2" name="Título 1"/>
           <p:cNvSpPr>
             <a:spLocks noGrp="1"/>
           </p:cNvSpPr>
@@ -7039,13 +7124,7 @@
       </p:sp>
       <p:sp>
         <p:nvSpPr>
-          <p:cNvPr id="3" name="Marcador de contenido 2">
-            <a:extLst>
-              <a:ext uri="{FF2B5EF4-FFF2-40B4-BE49-F238E27FC236}">
-                <a16:creationId xmlns:a16="http://schemas.microsoft.com/office/drawing/2014/main" id="{3E4EF3AA-0DC5-4AF4-9F00-33C45745FB8C}"/>
-              </a:ext>
-            </a:extLst>
-          </p:cNvPr>
+          <p:cNvPr id="3" name="Marcador de contenido 2"/>
           <p:cNvSpPr>
             <a:spLocks noGrp="1"/>
           </p:cNvSpPr>
@@ -7069,25 +7148,20 @@
               <a:rPr lang="es-ES" altLang="en-US" sz="2400" dirty="0"/>
               <a:t>GET: realizamos las distintas consultas a la bbdd.</a:t>
             </a:r>
+            <a:endParaRPr lang="es-ES" altLang="en-US" sz="2400" dirty="0"/>
           </a:p>
         </p:txBody>
       </p:sp>
       <p:pic>
         <p:nvPicPr>
-          <p:cNvPr id="4" name="Imagen 3" descr="postman">
-            <a:extLst>
-              <a:ext uri="{FF2B5EF4-FFF2-40B4-BE49-F238E27FC236}">
-                <a16:creationId xmlns:a16="http://schemas.microsoft.com/office/drawing/2014/main" id="{ADD0268B-917E-D62F-9FF7-4590F43EC905}"/>
-              </a:ext>
-            </a:extLst>
-          </p:cNvPr>
+          <p:cNvPr id="4" name="Imagen 3" descr="postman"/>
           <p:cNvPicPr>
             <a:picLocks noChangeAspect="1"/>
           </p:cNvPicPr>
           <p:nvPr/>
         </p:nvPicPr>
         <p:blipFill>
-          <a:blip r:embed="rId2"/>
+          <a:blip r:embed="rId1"/>
           <a:stretch>
             <a:fillRect/>
           </a:stretch>
@@ -7104,13 +7178,7 @@
       </p:pic>
       <p:sp>
         <p:nvSpPr>
-          <p:cNvPr id="8" name="Flecha: a la derecha 7">
-            <a:extLst>
-              <a:ext uri="{FF2B5EF4-FFF2-40B4-BE49-F238E27FC236}">
-                <a16:creationId xmlns:a16="http://schemas.microsoft.com/office/drawing/2014/main" id="{9E58A62C-8C80-3DEB-1D99-1A514FF8EF10}"/>
-              </a:ext>
-            </a:extLst>
-          </p:cNvPr>
+          <p:cNvPr id="8" name="Flecha: a la derecha 7"/>
           <p:cNvSpPr/>
           <p:nvPr/>
         </p:nvSpPr>
@@ -7152,11 +7220,6 @@
         </p:txBody>
       </p:sp>
     </p:spTree>
-    <p:extLst>
-      <p:ext uri="{BB962C8B-B14F-4D97-AF65-F5344CB8AC3E}">
-        <p14:creationId xmlns:p14="http://schemas.microsoft.com/office/powerpoint/2010/main" val="1360548156"/>
-      </p:ext>
-    </p:extLst>
   </p:cSld>
   <p:clrMapOvr>
     <a:masterClrMapping/>
@@ -7167,6 +7230,46 @@
 <file path=ppt/slides/slide21.xml><?xml version="1.0" encoding="utf-8"?>
 <p:sld xmlns:a="http://schemas.openxmlformats.org/drawingml/2006/main" xmlns:r="http://schemas.openxmlformats.org/officeDocument/2006/relationships" xmlns:p="http://schemas.openxmlformats.org/presentationml/2006/main">
   <p:cSld>
+    <p:bg>
+      <p:bgPr>
+        <a:gradFill>
+          <a:gsLst>
+            <a:gs pos="16000">
+              <a:schemeClr val="accent4">
+                <a:lumMod val="40000"/>
+                <a:lumOff val="60000"/>
+              </a:schemeClr>
+            </a:gs>
+            <a:gs pos="0">
+              <a:schemeClr val="accent1">
+                <a:lumMod val="5000"/>
+                <a:lumOff val="95000"/>
+              </a:schemeClr>
+            </a:gs>
+            <a:gs pos="74000">
+              <a:schemeClr val="accent1">
+                <a:lumMod val="45000"/>
+                <a:lumOff val="55000"/>
+              </a:schemeClr>
+            </a:gs>
+            <a:gs pos="83000">
+              <a:schemeClr val="accent1">
+                <a:lumMod val="45000"/>
+                <a:lumOff val="55000"/>
+              </a:schemeClr>
+            </a:gs>
+            <a:gs pos="100000">
+              <a:schemeClr val="accent1">
+                <a:lumMod val="30000"/>
+                <a:lumOff val="70000"/>
+              </a:schemeClr>
+            </a:gs>
+          </a:gsLst>
+          <a:lin ang="5400000" scaled="0"/>
+        </a:gradFill>
+        <a:effectLst/>
+      </p:bgPr>
+    </p:bg>
     <p:spTree>
       <p:nvGrpSpPr>
         <p:cNvPr id="1" name=""/>
@@ -7183,13 +7286,7 @@
       </p:grpSpPr>
       <p:sp>
         <p:nvSpPr>
-          <p:cNvPr id="2" name="Título 1">
-            <a:extLst>
-              <a:ext uri="{FF2B5EF4-FFF2-40B4-BE49-F238E27FC236}">
-                <a16:creationId xmlns:a16="http://schemas.microsoft.com/office/drawing/2014/main" id="{B4C7C7E3-29FA-CAAC-B098-AFB37E51D648}"/>
-              </a:ext>
-            </a:extLst>
-          </p:cNvPr>
+          <p:cNvPr id="2" name="Título 1"/>
           <p:cNvSpPr>
             <a:spLocks noGrp="1"/>
           </p:cNvSpPr>
@@ -7222,13 +7319,7 @@
       </p:sp>
       <p:sp>
         <p:nvSpPr>
-          <p:cNvPr id="3" name="Marcador de contenido 2">
-            <a:extLst>
-              <a:ext uri="{FF2B5EF4-FFF2-40B4-BE49-F238E27FC236}">
-                <a16:creationId xmlns:a16="http://schemas.microsoft.com/office/drawing/2014/main" id="{3E4EF3AA-0DC5-4AF4-9F00-33C45745FB8C}"/>
-              </a:ext>
-            </a:extLst>
-          </p:cNvPr>
+          <p:cNvPr id="3" name="Marcador de contenido 2"/>
           <p:cNvSpPr>
             <a:spLocks noGrp="1"/>
           </p:cNvSpPr>
@@ -7252,25 +7343,20 @@
               <a:rPr lang="es-ES" altLang="en-US" sz="2400" dirty="0"/>
               <a:t>POST: Para añadir nuevos registros </a:t>
             </a:r>
+            <a:endParaRPr lang="es-ES" altLang="en-US" sz="2400" dirty="0"/>
           </a:p>
         </p:txBody>
       </p:sp>
       <p:pic>
         <p:nvPicPr>
-          <p:cNvPr id="5" name="Imagen 4" descr="owner">
-            <a:extLst>
-              <a:ext uri="{FF2B5EF4-FFF2-40B4-BE49-F238E27FC236}">
-                <a16:creationId xmlns:a16="http://schemas.microsoft.com/office/drawing/2014/main" id="{2BF3EB2B-45A7-8A6E-5FAC-561E93D77A43}"/>
-              </a:ext>
-            </a:extLst>
-          </p:cNvPr>
+          <p:cNvPr id="5" name="Imagen 4" descr="owner"/>
           <p:cNvPicPr>
             <a:picLocks noChangeAspect="1"/>
           </p:cNvPicPr>
           <p:nvPr/>
         </p:nvPicPr>
         <p:blipFill>
-          <a:blip r:embed="rId2"/>
+          <a:blip r:embed="rId1"/>
           <a:stretch>
             <a:fillRect/>
           </a:stretch>
@@ -7287,13 +7373,7 @@
       </p:pic>
       <p:sp>
         <p:nvSpPr>
-          <p:cNvPr id="6" name="Cuadro de texto 8">
-            <a:extLst>
-              <a:ext uri="{FF2B5EF4-FFF2-40B4-BE49-F238E27FC236}">
-                <a16:creationId xmlns:a16="http://schemas.microsoft.com/office/drawing/2014/main" id="{04E45D21-945B-F2E8-6CCF-7CBEE09CE7AC}"/>
-              </a:ext>
-            </a:extLst>
-          </p:cNvPr>
+          <p:cNvPr id="6" name="Cuadro de texto 8"/>
           <p:cNvSpPr txBox="1"/>
           <p:nvPr/>
         </p:nvSpPr>
@@ -7306,7 +7386,9 @@
             <a:avLst/>
           </a:prstGeom>
           <a:solidFill>
-            <a:srgbClr val="B4DF5A"/>
+            <a:schemeClr val="accent4">
+              <a:lumMod val="75000"/>
+            </a:schemeClr>
           </a:solidFill>
         </p:spPr>
         <p:txBody>
@@ -7419,18 +7501,18 @@
               </a:rPr>
               <a:t>creamos un coche</a:t>
             </a:r>
-          </a:p>
-        </p:txBody>
-      </p:sp>
-      <p:sp>
-        <p:nvSpPr>
-          <p:cNvPr id="9" name="Flecha: a la derecha 8">
-            <a:extLst>
-              <a:ext uri="{FF2B5EF4-FFF2-40B4-BE49-F238E27FC236}">
-                <a16:creationId xmlns:a16="http://schemas.microsoft.com/office/drawing/2014/main" id="{401EF804-789E-43E9-D085-06874E596468}"/>
-              </a:ext>
-            </a:extLst>
-          </p:cNvPr>
+            <a:endParaRPr lang="es-ES" altLang="en-US" sz="1600" dirty="0">
+              <a:solidFill>
+                <a:schemeClr val="tx1"/>
+              </a:solidFill>
+              <a:uFillTx/>
+            </a:endParaRPr>
+          </a:p>
+        </p:txBody>
+      </p:sp>
+      <p:sp>
+        <p:nvSpPr>
+          <p:cNvPr id="9" name="Flecha: a la derecha 8"/>
           <p:cNvSpPr/>
           <p:nvPr/>
         </p:nvSpPr>
@@ -7472,11 +7554,6 @@
         </p:txBody>
       </p:sp>
     </p:spTree>
-    <p:extLst>
-      <p:ext uri="{BB962C8B-B14F-4D97-AF65-F5344CB8AC3E}">
-        <p14:creationId xmlns:p14="http://schemas.microsoft.com/office/powerpoint/2010/main" val="2119224208"/>
-      </p:ext>
-    </p:extLst>
   </p:cSld>
   <p:clrMapOvr>
     <a:masterClrMapping/>
@@ -7487,6 +7564,46 @@
 <file path=ppt/slides/slide22.xml><?xml version="1.0" encoding="utf-8"?>
 <p:sld xmlns:a="http://schemas.openxmlformats.org/drawingml/2006/main" xmlns:r="http://schemas.openxmlformats.org/officeDocument/2006/relationships" xmlns:p="http://schemas.openxmlformats.org/presentationml/2006/main">
   <p:cSld>
+    <p:bg>
+      <p:bgPr>
+        <a:gradFill>
+          <a:gsLst>
+            <a:gs pos="16000">
+              <a:schemeClr val="accent4">
+                <a:lumMod val="40000"/>
+                <a:lumOff val="60000"/>
+              </a:schemeClr>
+            </a:gs>
+            <a:gs pos="0">
+              <a:schemeClr val="accent1">
+                <a:lumMod val="5000"/>
+                <a:lumOff val="95000"/>
+              </a:schemeClr>
+            </a:gs>
+            <a:gs pos="74000">
+              <a:schemeClr val="accent1">
+                <a:lumMod val="45000"/>
+                <a:lumOff val="55000"/>
+              </a:schemeClr>
+            </a:gs>
+            <a:gs pos="83000">
+              <a:schemeClr val="accent1">
+                <a:lumMod val="45000"/>
+                <a:lumOff val="55000"/>
+              </a:schemeClr>
+            </a:gs>
+            <a:gs pos="100000">
+              <a:schemeClr val="accent1">
+                <a:lumMod val="30000"/>
+                <a:lumOff val="70000"/>
+              </a:schemeClr>
+            </a:gs>
+          </a:gsLst>
+          <a:lin ang="5400000" scaled="0"/>
+        </a:gradFill>
+        <a:effectLst/>
+      </p:bgPr>
+    </p:bg>
     <p:spTree>
       <p:nvGrpSpPr>
         <p:cNvPr id="1" name=""/>
@@ -7503,13 +7620,7 @@
       </p:grpSpPr>
       <p:sp>
         <p:nvSpPr>
-          <p:cNvPr id="2" name="Título 1">
-            <a:extLst>
-              <a:ext uri="{FF2B5EF4-FFF2-40B4-BE49-F238E27FC236}">
-                <a16:creationId xmlns:a16="http://schemas.microsoft.com/office/drawing/2014/main" id="{B4C7C7E3-29FA-CAAC-B098-AFB37E51D648}"/>
-              </a:ext>
-            </a:extLst>
-          </p:cNvPr>
+          <p:cNvPr id="2" name="Título 1"/>
           <p:cNvSpPr>
             <a:spLocks noGrp="1"/>
           </p:cNvSpPr>
@@ -7542,13 +7653,7 @@
       </p:sp>
       <p:sp>
         <p:nvSpPr>
-          <p:cNvPr id="3" name="Marcador de contenido 2">
-            <a:extLst>
-              <a:ext uri="{FF2B5EF4-FFF2-40B4-BE49-F238E27FC236}">
-                <a16:creationId xmlns:a16="http://schemas.microsoft.com/office/drawing/2014/main" id="{3E4EF3AA-0DC5-4AF4-9F00-33C45745FB8C}"/>
-              </a:ext>
-            </a:extLst>
-          </p:cNvPr>
+          <p:cNvPr id="3" name="Marcador de contenido 2"/>
           <p:cNvSpPr>
             <a:spLocks noGrp="1"/>
           </p:cNvSpPr>
@@ -7572,18 +7677,13 @@
               <a:rPr lang="es-ES" altLang="en-US" sz="2400" dirty="0"/>
               <a:t>POST: Para añadir nuevos registros </a:t>
             </a:r>
-          </a:p>
-        </p:txBody>
-      </p:sp>
-      <p:sp>
-        <p:nvSpPr>
-          <p:cNvPr id="6" name="Cuadro de texto 8">
-            <a:extLst>
-              <a:ext uri="{FF2B5EF4-FFF2-40B4-BE49-F238E27FC236}">
-                <a16:creationId xmlns:a16="http://schemas.microsoft.com/office/drawing/2014/main" id="{04E45D21-945B-F2E8-6CCF-7CBEE09CE7AC}"/>
-              </a:ext>
-            </a:extLst>
-          </p:cNvPr>
+            <a:endParaRPr lang="es-ES" altLang="en-US" sz="2400" dirty="0"/>
+          </a:p>
+        </p:txBody>
+      </p:sp>
+      <p:sp>
+        <p:nvSpPr>
+          <p:cNvPr id="6" name="Cuadro de texto 8"/>
           <p:cNvSpPr txBox="1"/>
           <p:nvPr/>
         </p:nvSpPr>
@@ -7596,7 +7696,9 @@
             <a:avLst/>
           </a:prstGeom>
           <a:solidFill>
-            <a:srgbClr val="B4DF5A"/>
+            <a:schemeClr val="accent4">
+              <a:lumMod val="75000"/>
+            </a:schemeClr>
           </a:solidFill>
         </p:spPr>
         <p:txBody>
@@ -7709,18 +7811,18 @@
               </a:rPr>
               <a:t>creamos un coche</a:t>
             </a:r>
-          </a:p>
-        </p:txBody>
-      </p:sp>
-      <p:sp>
-        <p:nvSpPr>
-          <p:cNvPr id="9" name="Flecha: a la derecha 8">
-            <a:extLst>
-              <a:ext uri="{FF2B5EF4-FFF2-40B4-BE49-F238E27FC236}">
-                <a16:creationId xmlns:a16="http://schemas.microsoft.com/office/drawing/2014/main" id="{401EF804-789E-43E9-D085-06874E596468}"/>
-              </a:ext>
-            </a:extLst>
-          </p:cNvPr>
+            <a:endParaRPr lang="es-ES" altLang="en-US" sz="1600" dirty="0">
+              <a:solidFill>
+                <a:schemeClr val="tx1"/>
+              </a:solidFill>
+              <a:uFillTx/>
+            </a:endParaRPr>
+          </a:p>
+        </p:txBody>
+      </p:sp>
+      <p:sp>
+        <p:nvSpPr>
+          <p:cNvPr id="9" name="Flecha: a la derecha 8"/>
           <p:cNvSpPr/>
           <p:nvPr/>
         </p:nvSpPr>
@@ -7763,13 +7865,31 @@
       </p:sp>
       <p:pic>
         <p:nvPicPr>
-          <p:cNvPr id="4" name="Imagen 3">
-            <a:extLst>
-              <a:ext uri="{FF2B5EF4-FFF2-40B4-BE49-F238E27FC236}">
-                <a16:creationId xmlns:a16="http://schemas.microsoft.com/office/drawing/2014/main" id="{A67B01B9-D77A-4015-2724-460867A3E768}"/>
-              </a:ext>
-            </a:extLst>
-          </p:cNvPr>
+          <p:cNvPr id="7" name="Imagen 6" descr="post1"/>
+          <p:cNvPicPr>
+            <a:picLocks noChangeAspect="1"/>
+          </p:cNvPicPr>
+          <p:nvPr/>
+        </p:nvPicPr>
+        <p:blipFill>
+          <a:blip r:embed="rId1"/>
+          <a:stretch>
+            <a:fillRect/>
+          </a:stretch>
+        </p:blipFill>
+        <p:spPr>
+          <a:xfrm>
+            <a:off x="941717" y="2328181"/>
+            <a:ext cx="5448300" cy="2877820"/>
+          </a:xfrm>
+          <a:prstGeom prst="rect">
+            <a:avLst/>
+          </a:prstGeom>
+        </p:spPr>
+      </p:pic>
+      <p:pic>
+        <p:nvPicPr>
+          <p:cNvPr id="8" name="Imagen 7" descr="post2"/>
           <p:cNvPicPr>
             <a:picLocks noChangeAspect="1"/>
           </p:cNvPicPr>
@@ -7783,83 +7903,17 @@
         </p:blipFill>
         <p:spPr>
           <a:xfrm>
-            <a:off x="7170642" y="2449103"/>
-            <a:ext cx="1914525" cy="371475"/>
+            <a:off x="6563360" y="3927111"/>
+            <a:ext cx="4409440" cy="2557780"/>
           </a:xfrm>
           <a:prstGeom prst="rect">
             <a:avLst/>
           </a:prstGeom>
         </p:spPr>
       </p:pic>
-      <p:pic>
-        <p:nvPicPr>
-          <p:cNvPr id="7" name="Imagen 6" descr="post1">
-            <a:extLst>
-              <a:ext uri="{FF2B5EF4-FFF2-40B4-BE49-F238E27FC236}">
-                <a16:creationId xmlns:a16="http://schemas.microsoft.com/office/drawing/2014/main" id="{BCF90962-032E-BC91-BEC9-42A79E4AF039}"/>
-              </a:ext>
-            </a:extLst>
-          </p:cNvPr>
-          <p:cNvPicPr>
-            <a:picLocks noChangeAspect="1"/>
-          </p:cNvPicPr>
-          <p:nvPr/>
-        </p:nvPicPr>
-        <p:blipFill>
-          <a:blip r:embed="rId3"/>
-          <a:stretch>
-            <a:fillRect/>
-          </a:stretch>
-        </p:blipFill>
-        <p:spPr>
-          <a:xfrm>
-            <a:off x="941717" y="2328181"/>
-            <a:ext cx="5448300" cy="2877820"/>
-          </a:xfrm>
-          <a:prstGeom prst="rect">
-            <a:avLst/>
-          </a:prstGeom>
-        </p:spPr>
-      </p:pic>
-      <p:pic>
-        <p:nvPicPr>
-          <p:cNvPr id="8" name="Imagen 7" descr="post2">
-            <a:extLst>
-              <a:ext uri="{FF2B5EF4-FFF2-40B4-BE49-F238E27FC236}">
-                <a16:creationId xmlns:a16="http://schemas.microsoft.com/office/drawing/2014/main" id="{3DBB69E8-90CF-5FE6-E1DC-4AAADBDA2BA1}"/>
-              </a:ext>
-            </a:extLst>
-          </p:cNvPr>
-          <p:cNvPicPr>
-            <a:picLocks noChangeAspect="1"/>
-          </p:cNvPicPr>
-          <p:nvPr/>
-        </p:nvPicPr>
-        <p:blipFill>
-          <a:blip r:embed="rId4"/>
-          <a:stretch>
-            <a:fillRect/>
-          </a:stretch>
-        </p:blipFill>
-        <p:spPr>
-          <a:xfrm>
-            <a:off x="6563360" y="3927111"/>
-            <a:ext cx="4409440" cy="2557780"/>
-          </a:xfrm>
-          <a:prstGeom prst="rect">
-            <a:avLst/>
-          </a:prstGeom>
-        </p:spPr>
-      </p:pic>
-      <p:sp>
-        <p:nvSpPr>
-          <p:cNvPr id="12" name="Flecha: a la derecha 11">
-            <a:extLst>
-              <a:ext uri="{FF2B5EF4-FFF2-40B4-BE49-F238E27FC236}">
-                <a16:creationId xmlns:a16="http://schemas.microsoft.com/office/drawing/2014/main" id="{B55C0110-A3DC-B40C-C427-866CCEAF8811}"/>
-              </a:ext>
-            </a:extLst>
-          </p:cNvPr>
+      <p:sp>
+        <p:nvSpPr>
+          <p:cNvPr id="12" name="Flecha: a la derecha 11"/>
           <p:cNvSpPr/>
           <p:nvPr/>
         </p:nvSpPr>
@@ -7900,12 +7954,146 @@
           </a:p>
         </p:txBody>
       </p:sp>
+      <p:sp>
+        <p:nvSpPr>
+          <p:cNvPr id="5" name="Cuadro de texto 8"/>
+          <p:cNvSpPr txBox="1"/>
+          <p:nvPr/>
+        </p:nvSpPr>
+        <p:spPr>
+          <a:xfrm>
+            <a:off x="7264477" y="2399228"/>
+            <a:ext cx="1909445" cy="368300"/>
+          </a:xfrm>
+          <a:prstGeom prst="rect">
+            <a:avLst/>
+          </a:prstGeom>
+          <a:solidFill>
+            <a:schemeClr val="accent4">
+              <a:lumMod val="75000"/>
+            </a:schemeClr>
+          </a:solidFill>
+        </p:spPr>
+        <p:txBody>
+          <a:bodyPr wrap="square" rtlCol="0">
+            <a:noAutofit/>
+          </a:bodyPr>
+          <a:lstStyle>
+            <a:defPPr>
+              <a:defRPr lang="zh-CN"/>
+            </a:defPPr>
+            <a:lvl1pPr marL="0" algn="l" defTabSz="914400" rtl="0" eaLnBrk="1" latinLnBrk="0" hangingPunct="1">
+              <a:defRPr sz="1800" kern="1200">
+                <a:solidFill>
+                  <a:schemeClr val="tx1"/>
+                </a:solidFill>
+                <a:latin typeface="+mn-lt"/>
+                <a:ea typeface="+mn-ea"/>
+                <a:cs typeface="+mn-cs"/>
+              </a:defRPr>
+            </a:lvl1pPr>
+            <a:lvl2pPr marL="457200" algn="l" defTabSz="914400" rtl="0" eaLnBrk="1" latinLnBrk="0" hangingPunct="1">
+              <a:defRPr sz="1800" kern="1200">
+                <a:solidFill>
+                  <a:schemeClr val="tx1"/>
+                </a:solidFill>
+                <a:latin typeface="+mn-lt"/>
+                <a:ea typeface="+mn-ea"/>
+                <a:cs typeface="+mn-cs"/>
+              </a:defRPr>
+            </a:lvl2pPr>
+            <a:lvl3pPr marL="914400" algn="l" defTabSz="914400" rtl="0" eaLnBrk="1" latinLnBrk="0" hangingPunct="1">
+              <a:defRPr sz="1800" kern="1200">
+                <a:solidFill>
+                  <a:schemeClr val="tx1"/>
+                </a:solidFill>
+                <a:latin typeface="+mn-lt"/>
+                <a:ea typeface="+mn-ea"/>
+                <a:cs typeface="+mn-cs"/>
+              </a:defRPr>
+            </a:lvl3pPr>
+            <a:lvl4pPr marL="1371600" algn="l" defTabSz="914400" rtl="0" eaLnBrk="1" latinLnBrk="0" hangingPunct="1">
+              <a:defRPr sz="1800" kern="1200">
+                <a:solidFill>
+                  <a:schemeClr val="tx1"/>
+                </a:solidFill>
+                <a:latin typeface="+mn-lt"/>
+                <a:ea typeface="+mn-ea"/>
+                <a:cs typeface="+mn-cs"/>
+              </a:defRPr>
+            </a:lvl4pPr>
+            <a:lvl5pPr marL="1828800" algn="l" defTabSz="914400" rtl="0" eaLnBrk="1" latinLnBrk="0" hangingPunct="1">
+              <a:defRPr sz="1800" kern="1200">
+                <a:solidFill>
+                  <a:schemeClr val="tx1"/>
+                </a:solidFill>
+                <a:latin typeface="+mn-lt"/>
+                <a:ea typeface="+mn-ea"/>
+                <a:cs typeface="+mn-cs"/>
+              </a:defRPr>
+            </a:lvl5pPr>
+            <a:lvl6pPr marL="2286000" algn="l" defTabSz="914400" rtl="0" eaLnBrk="1" latinLnBrk="0" hangingPunct="1">
+              <a:defRPr sz="1800" kern="1200">
+                <a:solidFill>
+                  <a:schemeClr val="tx1"/>
+                </a:solidFill>
+                <a:latin typeface="+mn-lt"/>
+                <a:ea typeface="+mn-ea"/>
+                <a:cs typeface="+mn-cs"/>
+              </a:defRPr>
+            </a:lvl6pPr>
+            <a:lvl7pPr marL="2743200" algn="l" defTabSz="914400" rtl="0" eaLnBrk="1" latinLnBrk="0" hangingPunct="1">
+              <a:defRPr sz="1800" kern="1200">
+                <a:solidFill>
+                  <a:schemeClr val="tx1"/>
+                </a:solidFill>
+                <a:latin typeface="+mn-lt"/>
+                <a:ea typeface="+mn-ea"/>
+                <a:cs typeface="+mn-cs"/>
+              </a:defRPr>
+            </a:lvl7pPr>
+            <a:lvl8pPr marL="3200400" algn="l" defTabSz="914400" rtl="0" eaLnBrk="1" latinLnBrk="0" hangingPunct="1">
+              <a:defRPr sz="1800" kern="1200">
+                <a:solidFill>
+                  <a:schemeClr val="tx1"/>
+                </a:solidFill>
+                <a:latin typeface="+mn-lt"/>
+                <a:ea typeface="+mn-ea"/>
+                <a:cs typeface="+mn-cs"/>
+              </a:defRPr>
+            </a:lvl8pPr>
+            <a:lvl9pPr marL="3657600" algn="l" defTabSz="914400" rtl="0" eaLnBrk="1" latinLnBrk="0" hangingPunct="1">
+              <a:defRPr sz="1800" kern="1200">
+                <a:solidFill>
+                  <a:schemeClr val="tx1"/>
+                </a:solidFill>
+                <a:latin typeface="+mn-lt"/>
+                <a:ea typeface="+mn-ea"/>
+                <a:cs typeface="+mn-cs"/>
+              </a:defRPr>
+            </a:lvl9pPr>
+          </a:lstStyle>
+          <a:p>
+            <a:pPr algn="ctr"/>
+            <a:r>
+              <a:rPr lang="es-ES" altLang="en-US" sz="1600" dirty="0">
+                <a:solidFill>
+                  <a:schemeClr val="tx1"/>
+                </a:solidFill>
+                <a:uFillTx/>
+              </a:rPr>
+              <a:t>creamos una marca </a:t>
+            </a:r>
+            <a:endParaRPr lang="es-ES" altLang="en-US" sz="1600" dirty="0">
+              <a:solidFill>
+                <a:schemeClr val="tx1"/>
+              </a:solidFill>
+              <a:uFillTx/>
+            </a:endParaRPr>
+          </a:p>
+        </p:txBody>
+      </p:sp>
     </p:spTree>
-    <p:extLst>
-      <p:ext uri="{BB962C8B-B14F-4D97-AF65-F5344CB8AC3E}">
-        <p14:creationId xmlns:p14="http://schemas.microsoft.com/office/powerpoint/2010/main" val="2602709198"/>
-      </p:ext>
-    </p:extLst>
   </p:cSld>
   <p:clrMapOvr>
     <a:masterClrMapping/>
@@ -7916,6 +8104,46 @@
 <file path=ppt/slides/slide23.xml><?xml version="1.0" encoding="utf-8"?>
 <p:sld xmlns:a="http://schemas.openxmlformats.org/drawingml/2006/main" xmlns:r="http://schemas.openxmlformats.org/officeDocument/2006/relationships" xmlns:p="http://schemas.openxmlformats.org/presentationml/2006/main">
   <p:cSld>
+    <p:bg>
+      <p:bgPr>
+        <a:gradFill>
+          <a:gsLst>
+            <a:gs pos="16000">
+              <a:schemeClr val="accent4">
+                <a:lumMod val="40000"/>
+                <a:lumOff val="60000"/>
+              </a:schemeClr>
+            </a:gs>
+            <a:gs pos="0">
+              <a:schemeClr val="accent1">
+                <a:lumMod val="5000"/>
+                <a:lumOff val="95000"/>
+              </a:schemeClr>
+            </a:gs>
+            <a:gs pos="74000">
+              <a:schemeClr val="accent1">
+                <a:lumMod val="45000"/>
+                <a:lumOff val="55000"/>
+              </a:schemeClr>
+            </a:gs>
+            <a:gs pos="83000">
+              <a:schemeClr val="accent1">
+                <a:lumMod val="45000"/>
+                <a:lumOff val="55000"/>
+              </a:schemeClr>
+            </a:gs>
+            <a:gs pos="100000">
+              <a:schemeClr val="accent1">
+                <a:lumMod val="30000"/>
+                <a:lumOff val="70000"/>
+              </a:schemeClr>
+            </a:gs>
+          </a:gsLst>
+          <a:lin ang="5400000" scaled="0"/>
+        </a:gradFill>
+        <a:effectLst/>
+      </p:bgPr>
+    </p:bg>
     <p:spTree>
       <p:nvGrpSpPr>
         <p:cNvPr id="1" name=""/>
@@ -7932,13 +8160,7 @@
       </p:grpSpPr>
       <p:sp>
         <p:nvSpPr>
-          <p:cNvPr id="2" name="Título 1">
-            <a:extLst>
-              <a:ext uri="{FF2B5EF4-FFF2-40B4-BE49-F238E27FC236}">
-                <a16:creationId xmlns:a16="http://schemas.microsoft.com/office/drawing/2014/main" id="{B4C7C7E3-29FA-CAAC-B098-AFB37E51D648}"/>
-              </a:ext>
-            </a:extLst>
-          </p:cNvPr>
+          <p:cNvPr id="2" name="Título 1"/>
           <p:cNvSpPr>
             <a:spLocks noGrp="1"/>
           </p:cNvSpPr>
@@ -7971,13 +8193,7 @@
       </p:sp>
       <p:sp>
         <p:nvSpPr>
-          <p:cNvPr id="3" name="Marcador de contenido 2">
-            <a:extLst>
-              <a:ext uri="{FF2B5EF4-FFF2-40B4-BE49-F238E27FC236}">
-                <a16:creationId xmlns:a16="http://schemas.microsoft.com/office/drawing/2014/main" id="{3E4EF3AA-0DC5-4AF4-9F00-33C45745FB8C}"/>
-              </a:ext>
-            </a:extLst>
-          </p:cNvPr>
+          <p:cNvPr id="3" name="Marcador de contenido 2"/>
           <p:cNvSpPr>
             <a:spLocks noGrp="1"/>
           </p:cNvSpPr>
@@ -8001,18 +8217,13 @@
               <a:rPr lang="es-ES" altLang="en-US" sz="2400" dirty="0"/>
               <a:t>PUT: Modificamos registro. </a:t>
             </a:r>
-          </a:p>
-        </p:txBody>
-      </p:sp>
-      <p:sp>
-        <p:nvSpPr>
-          <p:cNvPr id="9" name="Flecha: a la derecha 8">
-            <a:extLst>
-              <a:ext uri="{FF2B5EF4-FFF2-40B4-BE49-F238E27FC236}">
-                <a16:creationId xmlns:a16="http://schemas.microsoft.com/office/drawing/2014/main" id="{401EF804-789E-43E9-D085-06874E596468}"/>
-              </a:ext>
-            </a:extLst>
-          </p:cNvPr>
+            <a:endParaRPr lang="es-ES" altLang="en-US" sz="2400" dirty="0"/>
+          </a:p>
+        </p:txBody>
+      </p:sp>
+      <p:sp>
+        <p:nvSpPr>
+          <p:cNvPr id="9" name="Flecha: a la derecha 8"/>
           <p:cNvSpPr/>
           <p:nvPr/>
         </p:nvSpPr>
@@ -8055,20 +8266,14 @@
       </p:sp>
       <p:pic>
         <p:nvPicPr>
-          <p:cNvPr id="13" name="Imagen 12" descr="put">
-            <a:extLst>
-              <a:ext uri="{FF2B5EF4-FFF2-40B4-BE49-F238E27FC236}">
-                <a16:creationId xmlns:a16="http://schemas.microsoft.com/office/drawing/2014/main" id="{22A9EDA6-4D35-9474-1998-0344875ED3C3}"/>
-              </a:ext>
-            </a:extLst>
-          </p:cNvPr>
+          <p:cNvPr id="13" name="Imagen 12" descr="put"/>
           <p:cNvPicPr>
             <a:picLocks noChangeAspect="1"/>
           </p:cNvPicPr>
           <p:nvPr/>
         </p:nvPicPr>
         <p:blipFill>
-          <a:blip r:embed="rId2"/>
+          <a:blip r:embed="rId1"/>
           <a:stretch>
             <a:fillRect/>
           </a:stretch>
@@ -8085,13 +8290,7 @@
       </p:pic>
       <p:sp>
         <p:nvSpPr>
-          <p:cNvPr id="14" name="Cuadro de texto 8">
-            <a:extLst>
-              <a:ext uri="{FF2B5EF4-FFF2-40B4-BE49-F238E27FC236}">
-                <a16:creationId xmlns:a16="http://schemas.microsoft.com/office/drawing/2014/main" id="{082F901C-BB8B-6DB9-0F09-2D35A94895FA}"/>
-              </a:ext>
-            </a:extLst>
-          </p:cNvPr>
+          <p:cNvPr id="14" name="Cuadro de texto 8"/>
           <p:cNvSpPr txBox="1"/>
           <p:nvPr/>
         </p:nvSpPr>
@@ -8104,7 +8303,9 @@
             <a:avLst/>
           </a:prstGeom>
           <a:solidFill>
-            <a:srgbClr val="B4DF5A"/>
+            <a:schemeClr val="accent4">
+              <a:lumMod val="75000"/>
+            </a:schemeClr>
           </a:solidFill>
         </p:spPr>
         <p:txBody>
@@ -8217,15 +8418,16 @@
               </a:rPr>
               <a:t>Modificamos caracteriticas de coche</a:t>
             </a:r>
+            <a:endParaRPr lang="es-ES" altLang="en-US" sz="1600">
+              <a:solidFill>
+                <a:schemeClr val="tx1"/>
+              </a:solidFill>
+              <a:uFillTx/>
+            </a:endParaRPr>
           </a:p>
         </p:txBody>
       </p:sp>
     </p:spTree>
-    <p:extLst>
-      <p:ext uri="{BB962C8B-B14F-4D97-AF65-F5344CB8AC3E}">
-        <p14:creationId xmlns:p14="http://schemas.microsoft.com/office/powerpoint/2010/main" val="674703242"/>
-      </p:ext>
-    </p:extLst>
   </p:cSld>
   <p:clrMapOvr>
     <a:masterClrMapping/>
@@ -8236,6 +8438,46 @@
 <file path=ppt/slides/slide24.xml><?xml version="1.0" encoding="utf-8"?>
 <p:sld xmlns:a="http://schemas.openxmlformats.org/drawingml/2006/main" xmlns:r="http://schemas.openxmlformats.org/officeDocument/2006/relationships" xmlns:p="http://schemas.openxmlformats.org/presentationml/2006/main">
   <p:cSld>
+    <p:bg>
+      <p:bgPr>
+        <a:gradFill>
+          <a:gsLst>
+            <a:gs pos="16000">
+              <a:schemeClr val="accent4">
+                <a:lumMod val="40000"/>
+                <a:lumOff val="60000"/>
+              </a:schemeClr>
+            </a:gs>
+            <a:gs pos="0">
+              <a:schemeClr val="accent1">
+                <a:lumMod val="5000"/>
+                <a:lumOff val="95000"/>
+              </a:schemeClr>
+            </a:gs>
+            <a:gs pos="74000">
+              <a:schemeClr val="accent1">
+                <a:lumMod val="45000"/>
+                <a:lumOff val="55000"/>
+              </a:schemeClr>
+            </a:gs>
+            <a:gs pos="83000">
+              <a:schemeClr val="accent1">
+                <a:lumMod val="45000"/>
+                <a:lumOff val="55000"/>
+              </a:schemeClr>
+            </a:gs>
+            <a:gs pos="100000">
+              <a:schemeClr val="accent1">
+                <a:lumMod val="30000"/>
+                <a:lumOff val="70000"/>
+              </a:schemeClr>
+            </a:gs>
+          </a:gsLst>
+          <a:lin ang="5400000" scaled="0"/>
+        </a:gradFill>
+        <a:effectLst/>
+      </p:bgPr>
+    </p:bg>
     <p:spTree>
       <p:nvGrpSpPr>
         <p:cNvPr id="1" name=""/>
@@ -8252,13 +8494,7 @@
       </p:grpSpPr>
       <p:sp>
         <p:nvSpPr>
-          <p:cNvPr id="2" name="Título 1">
-            <a:extLst>
-              <a:ext uri="{FF2B5EF4-FFF2-40B4-BE49-F238E27FC236}">
-                <a16:creationId xmlns:a16="http://schemas.microsoft.com/office/drawing/2014/main" id="{B4C7C7E3-29FA-CAAC-B098-AFB37E51D648}"/>
-              </a:ext>
-            </a:extLst>
-          </p:cNvPr>
+          <p:cNvPr id="2" name="Título 1"/>
           <p:cNvSpPr>
             <a:spLocks noGrp="1"/>
           </p:cNvSpPr>
@@ -8291,13 +8527,7 @@
       </p:sp>
       <p:sp>
         <p:nvSpPr>
-          <p:cNvPr id="3" name="Marcador de contenido 2">
-            <a:extLst>
-              <a:ext uri="{FF2B5EF4-FFF2-40B4-BE49-F238E27FC236}">
-                <a16:creationId xmlns:a16="http://schemas.microsoft.com/office/drawing/2014/main" id="{3E4EF3AA-0DC5-4AF4-9F00-33C45745FB8C}"/>
-              </a:ext>
-            </a:extLst>
-          </p:cNvPr>
+          <p:cNvPr id="3" name="Marcador de contenido 2"/>
           <p:cNvSpPr>
             <a:spLocks noGrp="1"/>
           </p:cNvSpPr>
@@ -8321,6 +8551,7 @@
               <a:rPr lang="es-ES" altLang="en-US" sz="3200" dirty="0"/>
               <a:t>DELETE: Eliminamos registro. </a:t>
             </a:r>
+            <a:endParaRPr lang="es-ES" altLang="en-US" sz="3200" dirty="0"/>
           </a:p>
           <a:p>
             <a:endParaRPr lang="es-ES" altLang="en-US" sz="2400" dirty="0"/>
@@ -8329,13 +8560,31 @@
       </p:sp>
       <p:pic>
         <p:nvPicPr>
-          <p:cNvPr id="4" name="Imagen 3" descr="delete1">
-            <a:extLst>
-              <a:ext uri="{FF2B5EF4-FFF2-40B4-BE49-F238E27FC236}">
-                <a16:creationId xmlns:a16="http://schemas.microsoft.com/office/drawing/2014/main" id="{2CAB9144-F684-61DE-F9DD-22091ABBF6D3}"/>
-              </a:ext>
-            </a:extLst>
-          </p:cNvPr>
+          <p:cNvPr id="4" name="Imagen 3" descr="delete1"/>
+          <p:cNvPicPr>
+            <a:picLocks noChangeAspect="1"/>
+          </p:cNvPicPr>
+          <p:nvPr/>
+        </p:nvPicPr>
+        <p:blipFill>
+          <a:blip r:embed="rId1"/>
+          <a:stretch>
+            <a:fillRect/>
+          </a:stretch>
+        </p:blipFill>
+        <p:spPr>
+          <a:xfrm>
+            <a:off x="1108534" y="2541864"/>
+            <a:ext cx="4911267" cy="2920656"/>
+          </a:xfrm>
+          <a:prstGeom prst="rect">
+            <a:avLst/>
+          </a:prstGeom>
+        </p:spPr>
+      </p:pic>
+      <p:pic>
+        <p:nvPicPr>
+          <p:cNvPr id="5" name="Imagen 4" descr="delete2"/>
           <p:cNvPicPr>
             <a:picLocks noChangeAspect="1"/>
           </p:cNvPicPr>
@@ -8349,53 +8598,17 @@
         </p:blipFill>
         <p:spPr>
           <a:xfrm>
-            <a:off x="1108534" y="2541864"/>
-            <a:ext cx="4911267" cy="2920656"/>
+            <a:off x="6172200" y="2625754"/>
+            <a:ext cx="5773621" cy="2751589"/>
           </a:xfrm>
           <a:prstGeom prst="rect">
             <a:avLst/>
           </a:prstGeom>
         </p:spPr>
       </p:pic>
-      <p:pic>
-        <p:nvPicPr>
-          <p:cNvPr id="5" name="Imagen 4" descr="delete2">
-            <a:extLst>
-              <a:ext uri="{FF2B5EF4-FFF2-40B4-BE49-F238E27FC236}">
-                <a16:creationId xmlns:a16="http://schemas.microsoft.com/office/drawing/2014/main" id="{4BCF2586-3801-C991-CAF0-AA61784FDC3C}"/>
-              </a:ext>
-            </a:extLst>
-          </p:cNvPr>
-          <p:cNvPicPr>
-            <a:picLocks noChangeAspect="1"/>
-          </p:cNvPicPr>
-          <p:nvPr/>
-        </p:nvPicPr>
-        <p:blipFill>
-          <a:blip r:embed="rId3"/>
-          <a:stretch>
-            <a:fillRect/>
-          </a:stretch>
-        </p:blipFill>
-        <p:spPr>
-          <a:xfrm>
-            <a:off x="6172200" y="2625754"/>
-            <a:ext cx="5773621" cy="2751589"/>
-          </a:xfrm>
-          <a:prstGeom prst="rect">
-            <a:avLst/>
-          </a:prstGeom>
-        </p:spPr>
-      </p:pic>
-      <p:sp>
-        <p:nvSpPr>
-          <p:cNvPr id="6" name="Cuadro de texto 8">
-            <a:extLst>
-              <a:ext uri="{FF2B5EF4-FFF2-40B4-BE49-F238E27FC236}">
-                <a16:creationId xmlns:a16="http://schemas.microsoft.com/office/drawing/2014/main" id="{F7A41598-B90E-CBD1-FBF5-5A1544C1F9AF}"/>
-              </a:ext>
-            </a:extLst>
-          </p:cNvPr>
+      <p:sp>
+        <p:nvSpPr>
+          <p:cNvPr id="6" name="Cuadro de texto 8"/>
           <p:cNvSpPr txBox="1"/>
           <p:nvPr/>
         </p:nvSpPr>
@@ -8408,7 +8621,9 @@
             <a:avLst/>
           </a:prstGeom>
           <a:solidFill>
-            <a:srgbClr val="B4DF5A"/>
+            <a:schemeClr val="accent4">
+              <a:lumMod val="75000"/>
+            </a:schemeClr>
           </a:solidFill>
         </p:spPr>
         <p:txBody>
@@ -8521,15 +8736,16 @@
               </a:rPr>
               <a:t>Eliminamos el modelo</a:t>
             </a:r>
+            <a:endParaRPr lang="es-ES" altLang="en-US" sz="1600" dirty="0">
+              <a:solidFill>
+                <a:schemeClr val="tx1"/>
+              </a:solidFill>
+              <a:uFillTx/>
+            </a:endParaRPr>
           </a:p>
         </p:txBody>
       </p:sp>
     </p:spTree>
-    <p:extLst>
-      <p:ext uri="{BB962C8B-B14F-4D97-AF65-F5344CB8AC3E}">
-        <p14:creationId xmlns:p14="http://schemas.microsoft.com/office/powerpoint/2010/main" val="1934211586"/>
-      </p:ext>
-    </p:extLst>
   </p:cSld>
   <p:clrMapOvr>
     <a:masterClrMapping/>
@@ -8540,6 +8756,46 @@
 <file path=ppt/slides/slide25.xml><?xml version="1.0" encoding="utf-8"?>
 <p:sld xmlns:a="http://schemas.openxmlformats.org/drawingml/2006/main" xmlns:r="http://schemas.openxmlformats.org/officeDocument/2006/relationships" xmlns:p="http://schemas.openxmlformats.org/presentationml/2006/main">
   <p:cSld>
+    <p:bg>
+      <p:bgPr>
+        <a:gradFill>
+          <a:gsLst>
+            <a:gs pos="16000">
+              <a:schemeClr val="accent4">
+                <a:lumMod val="40000"/>
+                <a:lumOff val="60000"/>
+              </a:schemeClr>
+            </a:gs>
+            <a:gs pos="0">
+              <a:schemeClr val="accent1">
+                <a:lumMod val="5000"/>
+                <a:lumOff val="95000"/>
+              </a:schemeClr>
+            </a:gs>
+            <a:gs pos="74000">
+              <a:schemeClr val="accent1">
+                <a:lumMod val="45000"/>
+                <a:lumOff val="55000"/>
+              </a:schemeClr>
+            </a:gs>
+            <a:gs pos="83000">
+              <a:schemeClr val="accent1">
+                <a:lumMod val="45000"/>
+                <a:lumOff val="55000"/>
+              </a:schemeClr>
+            </a:gs>
+            <a:gs pos="100000">
+              <a:schemeClr val="accent1">
+                <a:lumMod val="30000"/>
+                <a:lumOff val="70000"/>
+              </a:schemeClr>
+            </a:gs>
+          </a:gsLst>
+          <a:lin ang="5400000" scaled="0"/>
+        </a:gradFill>
+        <a:effectLst/>
+      </p:bgPr>
+    </p:bg>
     <p:spTree>
       <p:nvGrpSpPr>
         <p:cNvPr id="1" name=""/>
@@ -8556,13 +8812,7 @@
       </p:grpSpPr>
       <p:sp>
         <p:nvSpPr>
-          <p:cNvPr id="2" name="Título 1">
-            <a:extLst>
-              <a:ext uri="{FF2B5EF4-FFF2-40B4-BE49-F238E27FC236}">
-                <a16:creationId xmlns:a16="http://schemas.microsoft.com/office/drawing/2014/main" id="{B4C7C7E3-29FA-CAAC-B098-AFB37E51D648}"/>
-              </a:ext>
-            </a:extLst>
-          </p:cNvPr>
+          <p:cNvPr id="2" name="Título 1"/>
           <p:cNvSpPr>
             <a:spLocks noGrp="1"/>
           </p:cNvSpPr>
@@ -8595,13 +8845,7 @@
       </p:sp>
       <p:sp>
         <p:nvSpPr>
-          <p:cNvPr id="3" name="Marcador de contenido 2">
-            <a:extLst>
-              <a:ext uri="{FF2B5EF4-FFF2-40B4-BE49-F238E27FC236}">
-                <a16:creationId xmlns:a16="http://schemas.microsoft.com/office/drawing/2014/main" id="{3E4EF3AA-0DC5-4AF4-9F00-33C45745FB8C}"/>
-              </a:ext>
-            </a:extLst>
-          </p:cNvPr>
+          <p:cNvPr id="3" name="Marcador de contenido 2"/>
           <p:cNvSpPr>
             <a:spLocks noGrp="1"/>
           </p:cNvSpPr>
@@ -8625,6 +8869,7 @@
               <a:rPr lang="es-ES" altLang="en-US" sz="3200" dirty="0"/>
               <a:t>Hacemos una búsqueda de coches por su modelo y marca</a:t>
             </a:r>
+            <a:endParaRPr lang="es-ES" altLang="en-US" sz="3200" dirty="0"/>
           </a:p>
           <a:p>
             <a:endParaRPr lang="es-ES" altLang="en-US" sz="3200" dirty="0"/>
@@ -8633,13 +8878,31 @@
       </p:sp>
       <p:pic>
         <p:nvPicPr>
-          <p:cNvPr id="7" name="Imagen 6">
-            <a:extLst>
-              <a:ext uri="{FF2B5EF4-FFF2-40B4-BE49-F238E27FC236}">
-                <a16:creationId xmlns:a16="http://schemas.microsoft.com/office/drawing/2014/main" id="{108F9093-DE71-B8F1-B3B9-9F4E4E9E2397}"/>
-              </a:ext>
-            </a:extLst>
-          </p:cNvPr>
+          <p:cNvPr id="7" name="Imagen 6"/>
+          <p:cNvPicPr>
+            <a:picLocks noChangeAspect="1"/>
+          </p:cNvPicPr>
+          <p:nvPr/>
+        </p:nvPicPr>
+        <p:blipFill>
+          <a:blip r:embed="rId1"/>
+          <a:stretch>
+            <a:fillRect/>
+          </a:stretch>
+        </p:blipFill>
+        <p:spPr>
+          <a:xfrm>
+            <a:off x="1190002" y="3011648"/>
+            <a:ext cx="4574302" cy="1529850"/>
+          </a:xfrm>
+          <a:prstGeom prst="rect">
+            <a:avLst/>
+          </a:prstGeom>
+        </p:spPr>
+      </p:pic>
+      <p:pic>
+        <p:nvPicPr>
+          <p:cNvPr id="8" name="Imagen 7"/>
           <p:cNvPicPr>
             <a:picLocks noChangeAspect="1"/>
           </p:cNvPicPr>
@@ -8653,8 +8916,8 @@
         </p:blipFill>
         <p:spPr>
           <a:xfrm>
-            <a:off x="1190002" y="3011648"/>
-            <a:ext cx="4574302" cy="1529850"/>
+            <a:off x="1190002" y="5071590"/>
+            <a:ext cx="4580400" cy="1524767"/>
           </a:xfrm>
           <a:prstGeom prst="rect">
             <a:avLst/>
@@ -8663,13 +8926,7 @@
       </p:pic>
       <p:pic>
         <p:nvPicPr>
-          <p:cNvPr id="8" name="Imagen 7">
-            <a:extLst>
-              <a:ext uri="{FF2B5EF4-FFF2-40B4-BE49-F238E27FC236}">
-                <a16:creationId xmlns:a16="http://schemas.microsoft.com/office/drawing/2014/main" id="{7F1E2688-27EB-C19B-068F-AFA3901F77A0}"/>
-              </a:ext>
-            </a:extLst>
-          </p:cNvPr>
+          <p:cNvPr id="9" name="Imagen 8"/>
           <p:cNvPicPr>
             <a:picLocks noChangeAspect="1"/>
           </p:cNvPicPr>
@@ -8683,53 +8940,17 @@
         </p:blipFill>
         <p:spPr>
           <a:xfrm>
-            <a:off x="1190002" y="5071590"/>
-            <a:ext cx="4580400" cy="1524767"/>
+            <a:off x="6172200" y="3361888"/>
+            <a:ext cx="5450205" cy="3138805"/>
           </a:xfrm>
           <a:prstGeom prst="rect">
             <a:avLst/>
           </a:prstGeom>
         </p:spPr>
       </p:pic>
-      <p:pic>
-        <p:nvPicPr>
-          <p:cNvPr id="9" name="Imagen 8">
-            <a:extLst>
-              <a:ext uri="{FF2B5EF4-FFF2-40B4-BE49-F238E27FC236}">
-                <a16:creationId xmlns:a16="http://schemas.microsoft.com/office/drawing/2014/main" id="{8BC30DE5-48F6-B05A-2E0C-1F8CD368AB8E}"/>
-              </a:ext>
-            </a:extLst>
-          </p:cNvPr>
-          <p:cNvPicPr>
-            <a:picLocks noChangeAspect="1"/>
-          </p:cNvPicPr>
-          <p:nvPr/>
-        </p:nvPicPr>
-        <p:blipFill>
-          <a:blip r:embed="rId4"/>
-          <a:stretch>
-            <a:fillRect/>
-          </a:stretch>
-        </p:blipFill>
-        <p:spPr>
-          <a:xfrm>
-            <a:off x="6172200" y="3361888"/>
-            <a:ext cx="5450205" cy="3138805"/>
-          </a:xfrm>
-          <a:prstGeom prst="rect">
-            <a:avLst/>
-          </a:prstGeom>
-        </p:spPr>
-      </p:pic>
-      <p:sp>
-        <p:nvSpPr>
-          <p:cNvPr id="10" name="Cuadro de texto 8">
-            <a:extLst>
-              <a:ext uri="{FF2B5EF4-FFF2-40B4-BE49-F238E27FC236}">
-                <a16:creationId xmlns:a16="http://schemas.microsoft.com/office/drawing/2014/main" id="{D8253DF9-0537-5B97-873D-1F69AAB8F2C4}"/>
-              </a:ext>
-            </a:extLst>
-          </p:cNvPr>
+      <p:sp>
+        <p:nvSpPr>
+          <p:cNvPr id="10" name="Cuadro de texto 8"/>
           <p:cNvSpPr txBox="1"/>
           <p:nvPr/>
         </p:nvSpPr>
@@ -8742,7 +8963,9 @@
             <a:avLst/>
           </a:prstGeom>
           <a:solidFill>
-            <a:srgbClr val="B4DF5A"/>
+            <a:schemeClr val="accent4">
+              <a:lumMod val="75000"/>
+            </a:schemeClr>
           </a:solidFill>
         </p:spPr>
         <p:txBody>
@@ -8855,18 +9078,18 @@
               </a:rPr>
               <a:t>buscamos por la uri</a:t>
             </a:r>
-          </a:p>
-        </p:txBody>
-      </p:sp>
-      <p:sp>
-        <p:nvSpPr>
-          <p:cNvPr id="11" name="Flecha: a la derecha 10">
-            <a:extLst>
-              <a:ext uri="{FF2B5EF4-FFF2-40B4-BE49-F238E27FC236}">
-                <a16:creationId xmlns:a16="http://schemas.microsoft.com/office/drawing/2014/main" id="{01CDB4AB-A0E5-C53B-6443-8BD1915DB722}"/>
-              </a:ext>
-            </a:extLst>
-          </p:cNvPr>
+            <a:endParaRPr lang="es-ES" altLang="en-US" sz="1600">
+              <a:solidFill>
+                <a:schemeClr val="tx1"/>
+              </a:solidFill>
+              <a:uFillTx/>
+            </a:endParaRPr>
+          </a:p>
+        </p:txBody>
+      </p:sp>
+      <p:sp>
+        <p:nvSpPr>
+          <p:cNvPr id="11" name="Flecha: a la derecha 10"/>
           <p:cNvSpPr/>
           <p:nvPr/>
         </p:nvSpPr>
@@ -8908,11 +9131,6 @@
         </p:txBody>
       </p:sp>
     </p:spTree>
-    <p:extLst>
-      <p:ext uri="{BB962C8B-B14F-4D97-AF65-F5344CB8AC3E}">
-        <p14:creationId xmlns:p14="http://schemas.microsoft.com/office/powerpoint/2010/main" val="1691191951"/>
-      </p:ext>
-    </p:extLst>
   </p:cSld>
   <p:clrMapOvr>
     <a:masterClrMapping/>
@@ -8923,6 +9141,46 @@
 <file path=ppt/slides/slide26.xml><?xml version="1.0" encoding="utf-8"?>
 <p:sld xmlns:a="http://schemas.openxmlformats.org/drawingml/2006/main" xmlns:r="http://schemas.openxmlformats.org/officeDocument/2006/relationships" xmlns:p="http://schemas.openxmlformats.org/presentationml/2006/main">
   <p:cSld>
+    <p:bg>
+      <p:bgPr>
+        <a:gradFill>
+          <a:gsLst>
+            <a:gs pos="16000">
+              <a:schemeClr val="accent4">
+                <a:lumMod val="40000"/>
+                <a:lumOff val="60000"/>
+              </a:schemeClr>
+            </a:gs>
+            <a:gs pos="0">
+              <a:schemeClr val="accent1">
+                <a:lumMod val="5000"/>
+                <a:lumOff val="95000"/>
+              </a:schemeClr>
+            </a:gs>
+            <a:gs pos="74000">
+              <a:schemeClr val="accent1">
+                <a:lumMod val="45000"/>
+                <a:lumOff val="55000"/>
+              </a:schemeClr>
+            </a:gs>
+            <a:gs pos="83000">
+              <a:schemeClr val="accent1">
+                <a:lumMod val="45000"/>
+                <a:lumOff val="55000"/>
+              </a:schemeClr>
+            </a:gs>
+            <a:gs pos="100000">
+              <a:schemeClr val="accent1">
+                <a:lumMod val="30000"/>
+                <a:lumOff val="70000"/>
+              </a:schemeClr>
+            </a:gs>
+          </a:gsLst>
+          <a:lin ang="5400000" scaled="0"/>
+        </a:gradFill>
+        <a:effectLst/>
+      </p:bgPr>
+    </p:bg>
     <p:spTree>
       <p:nvGrpSpPr>
         <p:cNvPr id="1" name=""/>
@@ -8939,13 +9197,7 @@
       </p:grpSpPr>
       <p:sp>
         <p:nvSpPr>
-          <p:cNvPr id="2" name="Título 1">
-            <a:extLst>
-              <a:ext uri="{FF2B5EF4-FFF2-40B4-BE49-F238E27FC236}">
-                <a16:creationId xmlns:a16="http://schemas.microsoft.com/office/drawing/2014/main" id="{8FD207E0-3D79-7DF7-C0E7-8A6D5ED567B1}"/>
-              </a:ext>
-            </a:extLst>
-          </p:cNvPr>
+          <p:cNvPr id="2" name="Título 1"/>
           <p:cNvSpPr>
             <a:spLocks noGrp="1"/>
           </p:cNvSpPr>
@@ -8972,13 +9224,7 @@
       </p:sp>
       <p:sp>
         <p:nvSpPr>
-          <p:cNvPr id="3" name="Marcador de contenido 2">
-            <a:extLst>
-              <a:ext uri="{FF2B5EF4-FFF2-40B4-BE49-F238E27FC236}">
-                <a16:creationId xmlns:a16="http://schemas.microsoft.com/office/drawing/2014/main" id="{B9909785-EACB-C6EE-8D3C-18BEB9929BC4}"/>
-              </a:ext>
-            </a:extLst>
-          </p:cNvPr>
+          <p:cNvPr id="3" name="Marcador de contenido 2"/>
           <p:cNvSpPr>
             <a:spLocks noGrp="1"/>
           </p:cNvSpPr>
@@ -9005,6 +9251,7 @@
               <a:rPr lang="es-ES" altLang="en-US" dirty="0"/>
               <a:t>Aunque ya había trabajo antes con base de datos y con JDBC en Java, y algo de Hibernate, lo que más me ha costado asimilar es el funcionamiento en Springboot de la tecnología JPA, he estado revisando varios manuales para ver cómo podría realizar posibles consultas derivadas, te permite varios formatos:</a:t>
             </a:r>
+            <a:endParaRPr lang="es-ES" altLang="en-US" dirty="0"/>
           </a:p>
           <a:p>
             <a:pPr lvl="1" indent="457200" algn="just"/>
@@ -9012,6 +9259,7 @@
               <a:rPr lang="es-ES" altLang="en-US" dirty="0"/>
               <a:t>Métodos de Query (Keywords)</a:t>
             </a:r>
+            <a:endParaRPr lang="es-ES" altLang="en-US" dirty="0"/>
           </a:p>
           <a:p>
             <a:pPr lvl="1" indent="457200" algn="just"/>
@@ -9019,6 +9267,7 @@
               <a:rPr lang="es-ES" altLang="en-US" dirty="0"/>
               <a:t>@Query con JPQL</a:t>
             </a:r>
+            <a:endParaRPr lang="es-ES" altLang="en-US" dirty="0"/>
           </a:p>
           <a:p>
             <a:pPr lvl="1" indent="457200" algn="just"/>
@@ -9030,6 +9279,7 @@
               <a:rPr lang="es-ES" altLang="en-US" sz="1710" dirty="0"/>
               <a:t>.</a:t>
             </a:r>
+            <a:endParaRPr lang="es-ES" altLang="en-US" sz="1710" dirty="0"/>
           </a:p>
           <a:p>
             <a:pPr lvl="1" indent="0" algn="just">
@@ -9061,6 +9311,7 @@
               <a:rPr lang="es-ES" altLang="en-US" dirty="0"/>
               <a:t> si soy capaz de realizar, en las que he empleado en este proyecto me ha supuesto bastante esfuerzo.</a:t>
             </a:r>
+            <a:endParaRPr lang="es-ES" altLang="en-US" dirty="0"/>
           </a:p>
           <a:p>
             <a:pPr lvl="1" indent="0" algn="just">
@@ -9076,6 +9327,7 @@
               <a:rPr lang="es-ES" altLang="en-US" dirty="0"/>
               <a:t>Es la primera vez que creo un proyecto MVC desde cero, veo que todo lo que hasta hoy nos han enseñado me ha podido servir para poder realizar este proyecto final, por lo que, me siento muy orgulloso de todo lo que he podido realizar.</a:t>
             </a:r>
+            <a:endParaRPr lang="es-ES" altLang="en-US" dirty="0"/>
           </a:p>
           <a:p>
             <a:endParaRPr lang="es-ES" dirty="0"/>
@@ -9083,11 +9335,6 @@
         </p:txBody>
       </p:sp>
     </p:spTree>
-    <p:extLst>
-      <p:ext uri="{BB962C8B-B14F-4D97-AF65-F5344CB8AC3E}">
-        <p14:creationId xmlns:p14="http://schemas.microsoft.com/office/powerpoint/2010/main" val="253225853"/>
-      </p:ext>
-    </p:extLst>
   </p:cSld>
   <p:clrMapOvr>
     <a:masterClrMapping/>
@@ -9098,6 +9345,46 @@
 <file path=ppt/slides/slide27.xml><?xml version="1.0" encoding="utf-8"?>
 <p:sld xmlns:a="http://schemas.openxmlformats.org/drawingml/2006/main" xmlns:r="http://schemas.openxmlformats.org/officeDocument/2006/relationships" xmlns:p="http://schemas.openxmlformats.org/presentationml/2006/main">
   <p:cSld>
+    <p:bg>
+      <p:bgPr>
+        <a:gradFill>
+          <a:gsLst>
+            <a:gs pos="16000">
+              <a:schemeClr val="accent4">
+                <a:lumMod val="40000"/>
+                <a:lumOff val="60000"/>
+              </a:schemeClr>
+            </a:gs>
+            <a:gs pos="0">
+              <a:schemeClr val="accent1">
+                <a:lumMod val="5000"/>
+                <a:lumOff val="95000"/>
+              </a:schemeClr>
+            </a:gs>
+            <a:gs pos="74000">
+              <a:schemeClr val="accent1">
+                <a:lumMod val="45000"/>
+                <a:lumOff val="55000"/>
+              </a:schemeClr>
+            </a:gs>
+            <a:gs pos="83000">
+              <a:schemeClr val="accent1">
+                <a:lumMod val="45000"/>
+                <a:lumOff val="55000"/>
+              </a:schemeClr>
+            </a:gs>
+            <a:gs pos="100000">
+              <a:schemeClr val="accent1">
+                <a:lumMod val="30000"/>
+                <a:lumOff val="70000"/>
+              </a:schemeClr>
+            </a:gs>
+          </a:gsLst>
+          <a:lin ang="5400000" scaled="0"/>
+        </a:gradFill>
+        <a:effectLst/>
+      </p:bgPr>
+    </p:bg>
     <p:spTree>
       <p:nvGrpSpPr>
         <p:cNvPr id="1" name=""/>
@@ -9114,13 +9401,7 @@
       </p:grpSpPr>
       <p:sp>
         <p:nvSpPr>
-          <p:cNvPr id="2" name="Título 1">
-            <a:extLst>
-              <a:ext uri="{FF2B5EF4-FFF2-40B4-BE49-F238E27FC236}">
-                <a16:creationId xmlns:a16="http://schemas.microsoft.com/office/drawing/2014/main" id="{8FD207E0-3D79-7DF7-C0E7-8A6D5ED567B1}"/>
-              </a:ext>
-            </a:extLst>
-          </p:cNvPr>
+          <p:cNvPr id="2" name="Título 1"/>
           <p:cNvSpPr>
             <a:spLocks noGrp="1"/>
           </p:cNvSpPr>
@@ -9144,13 +9425,7 @@
       </p:sp>
       <p:sp>
         <p:nvSpPr>
-          <p:cNvPr id="3" name="Marcador de contenido 2">
-            <a:extLst>
-              <a:ext uri="{FF2B5EF4-FFF2-40B4-BE49-F238E27FC236}">
-                <a16:creationId xmlns:a16="http://schemas.microsoft.com/office/drawing/2014/main" id="{B9909785-EACB-C6EE-8D3C-18BEB9929BC4}"/>
-              </a:ext>
-            </a:extLst>
-          </p:cNvPr>
+          <p:cNvPr id="3" name="Marcador de contenido 2"/>
           <p:cNvSpPr>
             <a:spLocks noGrp="1"/>
           </p:cNvSpPr>
@@ -9174,6 +9449,7 @@
               <a:rPr lang="es-ES" altLang="en-US" dirty="0"/>
               <a:t>Se podría mejorar en varios aspectos:</a:t>
             </a:r>
+            <a:endParaRPr lang="es-ES" altLang="en-US" dirty="0"/>
           </a:p>
           <a:p>
             <a:pPr indent="0">
@@ -9183,6 +9459,7 @@
               <a:rPr lang="es-ES" altLang="en-US" dirty="0"/>
               <a:t>	- Filtros más detallados de cada vehículo, terminación, etc.</a:t>
             </a:r>
+            <a:endParaRPr lang="es-ES" altLang="en-US" dirty="0"/>
           </a:p>
           <a:p>
             <a:pPr indent="0">
@@ -9192,6 +9469,7 @@
               <a:rPr lang="es-ES" altLang="en-US" dirty="0"/>
               <a:t>	- Poder realizar las vistas en las que se pueda confeccionar un vehículo a la 	medida del cliente.</a:t>
             </a:r>
+            <a:endParaRPr lang="es-ES" altLang="en-US" dirty="0"/>
           </a:p>
           <a:p>
             <a:pPr indent="0">
@@ -9201,6 +9479,7 @@
               <a:rPr lang="es-ES" altLang="en-US" dirty="0"/>
               <a:t>	- Poder realizar operaciones de CRUD más complejas(crear un coche desde 	cero en una sola inserción, así como poder borrar de igual manera.</a:t>
             </a:r>
+            <a:endParaRPr lang="es-ES" altLang="en-US" dirty="0"/>
           </a:p>
           <a:p>
             <a:endParaRPr lang="es-ES" dirty="0"/>
@@ -9208,11 +9487,6 @@
         </p:txBody>
       </p:sp>
     </p:spTree>
-    <p:extLst>
-      <p:ext uri="{BB962C8B-B14F-4D97-AF65-F5344CB8AC3E}">
-        <p14:creationId xmlns:p14="http://schemas.microsoft.com/office/powerpoint/2010/main" val="1846772847"/>
-      </p:ext>
-    </p:extLst>
   </p:cSld>
   <p:clrMapOvr>
     <a:masterClrMapping/>
@@ -9223,6 +9497,169 @@
 <file path=ppt/slides/slide28.xml><?xml version="1.0" encoding="utf-8"?>
 <p:sld xmlns:a="http://schemas.openxmlformats.org/drawingml/2006/main" xmlns:r="http://schemas.openxmlformats.org/officeDocument/2006/relationships" xmlns:p="http://schemas.openxmlformats.org/presentationml/2006/main">
   <p:cSld>
+    <p:bg>
+      <p:bgPr>
+        <a:gradFill>
+          <a:gsLst>
+            <a:gs pos="16000">
+              <a:schemeClr val="accent4">
+                <a:lumMod val="40000"/>
+                <a:lumOff val="60000"/>
+              </a:schemeClr>
+            </a:gs>
+            <a:gs pos="0">
+              <a:schemeClr val="accent1">
+                <a:lumMod val="5000"/>
+                <a:lumOff val="95000"/>
+              </a:schemeClr>
+            </a:gs>
+            <a:gs pos="74000">
+              <a:schemeClr val="accent1">
+                <a:lumMod val="45000"/>
+                <a:lumOff val="55000"/>
+              </a:schemeClr>
+            </a:gs>
+            <a:gs pos="83000">
+              <a:schemeClr val="accent1">
+                <a:lumMod val="45000"/>
+                <a:lumOff val="55000"/>
+              </a:schemeClr>
+            </a:gs>
+            <a:gs pos="100000">
+              <a:schemeClr val="accent1">
+                <a:lumMod val="30000"/>
+                <a:lumOff val="70000"/>
+              </a:schemeClr>
+            </a:gs>
+          </a:gsLst>
+          <a:lin ang="5400000" scaled="0"/>
+        </a:gradFill>
+        <a:effectLst/>
+      </p:bgPr>
+    </p:bg>
+    <p:spTree>
+      <p:nvGrpSpPr>
+        <p:cNvPr id="1" name=""/>
+        <p:cNvGrpSpPr/>
+        <p:nvPr/>
+      </p:nvGrpSpPr>
+      <p:grpSpPr/>
+      <p:sp>
+        <p:nvSpPr>
+          <p:cNvPr id="2" name="Título 1"/>
+          <p:cNvSpPr>
+            <a:spLocks noGrp="1"/>
+          </p:cNvSpPr>
+          <p:nvPr>
+            <p:ph type="title"/>
+          </p:nvPr>
+        </p:nvSpPr>
+        <p:spPr/>
+        <p:txBody>
+          <a:bodyPr/>
+          <a:p>
+            <a:pPr algn="ctr"/>
+            <a:r>
+              <a:rPr lang="es-ES" altLang="en-US"/>
+              <a:t>AGRADECIMIENTOS</a:t>
+            </a:r>
+            <a:endParaRPr lang="es-ES" altLang="en-US"/>
+          </a:p>
+        </p:txBody>
+      </p:sp>
+      <p:sp>
+        <p:nvSpPr>
+          <p:cNvPr id="3" name="Marcador de posición de contenido 2"/>
+          <p:cNvSpPr>
+            <a:spLocks noGrp="1"/>
+          </p:cNvSpPr>
+          <p:nvPr>
+            <p:ph idx="1"/>
+          </p:nvPr>
+        </p:nvSpPr>
+        <p:spPr/>
+        <p:txBody>
+          <a:bodyPr/>
+          <a:p>
+            <a:r>
+              <a:rPr lang="es-ES" altLang="en-US"/>
+              <a:t>Especial gracias tanto a Juan Pablo, por el aguante, como a Sofia por su atención en todo momento.</a:t>
+            </a:r>
+            <a:endParaRPr lang="es-ES" altLang="en-US"/>
+          </a:p>
+          <a:p>
+            <a:r>
+              <a:rPr lang="es-ES" altLang="en-US"/>
+              <a:t>A mis compañeros que muchos de ellos no sabía que era JAVA y que ahora después de tanto esfuerzo se ven que han progresado mucho.</a:t>
+            </a:r>
+            <a:endParaRPr lang="es-ES" altLang="en-US"/>
+          </a:p>
+          <a:p>
+            <a:r>
+              <a:rPr lang="es-ES" altLang="en-US"/>
+              <a:t>Espero que podamos juntarnos alguna vez todos juntos, aunque cada uno vivamos en una esquina de esta piel de toro.</a:t>
+            </a:r>
+            <a:endParaRPr lang="es-ES" altLang="en-US"/>
+          </a:p>
+          <a:p>
+            <a:pPr marL="0" indent="0">
+              <a:buNone/>
+            </a:pPr>
+            <a:endParaRPr lang="es-ES" altLang="en-US"/>
+          </a:p>
+        </p:txBody>
+      </p:sp>
+    </p:spTree>
+  </p:cSld>
+  <p:clrMapOvr>
+    <a:masterClrMapping/>
+  </p:clrMapOvr>
+</p:sld>
+</file>
+
+<file path=ppt/slides/slide29.xml><?xml version="1.0" encoding="utf-8"?>
+<p:sld xmlns:a="http://schemas.openxmlformats.org/drawingml/2006/main" xmlns:r="http://schemas.openxmlformats.org/officeDocument/2006/relationships" xmlns:p="http://schemas.openxmlformats.org/presentationml/2006/main">
+  <p:cSld>
+    <p:bg>
+      <p:bgPr>
+        <a:gradFill>
+          <a:gsLst>
+            <a:gs pos="16000">
+              <a:schemeClr val="accent4">
+                <a:lumMod val="40000"/>
+                <a:lumOff val="60000"/>
+              </a:schemeClr>
+            </a:gs>
+            <a:gs pos="0">
+              <a:schemeClr val="accent1">
+                <a:lumMod val="5000"/>
+                <a:lumOff val="95000"/>
+              </a:schemeClr>
+            </a:gs>
+            <a:gs pos="74000">
+              <a:schemeClr val="accent1">
+                <a:lumMod val="45000"/>
+                <a:lumOff val="55000"/>
+              </a:schemeClr>
+            </a:gs>
+            <a:gs pos="83000">
+              <a:schemeClr val="accent1">
+                <a:lumMod val="45000"/>
+                <a:lumOff val="55000"/>
+              </a:schemeClr>
+            </a:gs>
+            <a:gs pos="100000">
+              <a:schemeClr val="accent1">
+                <a:lumMod val="30000"/>
+                <a:lumOff val="70000"/>
+              </a:schemeClr>
+            </a:gs>
+          </a:gsLst>
+          <a:lin ang="5400000" scaled="0"/>
+        </a:gradFill>
+        <a:effectLst/>
+      </p:bgPr>
+    </p:bg>
     <p:spTree>
       <p:nvGrpSpPr>
         <p:cNvPr id="1" name=""/>
@@ -9239,13 +9676,7 @@
       </p:grpSpPr>
       <p:sp>
         <p:nvSpPr>
-          <p:cNvPr id="2" name="Título 1">
-            <a:extLst>
-              <a:ext uri="{FF2B5EF4-FFF2-40B4-BE49-F238E27FC236}">
-                <a16:creationId xmlns:a16="http://schemas.microsoft.com/office/drawing/2014/main" id="{501A9778-80DA-5D20-868B-AAC94AC0566D}"/>
-              </a:ext>
-            </a:extLst>
-          </p:cNvPr>
+          <p:cNvPr id="2" name="Título 1"/>
           <p:cNvSpPr>
             <a:spLocks noGrp="1"/>
           </p:cNvSpPr>
@@ -9276,13 +9707,7 @@
       </p:sp>
       <p:sp>
         <p:nvSpPr>
-          <p:cNvPr id="3" name="Marcador de contenido 2">
-            <a:extLst>
-              <a:ext uri="{FF2B5EF4-FFF2-40B4-BE49-F238E27FC236}">
-                <a16:creationId xmlns:a16="http://schemas.microsoft.com/office/drawing/2014/main" id="{2B83CA2C-72DE-2163-570B-FE20F8A4C119}"/>
-              </a:ext>
-            </a:extLst>
-          </p:cNvPr>
+          <p:cNvPr id="3" name="Marcador de contenido 2"/>
           <p:cNvSpPr>
             <a:spLocks noGrp="1"/>
           </p:cNvSpPr>
@@ -9305,6 +9730,7 @@
               <a:rPr lang="es-ES" altLang="en-US" dirty="0"/>
               <a:t>- https://www.youtube.com/watch?v=RNmiRbWvFRc</a:t>
             </a:r>
+            <a:endParaRPr lang="es-ES" altLang="en-US" dirty="0"/>
           </a:p>
           <a:p>
             <a:pPr indent="0">
@@ -9314,6 +9740,7 @@
               <a:rPr lang="es-ES" altLang="en-US" dirty="0"/>
               <a:t>- https://danielme.com/2023/03/05/curso-spring-data-jpa-consultas_derivadas-derived_queries-repositorios_asincronos/</a:t>
             </a:r>
+            <a:endParaRPr lang="es-ES" altLang="en-US" dirty="0"/>
           </a:p>
           <a:p>
             <a:pPr indent="0">
@@ -9323,6 +9750,7 @@
               <a:rPr lang="es-ES" altLang="en-US" dirty="0"/>
               <a:t>- https://trifulcas.com</a:t>
             </a:r>
+            <a:endParaRPr lang="es-ES" altLang="en-US" dirty="0"/>
           </a:p>
           <a:p>
             <a:pPr indent="0">
@@ -9330,8 +9758,19 @@
             </a:pPr>
             <a:r>
               <a:rPr lang="es-ES" altLang="en-US" dirty="0"/>
+              <a:t>- https://www.youtube.com/@javacode503/videos</a:t>
+            </a:r>
+            <a:endParaRPr lang="es-ES" altLang="en-US" dirty="0"/>
+          </a:p>
+          <a:p>
+            <a:pPr indent="0">
+              <a:buNone/>
+            </a:pPr>
+            <a:r>
+              <a:rPr lang="es-ES" altLang="en-US" dirty="0"/>
               <a:t>- PERPLEXITY.IA</a:t>
             </a:r>
+            <a:endParaRPr lang="es-ES" altLang="en-US" dirty="0"/>
           </a:p>
           <a:p>
             <a:endParaRPr lang="es-ES" dirty="0"/>
@@ -9339,11 +9778,6 @@
         </p:txBody>
       </p:sp>
     </p:spTree>
-    <p:extLst>
-      <p:ext uri="{BB962C8B-B14F-4D97-AF65-F5344CB8AC3E}">
-        <p14:creationId xmlns:p14="http://schemas.microsoft.com/office/powerpoint/2010/main" val="3292717831"/>
-      </p:ext>
-    </p:extLst>
   </p:cSld>
   <p:clrMapOvr>
     <a:masterClrMapping/>
@@ -9354,6 +9788,46 @@
 <file path=ppt/slides/slide3.xml><?xml version="1.0" encoding="utf-8"?>
 <p:sld xmlns:a="http://schemas.openxmlformats.org/drawingml/2006/main" xmlns:r="http://schemas.openxmlformats.org/officeDocument/2006/relationships" xmlns:p="http://schemas.openxmlformats.org/presentationml/2006/main">
   <p:cSld>
+    <p:bg>
+      <p:bgPr>
+        <a:gradFill>
+          <a:gsLst>
+            <a:gs pos="16000">
+              <a:schemeClr val="accent4">
+                <a:lumMod val="40000"/>
+                <a:lumOff val="60000"/>
+              </a:schemeClr>
+            </a:gs>
+            <a:gs pos="0">
+              <a:schemeClr val="accent1">
+                <a:lumMod val="5000"/>
+                <a:lumOff val="95000"/>
+              </a:schemeClr>
+            </a:gs>
+            <a:gs pos="74000">
+              <a:schemeClr val="accent1">
+                <a:lumMod val="45000"/>
+                <a:lumOff val="55000"/>
+              </a:schemeClr>
+            </a:gs>
+            <a:gs pos="83000">
+              <a:schemeClr val="accent1">
+                <a:lumMod val="45000"/>
+                <a:lumOff val="55000"/>
+              </a:schemeClr>
+            </a:gs>
+            <a:gs pos="100000">
+              <a:schemeClr val="accent1">
+                <a:lumMod val="30000"/>
+                <a:lumOff val="70000"/>
+              </a:schemeClr>
+            </a:gs>
+          </a:gsLst>
+          <a:lin ang="5400000" scaled="0"/>
+        </a:gradFill>
+        <a:effectLst/>
+      </p:bgPr>
+    </p:bg>
     <p:spTree>
       <p:nvGrpSpPr>
         <p:cNvPr id="1" name=""/>
@@ -9370,13 +9844,7 @@
       </p:grpSpPr>
       <p:sp>
         <p:nvSpPr>
-          <p:cNvPr id="2" name="Título 1">
-            <a:extLst>
-              <a:ext uri="{FF2B5EF4-FFF2-40B4-BE49-F238E27FC236}">
-                <a16:creationId xmlns:a16="http://schemas.microsoft.com/office/drawing/2014/main" id="{A2EC2A6E-8D49-10C5-F80F-9EDF816990C1}"/>
-              </a:ext>
-            </a:extLst>
-          </p:cNvPr>
+          <p:cNvPr id="2" name="Título 1"/>
           <p:cNvSpPr>
             <a:spLocks noGrp="1"/>
           </p:cNvSpPr>
@@ -9398,18 +9866,13 @@
               <a:rPr lang="es-ES" dirty="0"/>
               <a:t>Descripción del proyecto</a:t>
             </a:r>
-          </a:p>
-        </p:txBody>
-      </p:sp>
-      <p:sp>
-        <p:nvSpPr>
-          <p:cNvPr id="3" name="Marcador de contenido 2">
-            <a:extLst>
-              <a:ext uri="{FF2B5EF4-FFF2-40B4-BE49-F238E27FC236}">
-                <a16:creationId xmlns:a16="http://schemas.microsoft.com/office/drawing/2014/main" id="{14DF6AA1-9E3A-2C2D-86B9-DBADB92E8488}"/>
-              </a:ext>
-            </a:extLst>
-          </p:cNvPr>
+            <a:endParaRPr lang="es-ES" dirty="0"/>
+          </a:p>
+        </p:txBody>
+      </p:sp>
+      <p:sp>
+        <p:nvSpPr>
+          <p:cNvPr id="3" name="Marcador de contenido 2"/>
           <p:cNvSpPr>
             <a:spLocks noGrp="1"/>
           </p:cNvSpPr>
@@ -9432,6 +9895,7 @@
               <a:rPr lang="es-ES" altLang="en-US" sz="2400" dirty="0"/>
               <a:t>El concesionario de coches SalAuto S.L, ubicado en la provincia de Madrid, quiere una Api que muestre, las marcas y modelos de los vehículos que comercializan.</a:t>
             </a:r>
+            <a:endParaRPr lang="es-ES" altLang="en-US" sz="2400" dirty="0"/>
           </a:p>
           <a:p>
             <a:pPr algn="just"/>
@@ -9439,6 +9903,7 @@
               <a:rPr lang="es-ES" altLang="en-US" sz="2400" dirty="0"/>
               <a:t>A su vez, desean llevar un registro de vehículos vendidos que puedan filtrar por marcas, modelo o por clientes, para futuras campañas publicitarias.</a:t>
             </a:r>
+            <a:endParaRPr lang="es-ES" altLang="en-US" sz="2400" dirty="0"/>
           </a:p>
           <a:p>
             <a:pPr marL="0" indent="0">
@@ -9449,11 +9914,6 @@
         </p:txBody>
       </p:sp>
     </p:spTree>
-    <p:extLst>
-      <p:ext uri="{BB962C8B-B14F-4D97-AF65-F5344CB8AC3E}">
-        <p14:creationId xmlns:p14="http://schemas.microsoft.com/office/powerpoint/2010/main" val="1320643210"/>
-      </p:ext>
-    </p:extLst>
   </p:cSld>
   <p:clrMapOvr>
     <a:masterClrMapping/>
@@ -9464,6 +9924,46 @@
 <file path=ppt/slides/slide4.xml><?xml version="1.0" encoding="utf-8"?>
 <p:sld xmlns:a="http://schemas.openxmlformats.org/drawingml/2006/main" xmlns:r="http://schemas.openxmlformats.org/officeDocument/2006/relationships" xmlns:p="http://schemas.openxmlformats.org/presentationml/2006/main">
   <p:cSld>
+    <p:bg>
+      <p:bgPr>
+        <a:gradFill>
+          <a:gsLst>
+            <a:gs pos="16000">
+              <a:schemeClr val="accent4">
+                <a:lumMod val="40000"/>
+                <a:lumOff val="60000"/>
+              </a:schemeClr>
+            </a:gs>
+            <a:gs pos="0">
+              <a:schemeClr val="accent1">
+                <a:lumMod val="5000"/>
+                <a:lumOff val="95000"/>
+              </a:schemeClr>
+            </a:gs>
+            <a:gs pos="74000">
+              <a:schemeClr val="accent1">
+                <a:lumMod val="45000"/>
+                <a:lumOff val="55000"/>
+              </a:schemeClr>
+            </a:gs>
+            <a:gs pos="83000">
+              <a:schemeClr val="accent1">
+                <a:lumMod val="45000"/>
+                <a:lumOff val="55000"/>
+              </a:schemeClr>
+            </a:gs>
+            <a:gs pos="100000">
+              <a:schemeClr val="accent1">
+                <a:lumMod val="30000"/>
+                <a:lumOff val="70000"/>
+              </a:schemeClr>
+            </a:gs>
+          </a:gsLst>
+          <a:lin ang="5400000" scaled="0"/>
+        </a:gradFill>
+        <a:effectLst/>
+      </p:bgPr>
+    </p:bg>
     <p:spTree>
       <p:nvGrpSpPr>
         <p:cNvPr id="1" name=""/>
@@ -9480,13 +9980,7 @@
       </p:grpSpPr>
       <p:sp>
         <p:nvSpPr>
-          <p:cNvPr id="2" name="Título 1">
-            <a:extLst>
-              <a:ext uri="{FF2B5EF4-FFF2-40B4-BE49-F238E27FC236}">
-                <a16:creationId xmlns:a16="http://schemas.microsoft.com/office/drawing/2014/main" id="{519A87CE-CF6C-75A9-5826-23EAD992562A}"/>
-              </a:ext>
-            </a:extLst>
-          </p:cNvPr>
+          <p:cNvPr id="2" name="Título 1"/>
           <p:cNvSpPr>
             <a:spLocks noGrp="1"/>
           </p:cNvSpPr>
@@ -9503,18 +9997,13 @@
               <a:rPr lang="es-ES" dirty="0"/>
               <a:t>Tecnologías usadas</a:t>
             </a:r>
-          </a:p>
-        </p:txBody>
-      </p:sp>
-      <p:sp>
-        <p:nvSpPr>
-          <p:cNvPr id="3" name="Marcador de contenido 2">
-            <a:extLst>
-              <a:ext uri="{FF2B5EF4-FFF2-40B4-BE49-F238E27FC236}">
-                <a16:creationId xmlns:a16="http://schemas.microsoft.com/office/drawing/2014/main" id="{9C39F774-B824-E084-8389-BEE55474250C}"/>
-              </a:ext>
-            </a:extLst>
-          </p:cNvPr>
+            <a:endParaRPr lang="es-ES" dirty="0"/>
+          </a:p>
+        </p:txBody>
+      </p:sp>
+      <p:sp>
+        <p:nvSpPr>
+          <p:cNvPr id="3" name="Marcador de contenido 2"/>
           <p:cNvSpPr>
             <a:spLocks noGrp="1"/>
           </p:cNvSpPr>
@@ -9539,6 +10028,7 @@
               <a:rPr lang="es-ES" altLang="en-US" sz="2400" dirty="0"/>
               <a:t>Para las diferentes tareas que va a realizar nuestra API, utilizaremos las siguientes tecnologías:</a:t>
             </a:r>
+            <a:endParaRPr lang="es-ES" altLang="en-US" sz="2400" dirty="0"/>
           </a:p>
           <a:p>
             <a:pPr lvl="1" algn="just"/>
@@ -9554,6 +10044,7 @@
               <a:rPr lang="es-ES" altLang="en-US" sz="2400" b="1" dirty="0"/>
               <a:t>.</a:t>
             </a:r>
+            <a:endParaRPr lang="es-ES" altLang="en-US" sz="2400" b="1" dirty="0"/>
           </a:p>
           <a:p>
             <a:pPr lvl="1" algn="just"/>
@@ -9565,6 +10056,7 @@
               <a:rPr lang="es-ES" altLang="en-US" sz="2400" dirty="0"/>
               <a:t>: Será la encargada de realizar todas aquellas consultas a la base de datos.</a:t>
             </a:r>
+            <a:endParaRPr lang="es-ES" altLang="en-US" sz="2400" dirty="0"/>
           </a:p>
           <a:p>
             <a:pPr lvl="1"/>
@@ -9576,6 +10068,7 @@
               <a:rPr lang="es-ES" altLang="en-US" sz="2400" dirty="0"/>
               <a:t>: Nos proporciona la conexión con la base de datos.</a:t>
             </a:r>
+            <a:endParaRPr lang="es-ES" altLang="en-US" sz="2400" dirty="0"/>
           </a:p>
           <a:p>
             <a:pPr lvl="1"/>
@@ -9587,6 +10080,7 @@
               <a:rPr lang="es-ES" altLang="en-US" sz="2400" dirty="0"/>
               <a:t>: gestor de base de datos.</a:t>
             </a:r>
+            <a:endParaRPr lang="es-ES" altLang="en-US" sz="2400" dirty="0"/>
           </a:p>
           <a:p>
             <a:pPr lvl="1"/>
@@ -9598,6 +10092,7 @@
               <a:rPr lang="es-ES" altLang="en-US" sz="2400" dirty="0"/>
               <a:t>: para realizar la api rest.</a:t>
             </a:r>
+            <a:endParaRPr lang="es-ES" altLang="en-US" sz="2400" dirty="0"/>
           </a:p>
           <a:p>
             <a:pPr lvl="1"/>
@@ -9617,6 +10112,7 @@
               <a:rPr lang="es-ES" altLang="en-US" sz="2400" dirty="0"/>
               <a:t>Para comprobar el funcionamiento utilizaremos la aplicación.</a:t>
             </a:r>
+            <a:endParaRPr lang="es-ES" altLang="en-US" sz="2400" dirty="0"/>
           </a:p>
           <a:p>
             <a:pPr lvl="1"/>
@@ -9625,11 +10121,6 @@
         </p:txBody>
       </p:sp>
     </p:spTree>
-    <p:extLst>
-      <p:ext uri="{BB962C8B-B14F-4D97-AF65-F5344CB8AC3E}">
-        <p14:creationId xmlns:p14="http://schemas.microsoft.com/office/powerpoint/2010/main" val="1943099567"/>
-      </p:ext>
-    </p:extLst>
   </p:cSld>
   <p:clrMapOvr>
     <a:masterClrMapping/>
@@ -9640,6 +10131,46 @@
 <file path=ppt/slides/slide5.xml><?xml version="1.0" encoding="utf-8"?>
 <p:sld xmlns:a="http://schemas.openxmlformats.org/drawingml/2006/main" xmlns:r="http://schemas.openxmlformats.org/officeDocument/2006/relationships" xmlns:p="http://schemas.openxmlformats.org/presentationml/2006/main">
   <p:cSld>
+    <p:bg>
+      <p:bgPr>
+        <a:gradFill>
+          <a:gsLst>
+            <a:gs pos="16000">
+              <a:schemeClr val="accent4">
+                <a:lumMod val="40000"/>
+                <a:lumOff val="60000"/>
+              </a:schemeClr>
+            </a:gs>
+            <a:gs pos="0">
+              <a:schemeClr val="accent1">
+                <a:lumMod val="5000"/>
+                <a:lumOff val="95000"/>
+              </a:schemeClr>
+            </a:gs>
+            <a:gs pos="74000">
+              <a:schemeClr val="accent1">
+                <a:lumMod val="45000"/>
+                <a:lumOff val="55000"/>
+              </a:schemeClr>
+            </a:gs>
+            <a:gs pos="83000">
+              <a:schemeClr val="accent1">
+                <a:lumMod val="45000"/>
+                <a:lumOff val="55000"/>
+              </a:schemeClr>
+            </a:gs>
+            <a:gs pos="100000">
+              <a:schemeClr val="accent1">
+                <a:lumMod val="30000"/>
+                <a:lumOff val="70000"/>
+              </a:schemeClr>
+            </a:gs>
+          </a:gsLst>
+          <a:lin ang="5400000" scaled="0"/>
+        </a:gradFill>
+        <a:effectLst/>
+      </p:bgPr>
+    </p:bg>
     <p:spTree>
       <p:nvGrpSpPr>
         <p:cNvPr id="1" name=""/>
@@ -9656,13 +10187,7 @@
       </p:grpSpPr>
       <p:sp>
         <p:nvSpPr>
-          <p:cNvPr id="2" name="Título 1">
-            <a:extLst>
-              <a:ext uri="{FF2B5EF4-FFF2-40B4-BE49-F238E27FC236}">
-                <a16:creationId xmlns:a16="http://schemas.microsoft.com/office/drawing/2014/main" id="{B4C7C7E3-29FA-CAAC-B098-AFB37E51D648}"/>
-              </a:ext>
-            </a:extLst>
-          </p:cNvPr>
+          <p:cNvPr id="2" name="Título 1"/>
           <p:cNvSpPr>
             <a:spLocks noGrp="1"/>
           </p:cNvSpPr>
@@ -9695,13 +10220,7 @@
       </p:sp>
       <p:sp>
         <p:nvSpPr>
-          <p:cNvPr id="3" name="Marcador de contenido 2">
-            <a:extLst>
-              <a:ext uri="{FF2B5EF4-FFF2-40B4-BE49-F238E27FC236}">
-                <a16:creationId xmlns:a16="http://schemas.microsoft.com/office/drawing/2014/main" id="{3E4EF3AA-0DC5-4AF4-9F00-33C45745FB8C}"/>
-              </a:ext>
-            </a:extLst>
-          </p:cNvPr>
+          <p:cNvPr id="3" name="Marcador de contenido 2"/>
           <p:cNvSpPr>
             <a:spLocks noGrp="1"/>
           </p:cNvSpPr>
@@ -9752,6 +10271,9 @@
               </a:rPr>
               <a:t>Con el siguiente modelo entidad-relación:</a:t>
             </a:r>
+            <a:endParaRPr lang="es-ES" altLang="en-US" sz="2400" dirty="0">
+              <a:sym typeface="+mn-ea"/>
+            </a:endParaRPr>
           </a:p>
           <a:p>
             <a:pPr marL="0" indent="0">
@@ -9766,20 +10288,14 @@
       </p:sp>
       <p:pic>
         <p:nvPicPr>
-          <p:cNvPr id="4" name="Imagen 3" descr="tablas">
-            <a:extLst>
-              <a:ext uri="{FF2B5EF4-FFF2-40B4-BE49-F238E27FC236}">
-                <a16:creationId xmlns:a16="http://schemas.microsoft.com/office/drawing/2014/main" id="{61089A15-3569-4213-D041-1226CE5B52A7}"/>
-              </a:ext>
-            </a:extLst>
-          </p:cNvPr>
+          <p:cNvPr id="4" name="Imagen 3" descr="tablas"/>
           <p:cNvPicPr>
             <a:picLocks noChangeAspect="1"/>
           </p:cNvPicPr>
           <p:nvPr/>
         </p:nvPicPr>
         <p:blipFill>
-          <a:blip r:embed="rId2"/>
+          <a:blip r:embed="rId1"/>
           <a:stretch>
             <a:fillRect/>
           </a:stretch>
@@ -9825,11 +10341,6 @@
         </p:spPr>
       </p:pic>
     </p:spTree>
-    <p:extLst>
-      <p:ext uri="{BB962C8B-B14F-4D97-AF65-F5344CB8AC3E}">
-        <p14:creationId xmlns:p14="http://schemas.microsoft.com/office/powerpoint/2010/main" val="2469954100"/>
-      </p:ext>
-    </p:extLst>
   </p:cSld>
   <p:clrMapOvr>
     <a:masterClrMapping/>
@@ -9840,6 +10351,46 @@
 <file path=ppt/slides/slide6.xml><?xml version="1.0" encoding="utf-8"?>
 <p:sld xmlns:a="http://schemas.openxmlformats.org/drawingml/2006/main" xmlns:r="http://schemas.openxmlformats.org/officeDocument/2006/relationships" xmlns:p="http://schemas.openxmlformats.org/presentationml/2006/main">
   <p:cSld>
+    <p:bg>
+      <p:bgPr>
+        <a:gradFill>
+          <a:gsLst>
+            <a:gs pos="16000">
+              <a:schemeClr val="accent4">
+                <a:lumMod val="40000"/>
+                <a:lumOff val="60000"/>
+              </a:schemeClr>
+            </a:gs>
+            <a:gs pos="0">
+              <a:schemeClr val="accent1">
+                <a:lumMod val="5000"/>
+                <a:lumOff val="95000"/>
+              </a:schemeClr>
+            </a:gs>
+            <a:gs pos="74000">
+              <a:schemeClr val="accent1">
+                <a:lumMod val="45000"/>
+                <a:lumOff val="55000"/>
+              </a:schemeClr>
+            </a:gs>
+            <a:gs pos="83000">
+              <a:schemeClr val="accent1">
+                <a:lumMod val="45000"/>
+                <a:lumOff val="55000"/>
+              </a:schemeClr>
+            </a:gs>
+            <a:gs pos="100000">
+              <a:schemeClr val="accent1">
+                <a:lumMod val="30000"/>
+                <a:lumOff val="70000"/>
+              </a:schemeClr>
+            </a:gs>
+          </a:gsLst>
+          <a:lin ang="5400000" scaled="0"/>
+        </a:gradFill>
+        <a:effectLst/>
+      </p:bgPr>
+    </p:bg>
     <p:spTree>
       <p:nvGrpSpPr>
         <p:cNvPr id="1" name=""/>
@@ -9856,13 +10407,7 @@
       </p:grpSpPr>
       <p:sp>
         <p:nvSpPr>
-          <p:cNvPr id="2" name="Título 1">
-            <a:extLst>
-              <a:ext uri="{FF2B5EF4-FFF2-40B4-BE49-F238E27FC236}">
-                <a16:creationId xmlns:a16="http://schemas.microsoft.com/office/drawing/2014/main" id="{B4C7C7E3-29FA-CAAC-B098-AFB37E51D648}"/>
-              </a:ext>
-            </a:extLst>
-          </p:cNvPr>
+          <p:cNvPr id="2" name="Título 1"/>
           <p:cNvSpPr>
             <a:spLocks noGrp="1"/>
           </p:cNvSpPr>
@@ -9895,13 +10440,7 @@
       </p:sp>
       <p:sp>
         <p:nvSpPr>
-          <p:cNvPr id="3" name="Marcador de contenido 2">
-            <a:extLst>
-              <a:ext uri="{FF2B5EF4-FFF2-40B4-BE49-F238E27FC236}">
-                <a16:creationId xmlns:a16="http://schemas.microsoft.com/office/drawing/2014/main" id="{3E4EF3AA-0DC5-4AF4-9F00-33C45745FB8C}"/>
-              </a:ext>
-            </a:extLst>
-          </p:cNvPr>
+          <p:cNvPr id="3" name="Marcador de contenido 2"/>
           <p:cNvSpPr>
             <a:spLocks noGrp="1"/>
           </p:cNvSpPr>
@@ -9943,13 +10482,31 @@
       </p:sp>
       <p:pic>
         <p:nvPicPr>
-          <p:cNvPr id="5" name="Imagen 4">
-            <a:extLst>
-              <a:ext uri="{FF2B5EF4-FFF2-40B4-BE49-F238E27FC236}">
-                <a16:creationId xmlns:a16="http://schemas.microsoft.com/office/drawing/2014/main" id="{BABF3785-2479-D299-CDA3-2CF59EF8D21E}"/>
-              </a:ext>
-            </a:extLst>
-          </p:cNvPr>
+          <p:cNvPr id="5" name="Imagen 4"/>
+          <p:cNvPicPr>
+            <a:picLocks noChangeAspect="1"/>
+          </p:cNvPicPr>
+          <p:nvPr/>
+        </p:nvPicPr>
+        <p:blipFill>
+          <a:blip r:embed="rId1"/>
+          <a:stretch>
+            <a:fillRect/>
+          </a:stretch>
+        </p:blipFill>
+        <p:spPr>
+          <a:xfrm>
+            <a:off x="1020702" y="2473960"/>
+            <a:ext cx="6268720" cy="1910080"/>
+          </a:xfrm>
+          <a:prstGeom prst="rect">
+            <a:avLst/>
+          </a:prstGeom>
+        </p:spPr>
+      </p:pic>
+      <p:pic>
+        <p:nvPicPr>
+          <p:cNvPr id="6" name="Imagen 5" descr="propietario"/>
           <p:cNvPicPr>
             <a:picLocks noChangeAspect="1"/>
           </p:cNvPicPr>
@@ -9963,50 +10520,15 @@
         </p:blipFill>
         <p:spPr>
           <a:xfrm>
-            <a:off x="1020702" y="2473960"/>
-            <a:ext cx="6268720" cy="1910080"/>
+            <a:off x="7640320" y="2440940"/>
+            <a:ext cx="4175760" cy="3886200"/>
           </a:xfrm>
           <a:prstGeom prst="rect">
             <a:avLst/>
           </a:prstGeom>
         </p:spPr>
       </p:pic>
-      <p:pic>
-        <p:nvPicPr>
-          <p:cNvPr id="6" name="Imagen 5" descr="propietario">
-            <a:extLst>
-              <a:ext uri="{FF2B5EF4-FFF2-40B4-BE49-F238E27FC236}">
-                <a16:creationId xmlns:a16="http://schemas.microsoft.com/office/drawing/2014/main" id="{E69FE30B-FC5F-8E7C-638B-E18FF7856651}"/>
-              </a:ext>
-            </a:extLst>
-          </p:cNvPr>
-          <p:cNvPicPr>
-            <a:picLocks noChangeAspect="1"/>
-          </p:cNvPicPr>
-          <p:nvPr/>
-        </p:nvPicPr>
-        <p:blipFill>
-          <a:blip r:embed="rId3"/>
-          <a:stretch>
-            <a:fillRect/>
-          </a:stretch>
-        </p:blipFill>
-        <p:spPr>
-          <a:xfrm>
-            <a:off x="7640320" y="2440940"/>
-            <a:ext cx="4175760" cy="3886200"/>
-          </a:xfrm>
-          <a:prstGeom prst="rect">
-            <a:avLst/>
-          </a:prstGeom>
-        </p:spPr>
-      </p:pic>
     </p:spTree>
-    <p:extLst>
-      <p:ext uri="{BB962C8B-B14F-4D97-AF65-F5344CB8AC3E}">
-        <p14:creationId xmlns:p14="http://schemas.microsoft.com/office/powerpoint/2010/main" val="587130814"/>
-      </p:ext>
-    </p:extLst>
   </p:cSld>
   <p:clrMapOvr>
     <a:masterClrMapping/>
@@ -10017,6 +10539,46 @@
 <file path=ppt/slides/slide7.xml><?xml version="1.0" encoding="utf-8"?>
 <p:sld xmlns:a="http://schemas.openxmlformats.org/drawingml/2006/main" xmlns:r="http://schemas.openxmlformats.org/officeDocument/2006/relationships" xmlns:p="http://schemas.openxmlformats.org/presentationml/2006/main">
   <p:cSld>
+    <p:bg>
+      <p:bgPr>
+        <a:gradFill>
+          <a:gsLst>
+            <a:gs pos="16000">
+              <a:schemeClr val="accent4">
+                <a:lumMod val="40000"/>
+                <a:lumOff val="60000"/>
+              </a:schemeClr>
+            </a:gs>
+            <a:gs pos="0">
+              <a:schemeClr val="accent1">
+                <a:lumMod val="5000"/>
+                <a:lumOff val="95000"/>
+              </a:schemeClr>
+            </a:gs>
+            <a:gs pos="74000">
+              <a:schemeClr val="accent1">
+                <a:lumMod val="45000"/>
+                <a:lumOff val="55000"/>
+              </a:schemeClr>
+            </a:gs>
+            <a:gs pos="83000">
+              <a:schemeClr val="accent1">
+                <a:lumMod val="45000"/>
+                <a:lumOff val="55000"/>
+              </a:schemeClr>
+            </a:gs>
+            <a:gs pos="100000">
+              <a:schemeClr val="accent1">
+                <a:lumMod val="30000"/>
+                <a:lumOff val="70000"/>
+              </a:schemeClr>
+            </a:gs>
+          </a:gsLst>
+          <a:lin ang="5400000" scaled="0"/>
+        </a:gradFill>
+        <a:effectLst/>
+      </p:bgPr>
+    </p:bg>
     <p:spTree>
       <p:nvGrpSpPr>
         <p:cNvPr id="1" name=""/>
@@ -10033,13 +10595,7 @@
       </p:grpSpPr>
       <p:sp>
         <p:nvSpPr>
-          <p:cNvPr id="2" name="Título 1">
-            <a:extLst>
-              <a:ext uri="{FF2B5EF4-FFF2-40B4-BE49-F238E27FC236}">
-                <a16:creationId xmlns:a16="http://schemas.microsoft.com/office/drawing/2014/main" id="{B4C7C7E3-29FA-CAAC-B098-AFB37E51D648}"/>
-              </a:ext>
-            </a:extLst>
-          </p:cNvPr>
+          <p:cNvPr id="2" name="Título 1"/>
           <p:cNvSpPr>
             <a:spLocks noGrp="1"/>
           </p:cNvSpPr>
@@ -10072,13 +10628,7 @@
       </p:sp>
       <p:sp>
         <p:nvSpPr>
-          <p:cNvPr id="3" name="Marcador de contenido 2">
-            <a:extLst>
-              <a:ext uri="{FF2B5EF4-FFF2-40B4-BE49-F238E27FC236}">
-                <a16:creationId xmlns:a16="http://schemas.microsoft.com/office/drawing/2014/main" id="{3E4EF3AA-0DC5-4AF4-9F00-33C45745FB8C}"/>
-              </a:ext>
-            </a:extLst>
-          </p:cNvPr>
+          <p:cNvPr id="3" name="Marcador de contenido 2"/>
           <p:cNvSpPr>
             <a:spLocks noGrp="1"/>
           </p:cNvSpPr>
@@ -10111,13 +10661,31 @@
       </p:sp>
       <p:pic>
         <p:nvPicPr>
-          <p:cNvPr id="4" name="Imagen 3" descr="marca_es">
-            <a:extLst>
-              <a:ext uri="{FF2B5EF4-FFF2-40B4-BE49-F238E27FC236}">
-                <a16:creationId xmlns:a16="http://schemas.microsoft.com/office/drawing/2014/main" id="{58548978-00C6-7323-E0E2-C1180AC29C07}"/>
-              </a:ext>
-            </a:extLst>
-          </p:cNvPr>
+          <p:cNvPr id="4" name="Imagen 3" descr="marca_es"/>
+          <p:cNvPicPr>
+            <a:picLocks noChangeAspect="1"/>
+          </p:cNvPicPr>
+          <p:nvPr/>
+        </p:nvPicPr>
+        <p:blipFill>
+          <a:blip r:embed="rId1"/>
+          <a:stretch>
+            <a:fillRect/>
+          </a:stretch>
+        </p:blipFill>
+        <p:spPr>
+          <a:xfrm>
+            <a:off x="972898" y="2253974"/>
+            <a:ext cx="7129780" cy="1417955"/>
+          </a:xfrm>
+          <a:prstGeom prst="rect">
+            <a:avLst/>
+          </a:prstGeom>
+        </p:spPr>
+      </p:pic>
+      <p:pic>
+        <p:nvPicPr>
+          <p:cNvPr id="7" name="Imagen 6"/>
           <p:cNvPicPr>
             <a:picLocks noChangeAspect="1"/>
           </p:cNvPicPr>
@@ -10131,50 +10699,15 @@
         </p:blipFill>
         <p:spPr>
           <a:xfrm>
-            <a:off x="972898" y="2253974"/>
-            <a:ext cx="7129780" cy="1417955"/>
+            <a:off x="9057640" y="2962952"/>
+            <a:ext cx="1762760" cy="2980055"/>
           </a:xfrm>
           <a:prstGeom prst="rect">
             <a:avLst/>
           </a:prstGeom>
         </p:spPr>
       </p:pic>
-      <p:pic>
-        <p:nvPicPr>
-          <p:cNvPr id="7" name="Imagen 6">
-            <a:extLst>
-              <a:ext uri="{FF2B5EF4-FFF2-40B4-BE49-F238E27FC236}">
-                <a16:creationId xmlns:a16="http://schemas.microsoft.com/office/drawing/2014/main" id="{687D767A-E84A-6EEC-9376-085DE98F8209}"/>
-              </a:ext>
-            </a:extLst>
-          </p:cNvPr>
-          <p:cNvPicPr>
-            <a:picLocks noChangeAspect="1"/>
-          </p:cNvPicPr>
-          <p:nvPr/>
-        </p:nvPicPr>
-        <p:blipFill>
-          <a:blip r:embed="rId3"/>
-          <a:stretch>
-            <a:fillRect/>
-          </a:stretch>
-        </p:blipFill>
-        <p:spPr>
-          <a:xfrm>
-            <a:off x="9057640" y="2962952"/>
-            <a:ext cx="1762760" cy="2980055"/>
-          </a:xfrm>
-          <a:prstGeom prst="rect">
-            <a:avLst/>
-          </a:prstGeom>
-        </p:spPr>
-      </p:pic>
     </p:spTree>
-    <p:extLst>
-      <p:ext uri="{BB962C8B-B14F-4D97-AF65-F5344CB8AC3E}">
-        <p14:creationId xmlns:p14="http://schemas.microsoft.com/office/powerpoint/2010/main" val="2080571726"/>
-      </p:ext>
-    </p:extLst>
   </p:cSld>
   <p:clrMapOvr>
     <a:masterClrMapping/>
@@ -10185,6 +10718,46 @@
 <file path=ppt/slides/slide8.xml><?xml version="1.0" encoding="utf-8"?>
 <p:sld xmlns:a="http://schemas.openxmlformats.org/drawingml/2006/main" xmlns:r="http://schemas.openxmlformats.org/officeDocument/2006/relationships" xmlns:p="http://schemas.openxmlformats.org/presentationml/2006/main">
   <p:cSld>
+    <p:bg>
+      <p:bgPr>
+        <a:gradFill>
+          <a:gsLst>
+            <a:gs pos="16000">
+              <a:schemeClr val="accent4">
+                <a:lumMod val="40000"/>
+                <a:lumOff val="60000"/>
+              </a:schemeClr>
+            </a:gs>
+            <a:gs pos="0">
+              <a:schemeClr val="accent1">
+                <a:lumMod val="5000"/>
+                <a:lumOff val="95000"/>
+              </a:schemeClr>
+            </a:gs>
+            <a:gs pos="74000">
+              <a:schemeClr val="accent1">
+                <a:lumMod val="45000"/>
+                <a:lumOff val="55000"/>
+              </a:schemeClr>
+            </a:gs>
+            <a:gs pos="83000">
+              <a:schemeClr val="accent1">
+                <a:lumMod val="45000"/>
+                <a:lumOff val="55000"/>
+              </a:schemeClr>
+            </a:gs>
+            <a:gs pos="100000">
+              <a:schemeClr val="accent1">
+                <a:lumMod val="30000"/>
+                <a:lumOff val="70000"/>
+              </a:schemeClr>
+            </a:gs>
+          </a:gsLst>
+          <a:lin ang="5400000" scaled="0"/>
+        </a:gradFill>
+        <a:effectLst/>
+      </p:bgPr>
+    </p:bg>
     <p:spTree>
       <p:nvGrpSpPr>
         <p:cNvPr id="1" name=""/>
@@ -10201,13 +10774,7 @@
       </p:grpSpPr>
       <p:sp>
         <p:nvSpPr>
-          <p:cNvPr id="2" name="Título 1">
-            <a:extLst>
-              <a:ext uri="{FF2B5EF4-FFF2-40B4-BE49-F238E27FC236}">
-                <a16:creationId xmlns:a16="http://schemas.microsoft.com/office/drawing/2014/main" id="{B4C7C7E3-29FA-CAAC-B098-AFB37E51D648}"/>
-              </a:ext>
-            </a:extLst>
-          </p:cNvPr>
+          <p:cNvPr id="2" name="Título 1"/>
           <p:cNvSpPr>
             <a:spLocks noGrp="1"/>
           </p:cNvSpPr>
@@ -10240,13 +10807,7 @@
       </p:sp>
       <p:sp>
         <p:nvSpPr>
-          <p:cNvPr id="3" name="Marcador de contenido 2">
-            <a:extLst>
-              <a:ext uri="{FF2B5EF4-FFF2-40B4-BE49-F238E27FC236}">
-                <a16:creationId xmlns:a16="http://schemas.microsoft.com/office/drawing/2014/main" id="{3E4EF3AA-0DC5-4AF4-9F00-33C45745FB8C}"/>
-              </a:ext>
-            </a:extLst>
-          </p:cNvPr>
+          <p:cNvPr id="3" name="Marcador de contenido 2"/>
           <p:cNvSpPr>
             <a:spLocks noGrp="1"/>
           </p:cNvSpPr>
@@ -10279,13 +10840,31 @@
       </p:sp>
       <p:pic>
         <p:nvPicPr>
-          <p:cNvPr id="5" name="Imagen 4" descr="modelo_tab">
-            <a:extLst>
-              <a:ext uri="{FF2B5EF4-FFF2-40B4-BE49-F238E27FC236}">
-                <a16:creationId xmlns:a16="http://schemas.microsoft.com/office/drawing/2014/main" id="{82071067-3834-D605-67A5-AA6949040837}"/>
-              </a:ext>
-            </a:extLst>
-          </p:cNvPr>
+          <p:cNvPr id="5" name="Imagen 4" descr="modelo_tab"/>
+          <p:cNvPicPr>
+            <a:picLocks noChangeAspect="1"/>
+          </p:cNvPicPr>
+          <p:nvPr/>
+        </p:nvPicPr>
+        <p:blipFill>
+          <a:blip r:embed="rId1"/>
+          <a:stretch>
+            <a:fillRect/>
+          </a:stretch>
+        </p:blipFill>
+        <p:spPr>
+          <a:xfrm>
+            <a:off x="1219200" y="2267124"/>
+            <a:ext cx="6689725" cy="1662430"/>
+          </a:xfrm>
+          <a:prstGeom prst="rect">
+            <a:avLst/>
+          </a:prstGeom>
+        </p:spPr>
+      </p:pic>
+      <p:pic>
+        <p:nvPicPr>
+          <p:cNvPr id="6" name="Imagen 5" descr="modelo_reg"/>
           <p:cNvPicPr>
             <a:picLocks noChangeAspect="1"/>
           </p:cNvPicPr>
@@ -10299,50 +10878,15 @@
         </p:blipFill>
         <p:spPr>
           <a:xfrm>
-            <a:off x="1219200" y="2267124"/>
-            <a:ext cx="6689725" cy="1662430"/>
+            <a:off x="8335373" y="2676525"/>
+            <a:ext cx="3228340" cy="3190875"/>
           </a:xfrm>
           <a:prstGeom prst="rect">
             <a:avLst/>
           </a:prstGeom>
         </p:spPr>
       </p:pic>
-      <p:pic>
-        <p:nvPicPr>
-          <p:cNvPr id="6" name="Imagen 5" descr="modelo_reg">
-            <a:extLst>
-              <a:ext uri="{FF2B5EF4-FFF2-40B4-BE49-F238E27FC236}">
-                <a16:creationId xmlns:a16="http://schemas.microsoft.com/office/drawing/2014/main" id="{27E18CB2-C542-848E-5550-68A6416002AD}"/>
-              </a:ext>
-            </a:extLst>
-          </p:cNvPr>
-          <p:cNvPicPr>
-            <a:picLocks noChangeAspect="1"/>
-          </p:cNvPicPr>
-          <p:nvPr/>
-        </p:nvPicPr>
-        <p:blipFill>
-          <a:blip r:embed="rId3"/>
-          <a:stretch>
-            <a:fillRect/>
-          </a:stretch>
-        </p:blipFill>
-        <p:spPr>
-          <a:xfrm>
-            <a:off x="8335373" y="2676525"/>
-            <a:ext cx="3228340" cy="3190875"/>
-          </a:xfrm>
-          <a:prstGeom prst="rect">
-            <a:avLst/>
-          </a:prstGeom>
-        </p:spPr>
-      </p:pic>
     </p:spTree>
-    <p:extLst>
-      <p:ext uri="{BB962C8B-B14F-4D97-AF65-F5344CB8AC3E}">
-        <p14:creationId xmlns:p14="http://schemas.microsoft.com/office/powerpoint/2010/main" val="3102274172"/>
-      </p:ext>
-    </p:extLst>
   </p:cSld>
   <p:clrMapOvr>
     <a:masterClrMapping/>
@@ -10353,6 +10897,46 @@
 <file path=ppt/slides/slide9.xml><?xml version="1.0" encoding="utf-8"?>
 <p:sld xmlns:a="http://schemas.openxmlformats.org/drawingml/2006/main" xmlns:r="http://schemas.openxmlformats.org/officeDocument/2006/relationships" xmlns:p="http://schemas.openxmlformats.org/presentationml/2006/main">
   <p:cSld>
+    <p:bg>
+      <p:bgPr>
+        <a:gradFill>
+          <a:gsLst>
+            <a:gs pos="16000">
+              <a:schemeClr val="accent4">
+                <a:lumMod val="40000"/>
+                <a:lumOff val="60000"/>
+              </a:schemeClr>
+            </a:gs>
+            <a:gs pos="0">
+              <a:schemeClr val="accent1">
+                <a:lumMod val="5000"/>
+                <a:lumOff val="95000"/>
+              </a:schemeClr>
+            </a:gs>
+            <a:gs pos="74000">
+              <a:schemeClr val="accent1">
+                <a:lumMod val="45000"/>
+                <a:lumOff val="55000"/>
+              </a:schemeClr>
+            </a:gs>
+            <a:gs pos="83000">
+              <a:schemeClr val="accent1">
+                <a:lumMod val="45000"/>
+                <a:lumOff val="55000"/>
+              </a:schemeClr>
+            </a:gs>
+            <a:gs pos="100000">
+              <a:schemeClr val="accent1">
+                <a:lumMod val="30000"/>
+                <a:lumOff val="70000"/>
+              </a:schemeClr>
+            </a:gs>
+          </a:gsLst>
+          <a:lin ang="5400000" scaled="0"/>
+        </a:gradFill>
+        <a:effectLst/>
+      </p:bgPr>
+    </p:bg>
     <p:spTree>
       <p:nvGrpSpPr>
         <p:cNvPr id="1" name=""/>
@@ -10369,13 +10953,7 @@
       </p:grpSpPr>
       <p:sp>
         <p:nvSpPr>
-          <p:cNvPr id="2" name="Título 1">
-            <a:extLst>
-              <a:ext uri="{FF2B5EF4-FFF2-40B4-BE49-F238E27FC236}">
-                <a16:creationId xmlns:a16="http://schemas.microsoft.com/office/drawing/2014/main" id="{B4C7C7E3-29FA-CAAC-B098-AFB37E51D648}"/>
-              </a:ext>
-            </a:extLst>
-          </p:cNvPr>
+          <p:cNvPr id="2" name="Título 1"/>
           <p:cNvSpPr>
             <a:spLocks noGrp="1"/>
           </p:cNvSpPr>
@@ -10408,13 +10986,7 @@
       </p:sp>
       <p:sp>
         <p:nvSpPr>
-          <p:cNvPr id="3" name="Marcador de contenido 2">
-            <a:extLst>
-              <a:ext uri="{FF2B5EF4-FFF2-40B4-BE49-F238E27FC236}">
-                <a16:creationId xmlns:a16="http://schemas.microsoft.com/office/drawing/2014/main" id="{3E4EF3AA-0DC5-4AF4-9F00-33C45745FB8C}"/>
-              </a:ext>
-            </a:extLst>
-          </p:cNvPr>
+          <p:cNvPr id="3" name="Marcador de contenido 2"/>
           <p:cNvSpPr>
             <a:spLocks noGrp="1"/>
           </p:cNvSpPr>
@@ -10447,13 +11019,31 @@
       </p:sp>
       <p:pic>
         <p:nvPicPr>
-          <p:cNvPr id="4" name="Imagen 3" descr="coche_tabl">
-            <a:extLst>
-              <a:ext uri="{FF2B5EF4-FFF2-40B4-BE49-F238E27FC236}">
-                <a16:creationId xmlns:a16="http://schemas.microsoft.com/office/drawing/2014/main" id="{8F1DDEDC-B95D-A13C-C620-1BFA887C0AF8}"/>
-              </a:ext>
-            </a:extLst>
-          </p:cNvPr>
+          <p:cNvPr id="4" name="Imagen 3" descr="coche_tabl"/>
+          <p:cNvPicPr>
+            <a:picLocks noChangeAspect="1"/>
+          </p:cNvPicPr>
+          <p:nvPr/>
+        </p:nvPicPr>
+        <p:blipFill>
+          <a:blip r:embed="rId1"/>
+          <a:stretch>
+            <a:fillRect/>
+          </a:stretch>
+        </p:blipFill>
+        <p:spPr>
+          <a:xfrm>
+            <a:off x="1219200" y="1994112"/>
+            <a:ext cx="5709285" cy="2393315"/>
+          </a:xfrm>
+          <a:prstGeom prst="rect">
+            <a:avLst/>
+          </a:prstGeom>
+        </p:spPr>
+      </p:pic>
+      <p:pic>
+        <p:nvPicPr>
+          <p:cNvPr id="7" name="Imagen 6" descr="coche_reg"/>
           <p:cNvPicPr>
             <a:picLocks noChangeAspect="1"/>
           </p:cNvPicPr>
@@ -10467,50 +11057,15 @@
         </p:blipFill>
         <p:spPr>
           <a:xfrm>
-            <a:off x="1219200" y="1994112"/>
-            <a:ext cx="5709285" cy="2393315"/>
+            <a:off x="6096000" y="3261384"/>
+            <a:ext cx="5316220" cy="2748280"/>
           </a:xfrm>
           <a:prstGeom prst="rect">
             <a:avLst/>
           </a:prstGeom>
         </p:spPr>
       </p:pic>
-      <p:pic>
-        <p:nvPicPr>
-          <p:cNvPr id="7" name="Imagen 6" descr="coche_reg">
-            <a:extLst>
-              <a:ext uri="{FF2B5EF4-FFF2-40B4-BE49-F238E27FC236}">
-                <a16:creationId xmlns:a16="http://schemas.microsoft.com/office/drawing/2014/main" id="{5D4B4161-CA4C-84AA-DD65-EF509597CCF8}"/>
-              </a:ext>
-            </a:extLst>
-          </p:cNvPr>
-          <p:cNvPicPr>
-            <a:picLocks noChangeAspect="1"/>
-          </p:cNvPicPr>
-          <p:nvPr/>
-        </p:nvPicPr>
-        <p:blipFill>
-          <a:blip r:embed="rId3"/>
-          <a:stretch>
-            <a:fillRect/>
-          </a:stretch>
-        </p:blipFill>
-        <p:spPr>
-          <a:xfrm>
-            <a:off x="6096000" y="3261384"/>
-            <a:ext cx="5316220" cy="2748280"/>
-          </a:xfrm>
-          <a:prstGeom prst="rect">
-            <a:avLst/>
-          </a:prstGeom>
-        </p:spPr>
-      </p:pic>
     </p:spTree>
-    <p:extLst>
-      <p:ext uri="{BB962C8B-B14F-4D97-AF65-F5344CB8AC3E}">
-        <p14:creationId xmlns:p14="http://schemas.microsoft.com/office/powerpoint/2010/main" val="3671263618"/>
-      </p:ext>
-    </p:extLst>
   </p:cSld>
   <p:clrMapOvr>
     <a:masterClrMapping/>
@@ -10561,7 +11116,7 @@
     </a:clrScheme>
     <a:fontScheme name="Recorte">
       <a:majorFont>
-        <a:latin typeface="Franklin Gothic Book" panose="020B0503020102020204"/>
+        <a:latin typeface="Franklin Gothic Book"/>
         <a:ea typeface=""/>
         <a:cs typeface=""/>
         <a:font script="Jpan" typeface="メイリオ"/>
@@ -10596,7 +11151,7 @@
         <a:font script="Geor" typeface="Sylfaen"/>
       </a:majorFont>
       <a:minorFont>
-        <a:latin typeface="Franklin Gothic Book" panose="020B0503020102020204"/>
+        <a:latin typeface="Franklin Gothic Book"/>
         <a:ea typeface=""/>
         <a:cs typeface=""/>
         <a:font script="Jpan" typeface="メイリオ"/>
@@ -10766,11 +11321,9 @@
       </a:bgFillStyleLst>
     </a:fmtScheme>
   </a:themeElements>
-  <a:objectDefaults/>
-  <a:extraClrSchemeLst/>
   <a:extLst>
     <a:ext uri="{05A4C25C-085E-4340-85A3-A5531E510DB2}">
-      <thm15:themeFamily xmlns:thm15="http://schemas.microsoft.com/office/thememl/2012/main" name="Crop" id="{EC9488ED-E761-4D60-9AC4-764D1FE2C171}" vid="{CE19780C-D67D-4C13-9DE9-A52BC3BA51B4}"/>
+      <thm15:themeFamily xmlns:thm15="http://schemas.microsoft.com/office/thememl/2012/main" name="Office Theme" id="{62F939B6-93AF-4DB8-9C6B-D6C7DFDC589F}" vid="{4A3C46E8-61CC-4603-A589-7422A47A8E4A}"/>
     </a:ext>
   </a:extLst>
 </a:theme>
